--- a/Project-Proposal/Automatic Braking System.pptx
+++ b/Project-Proposal/Automatic Braking System.pptx
@@ -5864,43 +5864,40 @@
             <a:spLocks noGrp="1"/>
           </p:cNvSpPr>
           <p:nvPr>
-            <p:ph type="ctrTitle"/>
-          </p:nvPr>
-        </p:nvSpPr>
-        <p:spPr/>
-        <p:txBody>
-          <a:bodyPr/>
-          <a:lstStyle/>
-          <a:p>
-            <a:r>
-              <a:rPr lang="en-US" dirty="0" smtClean="0"/>
-              <a:t>Automatic Braking System</a:t>
-            </a:r>
-            <a:endParaRPr lang="en-US" dirty="0"/>
-          </a:p>
-        </p:txBody>
-      </p:sp>
-      <p:sp>
-        <p:nvSpPr>
-          <p:cNvPr id="3" name="Subtitle 2"/>
-          <p:cNvSpPr>
-            <a:spLocks noGrp="1"/>
-          </p:cNvSpPr>
-          <p:nvPr>
-            <p:ph type="subTitle" idx="1"/>
+            <p:ph type="title"/>
           </p:nvPr>
         </p:nvSpPr>
         <p:spPr>
           <a:xfrm>
-            <a:off x="1540476" y="3602038"/>
-            <a:ext cx="9144000" cy="1655762"/>
+            <a:off x="543519" y="2148468"/>
+            <a:ext cx="8596668" cy="1320800"/>
           </a:xfrm>
         </p:spPr>
         <p:txBody>
-          <a:bodyPr/>
+          <a:bodyPr>
+            <a:normAutofit fontScale="90000"/>
+          </a:bodyPr>
           <a:lstStyle/>
           <a:p>
-            <a:endParaRPr lang="en-US" dirty="0"/>
+            <a:pPr algn="ctr"/>
+            <a:r>
+              <a:rPr lang="en-US" sz="7800" dirty="0" smtClean="0">
+                <a:latin typeface="Times New Roman" panose="02020603050405020304" pitchFamily="18" charset="0"/>
+                <a:cs typeface="Times New Roman" panose="02020603050405020304" pitchFamily="18" charset="0"/>
+              </a:rPr>
+              <a:t>Automatic</a:t>
+            </a:r>
+            <a:r>
+              <a:rPr lang="en-US" sz="7000" dirty="0" smtClean="0">
+                <a:latin typeface="Times New Roman" panose="02020603050405020304" pitchFamily="18" charset="0"/>
+                <a:cs typeface="Times New Roman" panose="02020603050405020304" pitchFamily="18" charset="0"/>
+              </a:rPr>
+              <a:t> Braking System</a:t>
+            </a:r>
+            <a:endParaRPr lang="en-US" sz="7000" dirty="0">
+              <a:latin typeface="Times New Roman" panose="02020603050405020304" pitchFamily="18" charset="0"/>
+              <a:cs typeface="Times New Roman" panose="02020603050405020304" pitchFamily="18" charset="0"/>
+            </a:endParaRPr>
           </a:p>
         </p:txBody>
       </p:sp>
@@ -5951,41 +5948,65 @@
             <p:ph type="title"/>
           </p:nvPr>
         </p:nvSpPr>
-        <p:spPr/>
-        <p:txBody>
-          <a:bodyPr/>
-          <a:lstStyle/>
-          <a:p>
-            <a:r>
-              <a:rPr lang="en-US" dirty="0" smtClean="0"/>
-              <a:t>Objective</a:t>
-            </a:r>
-            <a:endParaRPr lang="en-US" dirty="0"/>
-          </a:p>
-        </p:txBody>
-      </p:sp>
-      <p:sp>
-        <p:nvSpPr>
-          <p:cNvPr id="3" name="Content Placeholder 2"/>
-          <p:cNvSpPr>
-            <a:spLocks noGrp="1"/>
-          </p:cNvSpPr>
-          <p:nvPr>
-            <p:ph idx="1"/>
-          </p:nvPr>
-        </p:nvSpPr>
-        <p:spPr/>
+        <p:spPr>
+          <a:xfrm>
+            <a:off x="677334" y="609600"/>
+            <a:ext cx="8596668" cy="851210"/>
+          </a:xfrm>
+        </p:spPr>
         <p:txBody>
           <a:bodyPr>
             <a:normAutofit/>
           </a:bodyPr>
           <a:lstStyle/>
           <a:p>
+            <a:r>
+              <a:rPr lang="en-US" dirty="0" smtClean="0">
+                <a:latin typeface="Times New Roman" panose="02020603050405020304" pitchFamily="18" charset="0"/>
+                <a:cs typeface="Times New Roman" panose="02020603050405020304" pitchFamily="18" charset="0"/>
+              </a:rPr>
+              <a:t>Objective</a:t>
+            </a:r>
+            <a:endParaRPr lang="en-US" dirty="0">
+              <a:latin typeface="Times New Roman" panose="02020603050405020304" pitchFamily="18" charset="0"/>
+              <a:cs typeface="Times New Roman" panose="02020603050405020304" pitchFamily="18" charset="0"/>
+            </a:endParaRPr>
+          </a:p>
+        </p:txBody>
+      </p:sp>
+      <p:sp>
+        <p:nvSpPr>
+          <p:cNvPr id="3" name="Content Placeholder 2"/>
+          <p:cNvSpPr>
+            <a:spLocks noGrp="1"/>
+          </p:cNvSpPr>
+          <p:nvPr>
+            <p:ph idx="1"/>
+          </p:nvPr>
+        </p:nvSpPr>
+        <p:spPr>
+          <a:xfrm>
+            <a:off x="677334" y="1580726"/>
+            <a:ext cx="8596668" cy="3880773"/>
+          </a:xfrm>
+        </p:spPr>
+        <p:txBody>
+          <a:bodyPr>
+            <a:normAutofit/>
+          </a:bodyPr>
+          <a:lstStyle/>
+          <a:p>
             <a:pPr marL="0" indent="0">
               <a:buNone/>
             </a:pPr>
             <a:r>
-              <a:rPr lang="en-US" dirty="0" smtClean="0"/>
+              <a:rPr lang="en-US" sz="2000" dirty="0" smtClean="0">
+                <a:solidFill>
+                  <a:schemeClr val="tx1"/>
+                </a:solidFill>
+                <a:latin typeface="Times New Roman" panose="02020603050405020304" pitchFamily="18" charset="0"/>
+                <a:cs typeface="Times New Roman" panose="02020603050405020304" pitchFamily="18" charset="0"/>
+              </a:rPr>
               <a:t>We are presenting a proposal to add safety feature in automotive vehicles that includes :</a:t>
             </a:r>
           </a:p>
@@ -5993,52 +6014,92 @@
             <a:pPr marL="0" indent="0">
               <a:buNone/>
             </a:pPr>
-            <a:endParaRPr lang="en-US" dirty="0" smtClean="0"/>
-          </a:p>
-          <a:p>
-            <a:r>
-              <a:rPr lang="en-US" dirty="0" smtClean="0"/>
+            <a:endParaRPr lang="en-US" sz="2000" dirty="0" smtClean="0">
+              <a:solidFill>
+                <a:schemeClr val="tx1"/>
+              </a:solidFill>
+              <a:latin typeface="Times New Roman" panose="02020603050405020304" pitchFamily="18" charset="0"/>
+              <a:cs typeface="Times New Roman" panose="02020603050405020304" pitchFamily="18" charset="0"/>
+            </a:endParaRPr>
+          </a:p>
+          <a:p>
+            <a:r>
+              <a:rPr lang="en-US" sz="2000" dirty="0" smtClean="0">
+                <a:solidFill>
+                  <a:schemeClr val="tx1"/>
+                </a:solidFill>
+                <a:latin typeface="Times New Roman" panose="02020603050405020304" pitchFamily="18" charset="0"/>
+                <a:cs typeface="Times New Roman" panose="02020603050405020304" pitchFamily="18" charset="0"/>
+              </a:rPr>
               <a:t>Project goal</a:t>
             </a:r>
           </a:p>
           <a:p>
             <a:r>
-              <a:rPr lang="en-US" dirty="0" smtClean="0"/>
+              <a:rPr lang="en-US" sz="2000" dirty="0" smtClean="0">
+                <a:solidFill>
+                  <a:schemeClr val="tx1"/>
+                </a:solidFill>
+                <a:latin typeface="Times New Roman" panose="02020603050405020304" pitchFamily="18" charset="0"/>
+                <a:cs typeface="Times New Roman" panose="02020603050405020304" pitchFamily="18" charset="0"/>
+              </a:rPr>
               <a:t>Requirements</a:t>
             </a:r>
           </a:p>
           <a:p>
             <a:r>
-              <a:rPr lang="en-US" dirty="0" smtClean="0"/>
+              <a:rPr lang="en-US" sz="2000" dirty="0" smtClean="0">
+                <a:solidFill>
+                  <a:schemeClr val="tx1"/>
+                </a:solidFill>
+                <a:latin typeface="Times New Roman" panose="02020603050405020304" pitchFamily="18" charset="0"/>
+                <a:cs typeface="Times New Roman" panose="02020603050405020304" pitchFamily="18" charset="0"/>
+              </a:rPr>
               <a:t>Architectural design </a:t>
             </a:r>
           </a:p>
           <a:p>
             <a:r>
-              <a:rPr lang="en-US" dirty="0" smtClean="0"/>
+              <a:rPr lang="en-US" sz="2000" dirty="0" smtClean="0">
+                <a:solidFill>
+                  <a:schemeClr val="tx1"/>
+                </a:solidFill>
+                <a:latin typeface="Times New Roman" panose="02020603050405020304" pitchFamily="18" charset="0"/>
+                <a:cs typeface="Times New Roman" panose="02020603050405020304" pitchFamily="18" charset="0"/>
+              </a:rPr>
               <a:t>Implementation Methodology</a:t>
             </a:r>
           </a:p>
           <a:p>
             <a:r>
-              <a:rPr lang="en-US" dirty="0"/>
-              <a:t>C</a:t>
-            </a:r>
-            <a:r>
-              <a:rPr lang="en-US" dirty="0" smtClean="0"/>
-              <a:t>ost estimation</a:t>
-            </a:r>
-          </a:p>
-          <a:p>
-            <a:r>
-              <a:rPr lang="en-US" dirty="0"/>
-              <a:t>D</a:t>
-            </a:r>
-            <a:r>
-              <a:rPr lang="en-US" dirty="0" smtClean="0"/>
-              <a:t>eliverables</a:t>
-            </a:r>
-            <a:endParaRPr lang="en-US" dirty="0"/>
+              <a:rPr lang="en-US" sz="2000" dirty="0" smtClean="0">
+                <a:solidFill>
+                  <a:schemeClr val="tx1"/>
+                </a:solidFill>
+                <a:latin typeface="Times New Roman" panose="02020603050405020304" pitchFamily="18" charset="0"/>
+                <a:cs typeface="Times New Roman" panose="02020603050405020304" pitchFamily="18" charset="0"/>
+              </a:rPr>
+              <a:t>Cost estimation</a:t>
+            </a:r>
+          </a:p>
+          <a:p>
+            <a:r>
+              <a:rPr lang="en-US" sz="2000" dirty="0" smtClean="0">
+                <a:solidFill>
+                  <a:schemeClr val="tx1"/>
+                </a:solidFill>
+                <a:latin typeface="Times New Roman" panose="02020603050405020304" pitchFamily="18" charset="0"/>
+                <a:cs typeface="Times New Roman" panose="02020603050405020304" pitchFamily="18" charset="0"/>
+              </a:rPr>
+              <a:t>Deliverables</a:t>
+            </a:r>
+            <a:endParaRPr lang="en-US" sz="2000" dirty="0">
+              <a:solidFill>
+                <a:schemeClr val="tx1"/>
+              </a:solidFill>
+              <a:latin typeface="Times New Roman" panose="02020603050405020304" pitchFamily="18" charset="0"/>
+              <a:cs typeface="Times New Roman" panose="02020603050405020304" pitchFamily="18" charset="0"/>
+            </a:endParaRPr>
           </a:p>
         </p:txBody>
       </p:sp>
@@ -6089,16 +6150,29 @@
             <p:ph type="title"/>
           </p:nvPr>
         </p:nvSpPr>
-        <p:spPr/>
-        <p:txBody>
-          <a:bodyPr/>
+        <p:spPr>
+          <a:xfrm>
+            <a:off x="677334" y="952803"/>
+            <a:ext cx="8596668" cy="940420"/>
+          </a:xfrm>
+        </p:spPr>
+        <p:txBody>
+          <a:bodyPr>
+            <a:normAutofit/>
+          </a:bodyPr>
           <a:lstStyle/>
           <a:p>
             <a:r>
-              <a:rPr lang="en-US" dirty="0" smtClean="0"/>
+              <a:rPr lang="en-US" dirty="0" smtClean="0">
+                <a:latin typeface="Times New Roman" panose="02020603050405020304" pitchFamily="18" charset="0"/>
+                <a:cs typeface="Times New Roman" panose="02020603050405020304" pitchFamily="18" charset="0"/>
+              </a:rPr>
               <a:t>Project Description</a:t>
             </a:r>
-            <a:endParaRPr lang="en-US" dirty="0"/>
+            <a:endParaRPr lang="en-US" dirty="0">
+              <a:latin typeface="Times New Roman" panose="02020603050405020304" pitchFamily="18" charset="0"/>
+              <a:cs typeface="Times New Roman" panose="02020603050405020304" pitchFamily="18" charset="0"/>
+            </a:endParaRPr>
           </a:p>
         </p:txBody>
       </p:sp>
@@ -6112,48 +6186,111 @@
             <p:ph idx="1"/>
           </p:nvPr>
         </p:nvSpPr>
-        <p:spPr/>
-        <p:txBody>
-          <a:bodyPr/>
+        <p:spPr>
+          <a:xfrm>
+            <a:off x="677334" y="1893223"/>
+            <a:ext cx="8596668" cy="1575069"/>
+          </a:xfrm>
+        </p:spPr>
+        <p:txBody>
+          <a:bodyPr>
+            <a:normAutofit/>
+          </a:bodyPr>
           <a:lstStyle/>
           <a:p>
             <a:pPr marL="0" indent="0">
               <a:buNone/>
             </a:pPr>
             <a:r>
-              <a:rPr lang="en-US" dirty="0" smtClean="0">
-                <a:solidFill>
-                  <a:srgbClr val="92D050"/>
-                </a:solidFill>
+              <a:rPr lang="en-US" sz="2600" dirty="0" smtClean="0">
+                <a:solidFill>
+                  <a:schemeClr val="accent1"/>
+                </a:solidFill>
+                <a:latin typeface="Times New Roman" panose="02020603050405020304" pitchFamily="18" charset="0"/>
+                <a:cs typeface="Times New Roman" panose="02020603050405020304" pitchFamily="18" charset="0"/>
               </a:rPr>
               <a:t>Topic:</a:t>
             </a:r>
             <a:r>
-              <a:rPr lang="en-US" dirty="0" smtClean="0"/>
-              <a:t> Design </a:t>
-            </a:r>
-            <a:r>
-              <a:rPr lang="en-US" dirty="0"/>
+              <a:rPr lang="en-US" sz="2600" dirty="0" smtClean="0">
+                <a:latin typeface="Times New Roman" panose="02020603050405020304" pitchFamily="18" charset="0"/>
+                <a:cs typeface="Times New Roman" panose="02020603050405020304" pitchFamily="18" charset="0"/>
+              </a:rPr>
+              <a:t> </a:t>
+            </a:r>
+          </a:p>
+          <a:p>
+            <a:pPr marL="0" indent="0">
+              <a:buNone/>
+            </a:pPr>
+            <a:r>
+              <a:rPr lang="en-US" dirty="0" smtClean="0">
+                <a:solidFill>
+                  <a:schemeClr val="tx1"/>
+                </a:solidFill>
+                <a:latin typeface="Times New Roman" panose="02020603050405020304" pitchFamily="18" charset="0"/>
+                <a:cs typeface="Times New Roman" panose="02020603050405020304" pitchFamily="18" charset="0"/>
+              </a:rPr>
+              <a:t>Design </a:t>
+            </a:r>
+            <a:r>
+              <a:rPr lang="en-US" dirty="0">
+                <a:solidFill>
+                  <a:schemeClr val="tx1"/>
+                </a:solidFill>
+                <a:latin typeface="Times New Roman" panose="02020603050405020304" pitchFamily="18" charset="0"/>
+                <a:cs typeface="Times New Roman" panose="02020603050405020304" pitchFamily="18" charset="0"/>
+              </a:rPr>
               <a:t>and implement Automatic Braking system </a:t>
             </a:r>
             <a:r>
-              <a:rPr lang="en-US" dirty="0" smtClean="0"/>
+              <a:rPr lang="en-US" dirty="0" smtClean="0">
+                <a:solidFill>
+                  <a:schemeClr val="tx1"/>
+                </a:solidFill>
+                <a:latin typeface="Times New Roman" panose="02020603050405020304" pitchFamily="18" charset="0"/>
+                <a:cs typeface="Times New Roman" panose="02020603050405020304" pitchFamily="18" charset="0"/>
+              </a:rPr>
               <a:t>based on </a:t>
             </a:r>
             <a:r>
-              <a:rPr lang="en-US" dirty="0"/>
+              <a:rPr lang="en-US" dirty="0">
+                <a:solidFill>
+                  <a:schemeClr val="tx1"/>
+                </a:solidFill>
+                <a:latin typeface="Times New Roman" panose="02020603050405020304" pitchFamily="18" charset="0"/>
+                <a:cs typeface="Times New Roman" panose="02020603050405020304" pitchFamily="18" charset="0"/>
+              </a:rPr>
               <a:t>ARM Cortex – MO microcontroller to detect obstacle for a automotive vehicles and prevent </a:t>
             </a:r>
             <a:r>
-              <a:rPr lang="en-US" dirty="0" smtClean="0"/>
+              <a:rPr lang="en-US" dirty="0" smtClean="0">
+                <a:solidFill>
+                  <a:schemeClr val="tx1"/>
+                </a:solidFill>
+                <a:latin typeface="Times New Roman" panose="02020603050405020304" pitchFamily="18" charset="0"/>
+                <a:cs typeface="Times New Roman" panose="02020603050405020304" pitchFamily="18" charset="0"/>
+              </a:rPr>
               <a:t>it from </a:t>
             </a:r>
             <a:r>
-              <a:rPr lang="en-US" dirty="0"/>
+              <a:rPr lang="en-US" dirty="0">
+                <a:solidFill>
+                  <a:schemeClr val="tx1"/>
+                </a:solidFill>
+                <a:latin typeface="Times New Roman" panose="02020603050405020304" pitchFamily="18" charset="0"/>
+                <a:cs typeface="Times New Roman" panose="02020603050405020304" pitchFamily="18" charset="0"/>
+              </a:rPr>
               <a:t>colliding against the obstacle by braking the system and disabling the acceleration</a:t>
             </a:r>
             <a:r>
-              <a:rPr lang="en-US" dirty="0" smtClean="0"/>
+              <a:rPr lang="en-US" dirty="0" smtClean="0">
+                <a:solidFill>
+                  <a:schemeClr val="tx1"/>
+                </a:solidFill>
+                <a:latin typeface="Times New Roman" panose="02020603050405020304" pitchFamily="18" charset="0"/>
+                <a:cs typeface="Times New Roman" panose="02020603050405020304" pitchFamily="18" charset="0"/>
+              </a:rPr>
               <a:t>.</a:t>
             </a:r>
           </a:p>
@@ -6161,25 +6298,69 @@
             <a:pPr marL="0" indent="0">
               <a:buNone/>
             </a:pPr>
-            <a:endParaRPr lang="en-US" dirty="0"/>
-          </a:p>
-          <a:p>
-            <a:pPr marL="0" indent="0">
-              <a:buNone/>
-            </a:pPr>
+            <a:endParaRPr lang="en-US" dirty="0">
+              <a:latin typeface="Times New Roman" panose="02020603050405020304" pitchFamily="18" charset="0"/>
+              <a:cs typeface="Times New Roman" panose="02020603050405020304" pitchFamily="18" charset="0"/>
+            </a:endParaRPr>
+          </a:p>
+        </p:txBody>
+      </p:sp>
+      <p:sp>
+        <p:nvSpPr>
+          <p:cNvPr id="4" name="Rectangle 3"/>
+          <p:cNvSpPr/>
+          <p:nvPr/>
+        </p:nvSpPr>
+        <p:spPr>
+          <a:xfrm>
+            <a:off x="677334" y="3639271"/>
+            <a:ext cx="5913037" cy="492443"/>
+          </a:xfrm>
+          <a:prstGeom prst="rect">
+            <a:avLst/>
+          </a:prstGeom>
+        </p:spPr>
+        <p:txBody>
+          <a:bodyPr wrap="square">
+            <a:spAutoFit/>
+          </a:bodyPr>
+          <a:lstStyle/>
+          <a:p>
+            <a:r>
+              <a:rPr lang="en-US" sz="2600" smtClean="0">
+                <a:solidFill>
+                  <a:schemeClr val="accent1"/>
+                </a:solidFill>
+                <a:latin typeface="Times New Roman" panose="02020603050405020304" pitchFamily="18" charset="0"/>
+                <a:cs typeface="Times New Roman" panose="02020603050405020304" pitchFamily="18" charset="0"/>
+              </a:rPr>
+              <a:t>Goal: </a:t>
+            </a:r>
+            <a:r>
+              <a:rPr lang="en-US" smtClean="0">
+                <a:latin typeface="Times New Roman" panose="02020603050405020304" pitchFamily="18" charset="0"/>
+                <a:cs typeface="Times New Roman" panose="02020603050405020304" pitchFamily="18" charset="0"/>
+              </a:rPr>
+              <a:t>Offer </a:t>
+            </a:r>
+            <a:r>
+              <a:rPr lang="en-US" dirty="0">
+                <a:latin typeface="Times New Roman" panose="02020603050405020304" pitchFamily="18" charset="0"/>
+                <a:cs typeface="Times New Roman" panose="02020603050405020304" pitchFamily="18" charset="0"/>
+              </a:rPr>
+              <a:t>a safety feature to automotive </a:t>
+            </a:r>
             <a:r>
               <a:rPr lang="en-US" dirty="0" smtClean="0">
-                <a:solidFill>
-                  <a:srgbClr val="92D050"/>
-                </a:solidFill>
+                <a:latin typeface="Times New Roman" panose="02020603050405020304" pitchFamily="18" charset="0"/>
+                <a:cs typeface="Times New Roman" panose="02020603050405020304" pitchFamily="18" charset="0"/>
               </a:rPr>
-              <a:t>Goal:</a:t>
-            </a:r>
-            <a:r>
-              <a:rPr lang="en-US" dirty="0" smtClean="0"/>
-              <a:t> Offer a safety feature to automotive industry</a:t>
-            </a:r>
-            <a:endParaRPr lang="en-US" dirty="0"/>
+              <a:t>industry.</a:t>
+            </a:r>
+            <a:endParaRPr lang="en-US" dirty="0">
+              <a:latin typeface="Times New Roman" panose="02020603050405020304" pitchFamily="18" charset="0"/>
+              <a:cs typeface="Times New Roman" panose="02020603050405020304" pitchFamily="18" charset="0"/>
+            </a:endParaRPr>
           </a:p>
         </p:txBody>
       </p:sp>
@@ -6236,10 +6417,16 @@
           <a:lstStyle/>
           <a:p>
             <a:r>
-              <a:rPr lang="en-US" dirty="0" smtClean="0"/>
+              <a:rPr lang="en-US" dirty="0" smtClean="0">
+                <a:latin typeface="Times New Roman" panose="02020603050405020304" pitchFamily="18" charset="0"/>
+                <a:cs typeface="Times New Roman" panose="02020603050405020304" pitchFamily="18" charset="0"/>
+              </a:rPr>
               <a:t>Requirements</a:t>
             </a:r>
-            <a:endParaRPr lang="en-US" dirty="0"/>
+            <a:endParaRPr lang="en-US" dirty="0">
+              <a:latin typeface="Times New Roman" panose="02020603050405020304" pitchFamily="18" charset="0"/>
+              <a:cs typeface="Times New Roman" panose="02020603050405020304" pitchFamily="18" charset="0"/>
+            </a:endParaRPr>
           </a:p>
         </p:txBody>
       </p:sp>
@@ -6253,10 +6440,15 @@
             <p:ph idx="1"/>
           </p:nvPr>
         </p:nvSpPr>
-        <p:spPr/>
+        <p:spPr>
+          <a:xfrm>
+            <a:off x="677334" y="1591878"/>
+            <a:ext cx="8596668" cy="3270053"/>
+          </a:xfrm>
+        </p:spPr>
         <p:txBody>
           <a:bodyPr>
-            <a:normAutofit fontScale="77500" lnSpcReduction="20000"/>
+            <a:normAutofit lnSpcReduction="10000"/>
           </a:bodyPr>
           <a:lstStyle/>
           <a:p>
@@ -6264,68 +6456,132 @@
               <a:buNone/>
             </a:pPr>
             <a:r>
-              <a:rPr lang="en-US" dirty="0" smtClean="0"/>
-              <a:t> Hardware Requirements:</a:t>
-            </a:r>
-          </a:p>
-          <a:p>
-            <a:endParaRPr lang="en-US" dirty="0" smtClean="0"/>
-          </a:p>
-          <a:p>
-            <a:r>
-              <a:rPr lang="en-US" dirty="0" smtClean="0"/>
-              <a:t>	Freedom board - FRDM-KL25Z</a:t>
-            </a:r>
-          </a:p>
-          <a:p>
-            <a:endParaRPr lang="en-US" dirty="0" smtClean="0"/>
-          </a:p>
-          <a:p>
-            <a:r>
-              <a:rPr lang="en-US" dirty="0" smtClean="0"/>
-              <a:t>	Ultrasonic Sensor - HC-SR04</a:t>
-            </a:r>
-          </a:p>
-          <a:p>
-            <a:endParaRPr lang="en-US" dirty="0" smtClean="0"/>
-          </a:p>
-          <a:p>
-            <a:r>
-              <a:rPr lang="en-US" dirty="0" smtClean="0"/>
-              <a:t>	Motor Driver - L293DNE</a:t>
-            </a:r>
-          </a:p>
-          <a:p>
-            <a:endParaRPr lang="en-US" dirty="0" smtClean="0"/>
-          </a:p>
-          <a:p>
-            <a:r>
-              <a:rPr lang="en-US" dirty="0" smtClean="0"/>
-              <a:t>	Robot Car Chassis kit</a:t>
+              <a:rPr lang="en-US" sz="1600" dirty="0" smtClean="0"/>
+              <a:t> </a:t>
+            </a:r>
+            <a:r>
+              <a:rPr lang="en-US" sz="2800" dirty="0" smtClean="0">
+                <a:solidFill>
+                  <a:schemeClr val="accent1"/>
+                </a:solidFill>
+                <a:latin typeface="Times New Roman" panose="02020603050405020304" pitchFamily="18" charset="0"/>
+                <a:cs typeface="Times New Roman" panose="02020603050405020304" pitchFamily="18" charset="0"/>
+              </a:rPr>
+              <a:t>Hardware Requirements:</a:t>
+            </a:r>
+          </a:p>
+          <a:p>
+            <a:r>
+              <a:rPr lang="en-US" dirty="0" smtClean="0">
+                <a:latin typeface="Times New Roman" panose="02020603050405020304" pitchFamily="18" charset="0"/>
+                <a:cs typeface="Times New Roman" panose="02020603050405020304" pitchFamily="18" charset="0"/>
+              </a:rPr>
+              <a:t>Freedom </a:t>
+            </a:r>
+            <a:r>
+              <a:rPr lang="en-US" dirty="0" smtClean="0">
+                <a:latin typeface="Times New Roman" panose="02020603050405020304" pitchFamily="18" charset="0"/>
+                <a:cs typeface="Times New Roman" panose="02020603050405020304" pitchFamily="18" charset="0"/>
+              </a:rPr>
+              <a:t>board - FRDM-KL25Z</a:t>
+            </a:r>
+          </a:p>
+          <a:p>
+            <a:r>
+              <a:rPr lang="en-US" dirty="0" smtClean="0">
+                <a:latin typeface="Times New Roman" panose="02020603050405020304" pitchFamily="18" charset="0"/>
+                <a:cs typeface="Times New Roman" panose="02020603050405020304" pitchFamily="18" charset="0"/>
+              </a:rPr>
+              <a:t>Ultrasonic </a:t>
+            </a:r>
+            <a:r>
+              <a:rPr lang="en-US" dirty="0" smtClean="0">
+                <a:latin typeface="Times New Roman" panose="02020603050405020304" pitchFamily="18" charset="0"/>
+                <a:cs typeface="Times New Roman" panose="02020603050405020304" pitchFamily="18" charset="0"/>
+              </a:rPr>
+              <a:t>Sensor - HC-SR04</a:t>
+            </a:r>
+          </a:p>
+          <a:p>
+            <a:r>
+              <a:rPr lang="en-US" dirty="0" smtClean="0">
+                <a:latin typeface="Times New Roman" panose="02020603050405020304" pitchFamily="18" charset="0"/>
+                <a:cs typeface="Times New Roman" panose="02020603050405020304" pitchFamily="18" charset="0"/>
+              </a:rPr>
+              <a:t>Motor </a:t>
+            </a:r>
+            <a:r>
+              <a:rPr lang="en-US" dirty="0" smtClean="0">
+                <a:latin typeface="Times New Roman" panose="02020603050405020304" pitchFamily="18" charset="0"/>
+                <a:cs typeface="Times New Roman" panose="02020603050405020304" pitchFamily="18" charset="0"/>
+              </a:rPr>
+              <a:t>Driver - L293DNE</a:t>
+            </a:r>
+          </a:p>
+          <a:p>
+            <a:r>
+              <a:rPr lang="en-US" dirty="0" smtClean="0">
+                <a:latin typeface="Times New Roman" panose="02020603050405020304" pitchFamily="18" charset="0"/>
+                <a:cs typeface="Times New Roman" panose="02020603050405020304" pitchFamily="18" charset="0"/>
+              </a:rPr>
+              <a:t>Robot </a:t>
+            </a:r>
+            <a:r>
+              <a:rPr lang="en-US" dirty="0" smtClean="0">
+                <a:latin typeface="Times New Roman" panose="02020603050405020304" pitchFamily="18" charset="0"/>
+                <a:cs typeface="Times New Roman" panose="02020603050405020304" pitchFamily="18" charset="0"/>
+              </a:rPr>
+              <a:t>Car Chassis kit</a:t>
             </a:r>
           </a:p>
           <a:p>
             <a:pPr marL="0" indent="0">
               <a:buNone/>
             </a:pPr>
-            <a:endParaRPr lang="en-US" dirty="0"/>
+            <a:endParaRPr lang="en-US" dirty="0" smtClean="0">
+              <a:latin typeface="Times New Roman" panose="02020603050405020304" pitchFamily="18" charset="0"/>
+              <a:cs typeface="Times New Roman" panose="02020603050405020304" pitchFamily="18" charset="0"/>
+            </a:endParaRPr>
           </a:p>
           <a:p>
             <a:pPr marL="0" indent="0">
               <a:buNone/>
             </a:pPr>
             <a:r>
-              <a:rPr lang="en-US" dirty="0" smtClean="0"/>
-              <a:t>Software Requirements:</a:t>
-            </a:r>
-          </a:p>
-          <a:p>
-            <a:endParaRPr lang="en-US" dirty="0" smtClean="0"/>
-          </a:p>
-          <a:p>
-            <a:r>
-              <a:rPr lang="en-US" dirty="0" smtClean="0"/>
-              <a:t>	GCC Cross Compiler Tools for ARM</a:t>
+              <a:rPr lang="en-US" sz="2800" dirty="0" smtClean="0">
+                <a:solidFill>
+                  <a:schemeClr val="accent1"/>
+                </a:solidFill>
+                <a:latin typeface="Times New Roman" panose="02020603050405020304" pitchFamily="18" charset="0"/>
+                <a:cs typeface="Times New Roman" panose="02020603050405020304" pitchFamily="18" charset="0"/>
+              </a:rPr>
+              <a:t>Software </a:t>
+            </a:r>
+            <a:r>
+              <a:rPr lang="en-US" sz="2800" dirty="0" smtClean="0">
+                <a:solidFill>
+                  <a:schemeClr val="accent1"/>
+                </a:solidFill>
+                <a:latin typeface="Times New Roman" panose="02020603050405020304" pitchFamily="18" charset="0"/>
+                <a:cs typeface="Times New Roman" panose="02020603050405020304" pitchFamily="18" charset="0"/>
+              </a:rPr>
+              <a:t>Requirements:</a:t>
+            </a:r>
+          </a:p>
+          <a:p>
+            <a:r>
+              <a:rPr lang="en-US" dirty="0" smtClean="0">
+                <a:latin typeface="Times New Roman" panose="02020603050405020304" pitchFamily="18" charset="0"/>
+                <a:cs typeface="Times New Roman" panose="02020603050405020304" pitchFamily="18" charset="0"/>
+              </a:rPr>
+              <a:t>GCC </a:t>
+            </a:r>
+            <a:r>
+              <a:rPr lang="en-US" dirty="0" smtClean="0">
+                <a:latin typeface="Times New Roman" panose="02020603050405020304" pitchFamily="18" charset="0"/>
+                <a:cs typeface="Times New Roman" panose="02020603050405020304" pitchFamily="18" charset="0"/>
+              </a:rPr>
+              <a:t>Cross Compiler Tools for ARM</a:t>
             </a:r>
           </a:p>
         </p:txBody>
@@ -6383,10 +6639,16 @@
           <a:lstStyle/>
           <a:p>
             <a:r>
-              <a:rPr lang="en-US" dirty="0" smtClean="0"/>
+              <a:rPr lang="en-US" dirty="0" smtClean="0">
+                <a:latin typeface="Times New Roman" panose="02020603050405020304" pitchFamily="18" charset="0"/>
+                <a:cs typeface="Times New Roman" panose="02020603050405020304" pitchFamily="18" charset="0"/>
+              </a:rPr>
               <a:t>Architectural Design</a:t>
             </a:r>
-            <a:endParaRPr lang="en-US" dirty="0"/>
+            <a:endParaRPr lang="en-US" dirty="0">
+              <a:latin typeface="Times New Roman" panose="02020603050405020304" pitchFamily="18" charset="0"/>
+              <a:cs typeface="Times New Roman" panose="02020603050405020304" pitchFamily="18" charset="0"/>
+            </a:endParaRPr>
           </a:p>
         </p:txBody>
       </p:sp>
@@ -6475,7 +6737,7 @@
           <a:graphicData uri="http://schemas.openxmlformats.org/presentationml/2006/ole">
             <mc:AlternateContent xmlns:mc="http://schemas.openxmlformats.org/markup-compatibility/2006">
               <mc:Choice xmlns:v="urn:schemas-microsoft-com:vml" Requires="v">
-                <p:oleObj spid="_x0000_s1047" name="Visio" r:id="rId3" imgW="7121515" imgH="3491100" progId="Visio.Drawing.15">
+                <p:oleObj spid="_x0000_s1115" name="Visio" r:id="rId3" imgW="7121515" imgH="3491100" progId="Visio.Drawing.15">
                   <p:embed/>
                 </p:oleObj>
               </mc:Choice>
@@ -6582,21 +6844,16 @@
           <a:lstStyle/>
           <a:p>
             <a:r>
-              <a:rPr lang="en-US" dirty="0" smtClean="0"/>
-              <a:t>Task </a:t>
-            </a:r>
-            <a:r>
               <a:rPr lang="en-US" dirty="0" smtClean="0">
                 <a:latin typeface="Times New Roman" panose="02020603050405020304" pitchFamily="18" charset="0"/>
                 <a:cs typeface="Times New Roman" panose="02020603050405020304" pitchFamily="18" charset="0"/>
               </a:rPr>
-              <a:t>&amp; </a:t>
-            </a:r>
-            <a:r>
-              <a:rPr lang="en-US" dirty="0" smtClean="0"/>
-              <a:t>Schedule</a:t>
-            </a:r>
-            <a:endParaRPr lang="en-US" dirty="0"/>
+              <a:t>Task &amp; Schedule</a:t>
+            </a:r>
+            <a:endParaRPr lang="en-US" dirty="0">
+              <a:latin typeface="Times New Roman" panose="02020603050405020304" pitchFamily="18" charset="0"/>
+              <a:cs typeface="Times New Roman" panose="02020603050405020304" pitchFamily="18" charset="0"/>
+            </a:endParaRPr>
           </a:p>
         </p:txBody>
       </p:sp>
@@ -6624,7 +6881,7 @@
         </p:blipFill>
         <p:spPr>
           <a:xfrm>
-            <a:off x="1027742" y="1293341"/>
+            <a:off x="1016591" y="1549819"/>
             <a:ext cx="6666399" cy="5189837"/>
           </a:xfrm>
         </p:spPr>
@@ -6682,10 +6939,16 @@
           <a:lstStyle/>
           <a:p>
             <a:r>
-              <a:rPr lang="en-US" dirty="0" smtClean="0"/>
+              <a:rPr lang="en-US" dirty="0" smtClean="0">
+                <a:latin typeface="Times New Roman" panose="02020603050405020304" pitchFamily="18" charset="0"/>
+                <a:cs typeface="Times New Roman" panose="02020603050405020304" pitchFamily="18" charset="0"/>
+              </a:rPr>
               <a:t>Implementation Methodology</a:t>
             </a:r>
-            <a:endParaRPr lang="en-US" dirty="0"/>
+            <a:endParaRPr lang="en-US" dirty="0">
+              <a:latin typeface="Times New Roman" panose="02020603050405020304" pitchFamily="18" charset="0"/>
+              <a:cs typeface="Times New Roman" panose="02020603050405020304" pitchFamily="18" charset="0"/>
+            </a:endParaRPr>
           </a:p>
         </p:txBody>
       </p:sp>
@@ -6699,51 +6962,72 @@
             <p:ph idx="1"/>
           </p:nvPr>
         </p:nvSpPr>
-        <p:spPr/>
+        <p:spPr>
+          <a:xfrm>
+            <a:off x="677334" y="1551259"/>
+            <a:ext cx="8596668" cy="3880773"/>
+          </a:xfrm>
+        </p:spPr>
         <p:txBody>
           <a:bodyPr/>
           <a:lstStyle/>
           <a:p>
             <a:r>
-              <a:rPr lang="en-US" dirty="0" smtClean="0"/>
+              <a:rPr lang="en-US" dirty="0" smtClean="0">
+                <a:latin typeface="Times New Roman" panose="02020603050405020304" pitchFamily="18" charset="0"/>
+                <a:cs typeface="Times New Roman" panose="02020603050405020304" pitchFamily="18" charset="0"/>
+              </a:rPr>
               <a:t>Requirement Analysis</a:t>
             </a:r>
           </a:p>
           <a:p>
             <a:r>
-              <a:rPr lang="en-US" dirty="0" smtClean="0"/>
+              <a:rPr lang="en-US" dirty="0" smtClean="0">
+                <a:latin typeface="Times New Roman" panose="02020603050405020304" pitchFamily="18" charset="0"/>
+                <a:cs typeface="Times New Roman" panose="02020603050405020304" pitchFamily="18" charset="0"/>
+              </a:rPr>
               <a:t>Architectural Design</a:t>
             </a:r>
           </a:p>
           <a:p>
             <a:r>
-              <a:rPr lang="en-US" dirty="0" smtClean="0"/>
+              <a:rPr lang="en-US" dirty="0" smtClean="0">
+                <a:latin typeface="Times New Roman" panose="02020603050405020304" pitchFamily="18" charset="0"/>
+                <a:cs typeface="Times New Roman" panose="02020603050405020304" pitchFamily="18" charset="0"/>
+              </a:rPr>
               <a:t>Coding</a:t>
             </a:r>
           </a:p>
           <a:p>
             <a:r>
-              <a:rPr lang="en-US" dirty="0" smtClean="0"/>
+              <a:rPr lang="en-US" dirty="0" smtClean="0">
+                <a:latin typeface="Times New Roman" panose="02020603050405020304" pitchFamily="18" charset="0"/>
+                <a:cs typeface="Times New Roman" panose="02020603050405020304" pitchFamily="18" charset="0"/>
+              </a:rPr>
               <a:t>Integration</a:t>
             </a:r>
           </a:p>
           <a:p>
             <a:r>
-              <a:rPr lang="en-US" dirty="0" smtClean="0"/>
+              <a:rPr lang="en-US" dirty="0" smtClean="0">
+                <a:latin typeface="Times New Roman" panose="02020603050405020304" pitchFamily="18" charset="0"/>
+                <a:cs typeface="Times New Roman" panose="02020603050405020304" pitchFamily="18" charset="0"/>
+              </a:rPr>
               <a:t>Testing</a:t>
             </a:r>
           </a:p>
           <a:p>
             <a:r>
-              <a:rPr lang="en-US" dirty="0" smtClean="0"/>
+              <a:rPr lang="en-US" dirty="0" smtClean="0">
+                <a:latin typeface="Times New Roman" panose="02020603050405020304" pitchFamily="18" charset="0"/>
+                <a:cs typeface="Times New Roman" panose="02020603050405020304" pitchFamily="18" charset="0"/>
+              </a:rPr>
               <a:t>Deployment</a:t>
             </a:r>
-          </a:p>
-          <a:p>
-            <a:pPr marL="0" indent="0">
-              <a:buNone/>
-            </a:pPr>
-            <a:endParaRPr lang="en-US" dirty="0"/>
+            <a:endParaRPr lang="en-US" dirty="0" smtClean="0">
+              <a:latin typeface="Times New Roman" panose="02020603050405020304" pitchFamily="18" charset="0"/>
+              <a:cs typeface="Times New Roman" panose="02020603050405020304" pitchFamily="18" charset="0"/>
+            </a:endParaRPr>
           </a:p>
         </p:txBody>
       </p:sp>
@@ -6800,10 +7084,16 @@
           <a:lstStyle/>
           <a:p>
             <a:r>
-              <a:rPr lang="en-CA" dirty="0" smtClean="0"/>
+              <a:rPr lang="en-CA" dirty="0" smtClean="0">
+                <a:latin typeface="Times New Roman" panose="02020603050405020304" pitchFamily="18" charset="0"/>
+                <a:cs typeface="Times New Roman" panose="02020603050405020304" pitchFamily="18" charset="0"/>
+              </a:rPr>
               <a:t>Estimation Value</a:t>
             </a:r>
-            <a:endParaRPr lang="en-CA" dirty="0"/>
+            <a:endParaRPr lang="en-CA" dirty="0">
+              <a:latin typeface="Times New Roman" panose="02020603050405020304" pitchFamily="18" charset="0"/>
+              <a:cs typeface="Times New Roman" panose="02020603050405020304" pitchFamily="18" charset="0"/>
+            </a:endParaRPr>
           </a:p>
         </p:txBody>
       </p:sp>
@@ -6815,12 +7105,16 @@
           </p:cNvGraphicFramePr>
           <p:nvPr>
             <p:ph idx="1"/>
-            <p:extLst/>
+            <p:extLst>
+              <p:ext uri="{D42A27DB-BD31-4B8C-83A1-F6EECF244321}">
+                <p14:modId xmlns:p14="http://schemas.microsoft.com/office/powerpoint/2010/main" val="505874392"/>
+              </p:ext>
+            </p:extLst>
           </p:nvPr>
         </p:nvGraphicFramePr>
         <p:xfrm>
-          <a:off x="677332" y="1374375"/>
-          <a:ext cx="8176110" cy="3175000"/>
+          <a:off x="677334" y="1586248"/>
+          <a:ext cx="8176110" cy="4119880"/>
         </p:xfrm>
         <a:graphic>
           <a:graphicData uri="http://schemas.openxmlformats.org/drawingml/2006/table">
@@ -6843,10 +7137,16 @@
                     <a:p>
                       <a:pPr algn="ctr"/>
                       <a:r>
-                        <a:rPr lang="en-CA" dirty="0" smtClean="0"/>
+                        <a:rPr lang="en-CA" sz="1800" dirty="0" smtClean="0">
+                          <a:latin typeface="Times New Roman" panose="02020603050405020304" pitchFamily="18" charset="0"/>
+                          <a:cs typeface="Times New Roman" panose="02020603050405020304" pitchFamily="18" charset="0"/>
+                        </a:rPr>
                         <a:t>No.</a:t>
                       </a:r>
-                      <a:endParaRPr lang="en-CA" dirty="0"/>
+                      <a:endParaRPr lang="en-CA" sz="1800" dirty="0">
+                        <a:latin typeface="Times New Roman" panose="02020603050405020304" pitchFamily="18" charset="0"/>
+                        <a:cs typeface="Times New Roman" panose="02020603050405020304" pitchFamily="18" charset="0"/>
+                      </a:endParaRPr>
                     </a:p>
                   </a:txBody>
                   <a:tcPr/>
@@ -6858,10 +7158,16 @@
                     <a:p>
                       <a:pPr algn="ctr"/>
                       <a:r>
-                        <a:rPr lang="en-CA" dirty="0" smtClean="0"/>
+                        <a:rPr lang="en-CA" sz="1800" dirty="0" smtClean="0">
+                          <a:latin typeface="Times New Roman" panose="02020603050405020304" pitchFamily="18" charset="0"/>
+                          <a:cs typeface="Times New Roman" panose="02020603050405020304" pitchFamily="18" charset="0"/>
+                        </a:rPr>
                         <a:t>Item</a:t>
                       </a:r>
-                      <a:endParaRPr lang="en-CA" dirty="0"/>
+                      <a:endParaRPr lang="en-CA" sz="1800" dirty="0">
+                        <a:latin typeface="Times New Roman" panose="02020603050405020304" pitchFamily="18" charset="0"/>
+                        <a:cs typeface="Times New Roman" panose="02020603050405020304" pitchFamily="18" charset="0"/>
+                      </a:endParaRPr>
                     </a:p>
                   </a:txBody>
                   <a:tcPr/>
@@ -6873,10 +7179,16 @@
                     <a:p>
                       <a:pPr algn="ctr"/>
                       <a:r>
-                        <a:rPr lang="en-CA" dirty="0" smtClean="0"/>
+                        <a:rPr lang="en-CA" sz="1800" dirty="0" smtClean="0">
+                          <a:latin typeface="Times New Roman" panose="02020603050405020304" pitchFamily="18" charset="0"/>
+                          <a:cs typeface="Times New Roman" panose="02020603050405020304" pitchFamily="18" charset="0"/>
+                        </a:rPr>
                         <a:t>Units</a:t>
                       </a:r>
-                      <a:endParaRPr lang="en-CA" dirty="0"/>
+                      <a:endParaRPr lang="en-CA" sz="1800" dirty="0">
+                        <a:latin typeface="Times New Roman" panose="02020603050405020304" pitchFamily="18" charset="0"/>
+                        <a:cs typeface="Times New Roman" panose="02020603050405020304" pitchFamily="18" charset="0"/>
+                      </a:endParaRPr>
                     </a:p>
                   </a:txBody>
                   <a:tcPr/>
@@ -6888,10 +7200,30 @@
                     <a:p>
                       <a:pPr algn="ctr"/>
                       <a:r>
-                        <a:rPr lang="en-CA" dirty="0" smtClean="0"/>
-                        <a:t>Unit cost(CAD)</a:t>
+                        <a:rPr lang="en-CA" sz="1800" dirty="0" smtClean="0">
+                          <a:latin typeface="Times New Roman" panose="02020603050405020304" pitchFamily="18" charset="0"/>
+                          <a:cs typeface="Times New Roman" panose="02020603050405020304" pitchFamily="18" charset="0"/>
+                        </a:rPr>
+                        <a:t>Unit </a:t>
                       </a:r>
-                      <a:endParaRPr lang="en-CA" dirty="0"/>
+                      <a:r>
+                        <a:rPr lang="en-CA" sz="1800" dirty="0" smtClean="0">
+                          <a:latin typeface="Times New Roman" panose="02020603050405020304" pitchFamily="18" charset="0"/>
+                          <a:cs typeface="Times New Roman" panose="02020603050405020304" pitchFamily="18" charset="0"/>
+                        </a:rPr>
+                        <a:t>Cost(CAD</a:t>
+                      </a:r>
+                      <a:r>
+                        <a:rPr lang="en-CA" sz="1800" dirty="0" smtClean="0">
+                          <a:latin typeface="Times New Roman" panose="02020603050405020304" pitchFamily="18" charset="0"/>
+                          <a:cs typeface="Times New Roman" panose="02020603050405020304" pitchFamily="18" charset="0"/>
+                        </a:rPr>
+                        <a:t>)</a:t>
+                      </a:r>
+                      <a:endParaRPr lang="en-CA" sz="1800" dirty="0">
+                        <a:latin typeface="Times New Roman" panose="02020603050405020304" pitchFamily="18" charset="0"/>
+                        <a:cs typeface="Times New Roman" panose="02020603050405020304" pitchFamily="18" charset="0"/>
+                      </a:endParaRPr>
                     </a:p>
                   </a:txBody>
                   <a:tcPr/>
@@ -6903,29 +7235,35 @@
                     <a:p>
                       <a:pPr algn="ctr"/>
                       <a:r>
-                        <a:rPr lang="en-CA" dirty="0" smtClean="0"/>
+                        <a:rPr lang="en-CA" sz="1800" dirty="0" smtClean="0">
+                          <a:latin typeface="Times New Roman" panose="02020603050405020304" pitchFamily="18" charset="0"/>
+                          <a:cs typeface="Times New Roman" panose="02020603050405020304" pitchFamily="18" charset="0"/>
+                        </a:rPr>
                         <a:t>Total Cost(CAD)</a:t>
                       </a:r>
-                      <a:endParaRPr lang="en-CA" dirty="0"/>
+                      <a:endParaRPr lang="en-CA" sz="1800" dirty="0">
+                        <a:latin typeface="Times New Roman" panose="02020603050405020304" pitchFamily="18" charset="0"/>
+                        <a:cs typeface="Times New Roman" panose="02020603050405020304" pitchFamily="18" charset="0"/>
+                      </a:endParaRPr>
                     </a:p>
                   </a:txBody>
                   <a:tcPr/>
                 </a:tc>
               </a:tr>
-              <a:tr h="370840">
+              <a:tr h="684140">
                 <a:tc>
                   <a:txBody>
                     <a:bodyPr/>
                     <a:lstStyle/>
                     <a:p>
                       <a:r>
-                        <a:rPr lang="en-CA" sz="1200" baseline="0" dirty="0" smtClean="0">
+                        <a:rPr lang="en-CA" sz="1800" baseline="0" dirty="0" smtClean="0">
                           <a:latin typeface="Times New Roman" panose="02020603050405020304" pitchFamily="18" charset="0"/>
                           <a:cs typeface="Times New Roman" panose="02020603050405020304" pitchFamily="18" charset="0"/>
                         </a:rPr>
                         <a:t>       1</a:t>
                       </a:r>
-                      <a:endParaRPr lang="en-CA" sz="1200" dirty="0" smtClean="0">
+                      <a:endParaRPr lang="en-CA" sz="1800" dirty="0" smtClean="0">
                         <a:latin typeface="Times New Roman" panose="02020603050405020304" pitchFamily="18" charset="0"/>
                         <a:cs typeface="Times New Roman" panose="02020603050405020304" pitchFamily="18" charset="0"/>
                       </a:endParaRPr>
@@ -6956,7 +7294,7 @@
                         <a:defRPr/>
                       </a:pPr>
                       <a:r>
-                        <a:rPr lang="en-US" sz="1400" kern="1200" dirty="0" smtClean="0">
+                        <a:rPr lang="en-US" sz="1800" kern="1200" dirty="0" smtClean="0">
                           <a:solidFill>
                             <a:schemeClr val="dk1"/>
                           </a:solidFill>
@@ -6965,9 +7303,52 @@
                           <a:ea typeface="+mn-ea"/>
                           <a:cs typeface="Times New Roman" panose="02020603050405020304" pitchFamily="18" charset="0"/>
                         </a:rPr>
-                        <a:t>Target board - FRDM-KL25Z</a:t>
+                        <a:t>Target board </a:t>
                       </a:r>
-                      <a:endParaRPr lang="en-CA" sz="1400" kern="1200" dirty="0" smtClean="0">
+                      <a:r>
+                        <a:rPr lang="en-US" sz="1800" kern="1200" dirty="0" smtClean="0">
+                          <a:solidFill>
+                            <a:schemeClr val="dk1"/>
+                          </a:solidFill>
+                          <a:effectLst/>
+                          <a:latin typeface="Times New Roman" panose="02020603050405020304" pitchFamily="18" charset="0"/>
+                          <a:ea typeface="+mn-ea"/>
+                          <a:cs typeface="Times New Roman" panose="02020603050405020304" pitchFamily="18" charset="0"/>
+                        </a:rPr>
+                        <a:t>– </a:t>
+                      </a:r>
+                    </a:p>
+                    <a:p>
+                      <a:pPr marL="0" marR="0" lvl="2" indent="0" algn="l" defTabSz="457200" rtl="0" eaLnBrk="1" fontAlgn="auto" latinLnBrk="0" hangingPunct="1">
+                        <a:lnSpc>
+                          <a:spcPct val="100000"/>
+                        </a:lnSpc>
+                        <a:spcBef>
+                          <a:spcPts val="0"/>
+                        </a:spcBef>
+                        <a:spcAft>
+                          <a:spcPts val="0"/>
+                        </a:spcAft>
+                        <a:buClrTx/>
+                        <a:buSzTx/>
+                        <a:buFontTx/>
+                        <a:buNone/>
+                        <a:tabLst/>
+                        <a:defRPr/>
+                      </a:pPr>
+                      <a:r>
+                        <a:rPr lang="en-US" sz="1800" kern="1200" dirty="0" smtClean="0">
+                          <a:solidFill>
+                            <a:schemeClr val="dk1"/>
+                          </a:solidFill>
+                          <a:effectLst/>
+                          <a:latin typeface="Times New Roman" panose="02020603050405020304" pitchFamily="18" charset="0"/>
+                          <a:ea typeface="+mn-ea"/>
+                          <a:cs typeface="Times New Roman" panose="02020603050405020304" pitchFamily="18" charset="0"/>
+                        </a:rPr>
+                        <a:t>FRDM-KL25Z</a:t>
+                      </a:r>
+                      <a:endParaRPr lang="en-CA" sz="1800" kern="1200" dirty="0" smtClean="0">
                         <a:solidFill>
                           <a:schemeClr val="dk1"/>
                         </a:solidFill>
@@ -6978,7 +7359,7 @@
                       </a:endParaRPr>
                     </a:p>
                     <a:p>
-                      <a:endParaRPr lang="en-CA" sz="1200" dirty="0">
+                      <a:endParaRPr lang="en-CA" sz="1800" dirty="0">
                         <a:latin typeface="Times New Roman" panose="02020603050405020304" pitchFamily="18" charset="0"/>
                         <a:cs typeface="Times New Roman" panose="02020603050405020304" pitchFamily="18" charset="0"/>
                       </a:endParaRPr>
@@ -6993,17 +7374,13 @@
                     <a:p>
                       <a:pPr algn="ctr"/>
                       <a:r>
-                        <a:rPr lang="en-CA" dirty="0" smtClean="0"/>
-                        <a:t> </a:t>
-                      </a:r>
-                      <a:r>
-                        <a:rPr lang="en-CA" sz="1400" dirty="0" smtClean="0">
+                        <a:rPr lang="en-CA" sz="1800" dirty="0" smtClean="0">
                           <a:latin typeface="Times New Roman" panose="02020603050405020304" pitchFamily="18" charset="0"/>
                           <a:cs typeface="Times New Roman" panose="02020603050405020304" pitchFamily="18" charset="0"/>
                         </a:rPr>
-                        <a:t>1</a:t>
+                        <a:t> 1</a:t>
                       </a:r>
-                      <a:endParaRPr lang="en-CA" sz="1400" dirty="0">
+                      <a:endParaRPr lang="en-CA" sz="1800" dirty="0">
                         <a:latin typeface="Times New Roman" panose="02020603050405020304" pitchFamily="18" charset="0"/>
                         <a:cs typeface="Times New Roman" panose="02020603050405020304" pitchFamily="18" charset="0"/>
                       </a:endParaRPr>
@@ -7018,14 +7395,23 @@
                     <a:p>
                       <a:pPr algn="ctr"/>
                       <a:r>
-                        <a:rPr lang="en-CA" baseline="0" dirty="0" smtClean="0"/>
+                        <a:rPr lang="en-CA" sz="1800" baseline="0" dirty="0" smtClean="0">
+                          <a:latin typeface="Times New Roman" panose="02020603050405020304" pitchFamily="18" charset="0"/>
+                          <a:cs typeface="Times New Roman" panose="02020603050405020304" pitchFamily="18" charset="0"/>
+                        </a:rPr>
                         <a:t>     </a:t>
                       </a:r>
                       <a:r>
-                        <a:rPr lang="en-CA" dirty="0" smtClean="0"/>
+                        <a:rPr lang="en-CA" sz="1800" dirty="0" smtClean="0">
+                          <a:latin typeface="Times New Roman" panose="02020603050405020304" pitchFamily="18" charset="0"/>
+                          <a:cs typeface="Times New Roman" panose="02020603050405020304" pitchFamily="18" charset="0"/>
+                        </a:rPr>
                         <a:t>32</a:t>
                       </a:r>
-                      <a:endParaRPr lang="en-CA" dirty="0"/>
+                      <a:endParaRPr lang="en-CA" sz="1800" dirty="0">
+                        <a:latin typeface="Times New Roman" panose="02020603050405020304" pitchFamily="18" charset="0"/>
+                        <a:cs typeface="Times New Roman" panose="02020603050405020304" pitchFamily="18" charset="0"/>
+                      </a:endParaRPr>
                     </a:p>
                   </a:txBody>
                   <a:tcPr/>
@@ -7053,7 +7439,10 @@
                         <a:defRPr/>
                       </a:pPr>
                       <a:r>
-                        <a:rPr lang="en-CA" dirty="0" smtClean="0"/>
+                        <a:rPr lang="en-CA" sz="1800" dirty="0" smtClean="0">
+                          <a:latin typeface="Times New Roman" panose="02020603050405020304" pitchFamily="18" charset="0"/>
+                          <a:cs typeface="Times New Roman" panose="02020603050405020304" pitchFamily="18" charset="0"/>
+                        </a:rPr>
                         <a:t>            32</a:t>
                       </a:r>
                     </a:p>
@@ -7068,10 +7457,16 @@
                     <a:lstStyle/>
                     <a:p>
                       <a:r>
-                        <a:rPr lang="en-CA" sz="1400" dirty="0" smtClean="0"/>
+                        <a:rPr lang="en-CA" sz="1800" dirty="0" smtClean="0">
+                          <a:latin typeface="Times New Roman" panose="02020603050405020304" pitchFamily="18" charset="0"/>
+                          <a:cs typeface="Times New Roman" panose="02020603050405020304" pitchFamily="18" charset="0"/>
+                        </a:rPr>
                         <a:t>     2</a:t>
                       </a:r>
-                      <a:endParaRPr lang="en-CA" sz="1400" dirty="0"/>
+                      <a:endParaRPr lang="en-CA" sz="1800" dirty="0">
+                        <a:latin typeface="Times New Roman" panose="02020603050405020304" pitchFamily="18" charset="0"/>
+                        <a:cs typeface="Times New Roman" panose="02020603050405020304" pitchFamily="18" charset="0"/>
+                      </a:endParaRPr>
                     </a:p>
                   </a:txBody>
                   <a:tcPr/>
@@ -7099,7 +7494,7 @@
                         <a:defRPr/>
                       </a:pPr>
                       <a:r>
-                        <a:rPr lang="en-US" sz="1400" kern="1200" dirty="0" smtClean="0">
+                        <a:rPr lang="en-US" sz="1800" kern="1200" dirty="0" smtClean="0">
                           <a:solidFill>
                             <a:schemeClr val="dk1"/>
                           </a:solidFill>
@@ -7108,9 +7503,52 @@
                           <a:ea typeface="+mn-ea"/>
                           <a:cs typeface="Times New Roman" panose="02020603050405020304" pitchFamily="18" charset="0"/>
                         </a:rPr>
-                        <a:t>Ultrasonic Sensor - HC-SR04</a:t>
+                        <a:t>Ultrasonic Sensor </a:t>
                       </a:r>
-                      <a:endParaRPr lang="en-CA" sz="1400" kern="1200" dirty="0" smtClean="0">
+                      <a:r>
+                        <a:rPr lang="en-US" sz="1800" kern="1200" dirty="0" smtClean="0">
+                          <a:solidFill>
+                            <a:schemeClr val="dk1"/>
+                          </a:solidFill>
+                          <a:effectLst/>
+                          <a:latin typeface="Times New Roman" panose="02020603050405020304" pitchFamily="18" charset="0"/>
+                          <a:ea typeface="+mn-ea"/>
+                          <a:cs typeface="Times New Roman" panose="02020603050405020304" pitchFamily="18" charset="0"/>
+                        </a:rPr>
+                        <a:t>– </a:t>
+                      </a:r>
+                    </a:p>
+                    <a:p>
+                      <a:pPr marL="0" marR="0" lvl="2" indent="0" algn="l" defTabSz="457200" rtl="0" eaLnBrk="1" fontAlgn="auto" latinLnBrk="0" hangingPunct="1">
+                        <a:lnSpc>
+                          <a:spcPct val="100000"/>
+                        </a:lnSpc>
+                        <a:spcBef>
+                          <a:spcPts val="0"/>
+                        </a:spcBef>
+                        <a:spcAft>
+                          <a:spcPts val="0"/>
+                        </a:spcAft>
+                        <a:buClrTx/>
+                        <a:buSzTx/>
+                        <a:buFontTx/>
+                        <a:buNone/>
+                        <a:tabLst/>
+                        <a:defRPr/>
+                      </a:pPr>
+                      <a:r>
+                        <a:rPr lang="en-US" sz="1800" kern="1200" dirty="0" smtClean="0">
+                          <a:solidFill>
+                            <a:schemeClr val="dk1"/>
+                          </a:solidFill>
+                          <a:effectLst/>
+                          <a:latin typeface="Times New Roman" panose="02020603050405020304" pitchFamily="18" charset="0"/>
+                          <a:ea typeface="+mn-ea"/>
+                          <a:cs typeface="Times New Roman" panose="02020603050405020304" pitchFamily="18" charset="0"/>
+                        </a:rPr>
+                        <a:t>HC-SR04</a:t>
+                      </a:r>
+                      <a:endParaRPr lang="en-CA" sz="1800" kern="1200" dirty="0" smtClean="0">
                         <a:solidFill>
                           <a:schemeClr val="dk1"/>
                         </a:solidFill>
@@ -7121,7 +7559,10 @@
                       </a:endParaRPr>
                     </a:p>
                     <a:p>
-                      <a:endParaRPr lang="en-CA" sz="1400" dirty="0"/>
+                      <a:endParaRPr lang="en-CA" sz="1800" dirty="0">
+                        <a:latin typeface="Times New Roman" panose="02020603050405020304" pitchFamily="18" charset="0"/>
+                        <a:cs typeface="Times New Roman" panose="02020603050405020304" pitchFamily="18" charset="0"/>
+                      </a:endParaRPr>
                     </a:p>
                   </a:txBody>
                   <a:tcPr/>
@@ -7149,7 +7590,7 @@
                         <a:defRPr/>
                       </a:pPr>
                       <a:r>
-                        <a:rPr lang="en-CA" sz="1400" dirty="0" smtClean="0">
+                        <a:rPr lang="en-CA" sz="1800" dirty="0" smtClean="0">
                           <a:latin typeface="Times New Roman" panose="02020603050405020304" pitchFamily="18" charset="0"/>
                           <a:cs typeface="Times New Roman" panose="02020603050405020304" pitchFamily="18" charset="0"/>
                         </a:rPr>
@@ -7157,7 +7598,10 @@
                       </a:r>
                     </a:p>
                     <a:p>
-                      <a:endParaRPr lang="en-CA" dirty="0"/>
+                      <a:endParaRPr lang="en-CA" sz="1800" dirty="0">
+                        <a:latin typeface="Times New Roman" panose="02020603050405020304" pitchFamily="18" charset="0"/>
+                        <a:cs typeface="Times New Roman" panose="02020603050405020304" pitchFamily="18" charset="0"/>
+                      </a:endParaRPr>
                     </a:p>
                   </a:txBody>
                   <a:tcPr/>
@@ -7168,10 +7612,16 @@
                     <a:lstStyle/>
                     <a:p>
                       <a:r>
-                        <a:rPr lang="en-CA" dirty="0" smtClean="0"/>
+                        <a:rPr lang="en-CA" sz="1800" dirty="0" smtClean="0">
+                          <a:latin typeface="Times New Roman" panose="02020603050405020304" pitchFamily="18" charset="0"/>
+                          <a:cs typeface="Times New Roman" panose="02020603050405020304" pitchFamily="18" charset="0"/>
+                        </a:rPr>
                         <a:t>            4</a:t>
                       </a:r>
-                      <a:endParaRPr lang="en-CA" dirty="0"/>
+                      <a:endParaRPr lang="en-CA" sz="1800" dirty="0">
+                        <a:latin typeface="Times New Roman" panose="02020603050405020304" pitchFamily="18" charset="0"/>
+                        <a:cs typeface="Times New Roman" panose="02020603050405020304" pitchFamily="18" charset="0"/>
+                      </a:endParaRPr>
                     </a:p>
                   </a:txBody>
                   <a:tcPr/>
@@ -7182,10 +7632,16 @@
                     <a:lstStyle/>
                     <a:p>
                       <a:r>
-                        <a:rPr lang="en-CA" dirty="0" smtClean="0"/>
+                        <a:rPr lang="en-CA" sz="1800" dirty="0" smtClean="0">
+                          <a:latin typeface="Times New Roman" panose="02020603050405020304" pitchFamily="18" charset="0"/>
+                          <a:cs typeface="Times New Roman" panose="02020603050405020304" pitchFamily="18" charset="0"/>
+                        </a:rPr>
                         <a:t>             4</a:t>
                       </a:r>
-                      <a:endParaRPr lang="en-CA" dirty="0"/>
+                      <a:endParaRPr lang="en-CA" sz="1800" dirty="0">
+                        <a:latin typeface="Times New Roman" panose="02020603050405020304" pitchFamily="18" charset="0"/>
+                        <a:cs typeface="Times New Roman" panose="02020603050405020304" pitchFamily="18" charset="0"/>
+                      </a:endParaRPr>
                     </a:p>
                   </a:txBody>
                   <a:tcPr/>
@@ -7198,10 +7654,16 @@
                     <a:lstStyle/>
                     <a:p>
                       <a:r>
-                        <a:rPr lang="en-CA" sz="1400" dirty="0" smtClean="0"/>
+                        <a:rPr lang="en-CA" sz="1800" dirty="0" smtClean="0">
+                          <a:latin typeface="Times New Roman" panose="02020603050405020304" pitchFamily="18" charset="0"/>
+                          <a:cs typeface="Times New Roman" panose="02020603050405020304" pitchFamily="18" charset="0"/>
+                        </a:rPr>
                         <a:t>     3</a:t>
                       </a:r>
-                      <a:endParaRPr lang="en-CA" sz="1400" dirty="0"/>
+                      <a:endParaRPr lang="en-CA" sz="1800" dirty="0">
+                        <a:latin typeface="Times New Roman" panose="02020603050405020304" pitchFamily="18" charset="0"/>
+                        <a:cs typeface="Times New Roman" panose="02020603050405020304" pitchFamily="18" charset="0"/>
+                      </a:endParaRPr>
                     </a:p>
                   </a:txBody>
                   <a:tcPr/>
@@ -7229,7 +7691,7 @@
                         <a:defRPr/>
                       </a:pPr>
                       <a:r>
-                        <a:rPr lang="en-US" sz="1400" kern="1200" dirty="0" smtClean="0">
+                        <a:rPr lang="en-US" sz="1800" kern="1200" dirty="0" smtClean="0">
                           <a:solidFill>
                             <a:schemeClr val="dk1"/>
                           </a:solidFill>
@@ -7240,7 +7702,7 @@
                         </a:rPr>
                         <a:t>Motor Driver - L293DNE</a:t>
                       </a:r>
-                      <a:endParaRPr lang="en-CA" sz="1400" kern="1200" dirty="0" smtClean="0">
+                      <a:endParaRPr lang="en-CA" sz="1800" kern="1200" dirty="0" smtClean="0">
                         <a:solidFill>
                           <a:schemeClr val="dk1"/>
                         </a:solidFill>
@@ -7251,7 +7713,10 @@
                       </a:endParaRPr>
                     </a:p>
                     <a:p>
-                      <a:endParaRPr lang="en-CA" sz="1400" dirty="0"/>
+                      <a:endParaRPr lang="en-CA" sz="1800" dirty="0">
+                        <a:latin typeface="Times New Roman" panose="02020603050405020304" pitchFamily="18" charset="0"/>
+                        <a:cs typeface="Times New Roman" panose="02020603050405020304" pitchFamily="18" charset="0"/>
+                      </a:endParaRPr>
                     </a:p>
                   </a:txBody>
                   <a:tcPr/>
@@ -7279,7 +7744,7 @@
                         <a:defRPr/>
                       </a:pPr>
                       <a:r>
-                        <a:rPr lang="en-CA" sz="1400" dirty="0" smtClean="0">
+                        <a:rPr lang="en-CA" sz="1800" dirty="0" smtClean="0">
                           <a:latin typeface="Times New Roman" panose="02020603050405020304" pitchFamily="18" charset="0"/>
                           <a:cs typeface="Times New Roman" panose="02020603050405020304" pitchFamily="18" charset="0"/>
                         </a:rPr>
@@ -7288,7 +7753,10 @@
                     </a:p>
                     <a:p>
                       <a:pPr algn="ctr"/>
-                      <a:endParaRPr lang="en-CA" sz="1400" dirty="0"/>
+                      <a:endParaRPr lang="en-CA" sz="1800" dirty="0">
+                        <a:latin typeface="Times New Roman" panose="02020603050405020304" pitchFamily="18" charset="0"/>
+                        <a:cs typeface="Times New Roman" panose="02020603050405020304" pitchFamily="18" charset="0"/>
+                      </a:endParaRPr>
                     </a:p>
                   </a:txBody>
                   <a:tcPr/>
@@ -7299,10 +7767,16 @@
                     <a:lstStyle/>
                     <a:p>
                       <a:r>
-                        <a:rPr lang="en-CA" dirty="0" smtClean="0"/>
+                        <a:rPr lang="en-CA" sz="1800" dirty="0" smtClean="0">
+                          <a:latin typeface="Times New Roman" panose="02020603050405020304" pitchFamily="18" charset="0"/>
+                          <a:cs typeface="Times New Roman" panose="02020603050405020304" pitchFamily="18" charset="0"/>
+                        </a:rPr>
                         <a:t>            4</a:t>
                       </a:r>
-                      <a:endParaRPr lang="en-CA" dirty="0"/>
+                      <a:endParaRPr lang="en-CA" sz="1800" dirty="0">
+                        <a:latin typeface="Times New Roman" panose="02020603050405020304" pitchFamily="18" charset="0"/>
+                        <a:cs typeface="Times New Roman" panose="02020603050405020304" pitchFamily="18" charset="0"/>
+                      </a:endParaRPr>
                     </a:p>
                   </a:txBody>
                   <a:tcPr/>
@@ -7313,10 +7787,16 @@
                     <a:lstStyle/>
                     <a:p>
                       <a:r>
-                        <a:rPr lang="en-CA" dirty="0" smtClean="0"/>
+                        <a:rPr lang="en-CA" sz="1800" dirty="0" smtClean="0">
+                          <a:latin typeface="Times New Roman" panose="02020603050405020304" pitchFamily="18" charset="0"/>
+                          <a:cs typeface="Times New Roman" panose="02020603050405020304" pitchFamily="18" charset="0"/>
+                        </a:rPr>
                         <a:t>             4</a:t>
                       </a:r>
-                      <a:endParaRPr lang="en-CA" dirty="0"/>
+                      <a:endParaRPr lang="en-CA" sz="1800" dirty="0">
+                        <a:latin typeface="Times New Roman" panose="02020603050405020304" pitchFamily="18" charset="0"/>
+                        <a:cs typeface="Times New Roman" panose="02020603050405020304" pitchFamily="18" charset="0"/>
+                      </a:endParaRPr>
                     </a:p>
                   </a:txBody>
                   <a:tcPr/>
@@ -7329,10 +7809,16 @@
                     <a:lstStyle/>
                     <a:p>
                       <a:r>
-                        <a:rPr lang="en-CA" dirty="0" smtClean="0"/>
+                        <a:rPr lang="en-CA" sz="1800" dirty="0" smtClean="0">
+                          <a:latin typeface="Times New Roman" panose="02020603050405020304" pitchFamily="18" charset="0"/>
+                          <a:cs typeface="Times New Roman" panose="02020603050405020304" pitchFamily="18" charset="0"/>
+                        </a:rPr>
                         <a:t>    4</a:t>
                       </a:r>
-                      <a:endParaRPr lang="en-CA" dirty="0"/>
+                      <a:endParaRPr lang="en-CA" sz="1800" dirty="0">
+                        <a:latin typeface="Times New Roman" panose="02020603050405020304" pitchFamily="18" charset="0"/>
+                        <a:cs typeface="Times New Roman" panose="02020603050405020304" pitchFamily="18" charset="0"/>
+                      </a:endParaRPr>
                     </a:p>
                   </a:txBody>
                   <a:tcPr/>
@@ -7360,7 +7846,7 @@
                         <a:defRPr/>
                       </a:pPr>
                       <a:r>
-                        <a:rPr lang="en-US" sz="1400" kern="1200" dirty="0" smtClean="0">
+                        <a:rPr lang="en-US" sz="1800" kern="1200" dirty="0" smtClean="0">
                           <a:solidFill>
                             <a:schemeClr val="dk1"/>
                           </a:solidFill>
@@ -7371,7 +7857,7 @@
                         </a:rPr>
                         <a:t>Robot Car Chassis kit</a:t>
                       </a:r>
-                      <a:endParaRPr lang="en-CA" sz="1400" kern="1200" dirty="0" smtClean="0">
+                      <a:endParaRPr lang="en-CA" sz="1800" kern="1200" dirty="0" smtClean="0">
                         <a:solidFill>
                           <a:schemeClr val="dk1"/>
                         </a:solidFill>
@@ -7382,7 +7868,10 @@
                       </a:endParaRPr>
                     </a:p>
                     <a:p>
-                      <a:endParaRPr lang="en-CA" dirty="0"/>
+                      <a:endParaRPr lang="en-CA" sz="1800" dirty="0">
+                        <a:latin typeface="Times New Roman" panose="02020603050405020304" pitchFamily="18" charset="0"/>
+                        <a:cs typeface="Times New Roman" panose="02020603050405020304" pitchFamily="18" charset="0"/>
+                      </a:endParaRPr>
                     </a:p>
                   </a:txBody>
                   <a:tcPr/>
@@ -7410,7 +7899,7 @@
                         <a:defRPr/>
                       </a:pPr>
                       <a:r>
-                        <a:rPr lang="en-CA" sz="1400" dirty="0" smtClean="0">
+                        <a:rPr lang="en-CA" sz="1800" dirty="0" smtClean="0">
                           <a:latin typeface="Times New Roman" panose="02020603050405020304" pitchFamily="18" charset="0"/>
                           <a:cs typeface="Times New Roman" panose="02020603050405020304" pitchFamily="18" charset="0"/>
                         </a:rPr>
@@ -7418,7 +7907,10 @@
                       </a:r>
                     </a:p>
                     <a:p>
-                      <a:endParaRPr lang="en-CA" dirty="0"/>
+                      <a:endParaRPr lang="en-CA" sz="1800" dirty="0">
+                        <a:latin typeface="Times New Roman" panose="02020603050405020304" pitchFamily="18" charset="0"/>
+                        <a:cs typeface="Times New Roman" panose="02020603050405020304" pitchFamily="18" charset="0"/>
+                      </a:endParaRPr>
                     </a:p>
                   </a:txBody>
                   <a:tcPr/>
@@ -7429,10 +7921,16 @@
                     <a:lstStyle/>
                     <a:p>
                       <a:r>
-                        <a:rPr lang="en-CA" dirty="0" smtClean="0"/>
+                        <a:rPr lang="en-CA" sz="1800" dirty="0" smtClean="0">
+                          <a:latin typeface="Times New Roman" panose="02020603050405020304" pitchFamily="18" charset="0"/>
+                          <a:cs typeface="Times New Roman" panose="02020603050405020304" pitchFamily="18" charset="0"/>
+                        </a:rPr>
                         <a:t>           20</a:t>
                       </a:r>
-                      <a:endParaRPr lang="en-CA" dirty="0"/>
+                      <a:endParaRPr lang="en-CA" sz="1800" dirty="0">
+                        <a:latin typeface="Times New Roman" panose="02020603050405020304" pitchFamily="18" charset="0"/>
+                        <a:cs typeface="Times New Roman" panose="02020603050405020304" pitchFamily="18" charset="0"/>
+                      </a:endParaRPr>
                     </a:p>
                   </a:txBody>
                   <a:tcPr/>
@@ -7443,10 +7941,16 @@
                     <a:lstStyle/>
                     <a:p>
                       <a:r>
-                        <a:rPr lang="en-CA" dirty="0" smtClean="0"/>
+                        <a:rPr lang="en-CA" sz="1800" dirty="0" smtClean="0">
+                          <a:latin typeface="Times New Roman" panose="02020603050405020304" pitchFamily="18" charset="0"/>
+                          <a:cs typeface="Times New Roman" panose="02020603050405020304" pitchFamily="18" charset="0"/>
+                        </a:rPr>
                         <a:t>            20</a:t>
                       </a:r>
-                      <a:endParaRPr lang="en-CA" dirty="0"/>
+                      <a:endParaRPr lang="en-CA" sz="1800" dirty="0">
+                        <a:latin typeface="Times New Roman" panose="02020603050405020304" pitchFamily="18" charset="0"/>
+                        <a:cs typeface="Times New Roman" panose="02020603050405020304" pitchFamily="18" charset="0"/>
+                      </a:endParaRPr>
                     </a:p>
                   </a:txBody>
                   <a:tcPr/>
@@ -7458,7 +7962,10 @@
                     <a:bodyPr/>
                     <a:lstStyle/>
                     <a:p>
-                      <a:endParaRPr lang="en-CA" dirty="0"/>
+                      <a:endParaRPr lang="en-CA" sz="1800" dirty="0">
+                        <a:latin typeface="Times New Roman" panose="02020603050405020304" pitchFamily="18" charset="0"/>
+                        <a:cs typeface="Times New Roman" panose="02020603050405020304" pitchFamily="18" charset="0"/>
+                      </a:endParaRPr>
                     </a:p>
                   </a:txBody>
                   <a:tcPr/>
@@ -7469,14 +7976,23 @@
                     <a:lstStyle/>
                     <a:p>
                       <a:r>
-                        <a:rPr lang="en-CA" dirty="0" smtClean="0"/>
+                        <a:rPr lang="en-CA" sz="1800" dirty="0" smtClean="0">
+                          <a:latin typeface="Times New Roman" panose="02020603050405020304" pitchFamily="18" charset="0"/>
+                          <a:cs typeface="Times New Roman" panose="02020603050405020304" pitchFamily="18" charset="0"/>
+                        </a:rPr>
                         <a:t>       Total</a:t>
                       </a:r>
                       <a:r>
-                        <a:rPr lang="en-CA" baseline="0" dirty="0" smtClean="0"/>
+                        <a:rPr lang="en-CA" sz="1800" baseline="0" dirty="0" smtClean="0">
+                          <a:latin typeface="Times New Roman" panose="02020603050405020304" pitchFamily="18" charset="0"/>
+                          <a:cs typeface="Times New Roman" panose="02020603050405020304" pitchFamily="18" charset="0"/>
+                        </a:rPr>
                         <a:t> Cost</a:t>
                       </a:r>
-                      <a:endParaRPr lang="en-CA" dirty="0"/>
+                      <a:endParaRPr lang="en-CA" sz="1800" dirty="0">
+                        <a:latin typeface="Times New Roman" panose="02020603050405020304" pitchFamily="18" charset="0"/>
+                        <a:cs typeface="Times New Roman" panose="02020603050405020304" pitchFamily="18" charset="0"/>
+                      </a:endParaRPr>
                     </a:p>
                   </a:txBody>
                   <a:tcPr/>
@@ -7486,7 +8002,10 @@
                     <a:bodyPr/>
                     <a:lstStyle/>
                     <a:p>
-                      <a:endParaRPr lang="en-CA" dirty="0"/>
+                      <a:endParaRPr lang="en-CA" sz="1800" dirty="0">
+                        <a:latin typeface="Times New Roman" panose="02020603050405020304" pitchFamily="18" charset="0"/>
+                        <a:cs typeface="Times New Roman" panose="02020603050405020304" pitchFamily="18" charset="0"/>
+                      </a:endParaRPr>
                     </a:p>
                   </a:txBody>
                   <a:tcPr/>
@@ -7496,7 +8015,10 @@
                     <a:bodyPr/>
                     <a:lstStyle/>
                     <a:p>
-                      <a:endParaRPr lang="en-CA" dirty="0"/>
+                      <a:endParaRPr lang="en-CA" sz="1800" dirty="0">
+                        <a:latin typeface="Times New Roman" panose="02020603050405020304" pitchFamily="18" charset="0"/>
+                        <a:cs typeface="Times New Roman" panose="02020603050405020304" pitchFamily="18" charset="0"/>
+                      </a:endParaRPr>
                     </a:p>
                   </a:txBody>
                   <a:tcPr/>
@@ -7507,10 +8029,16 @@
                     <a:lstStyle/>
                     <a:p>
                       <a:r>
-                        <a:rPr lang="en-CA" dirty="0" smtClean="0"/>
+                        <a:rPr lang="en-CA" sz="1800" dirty="0" smtClean="0">
+                          <a:latin typeface="Times New Roman" panose="02020603050405020304" pitchFamily="18" charset="0"/>
+                          <a:cs typeface="Times New Roman" panose="02020603050405020304" pitchFamily="18" charset="0"/>
+                        </a:rPr>
                         <a:t>           60</a:t>
                       </a:r>
-                      <a:endParaRPr lang="en-CA" dirty="0"/>
+                      <a:endParaRPr lang="en-CA" sz="1800" dirty="0">
+                        <a:latin typeface="Times New Roman" panose="02020603050405020304" pitchFamily="18" charset="0"/>
+                        <a:cs typeface="Times New Roman" panose="02020603050405020304" pitchFamily="18" charset="0"/>
+                      </a:endParaRPr>
                     </a:p>
                   </a:txBody>
                   <a:tcPr/>
@@ -7569,24 +8097,33 @@
         </p:nvSpPr>
         <p:spPr>
           <a:xfrm>
-            <a:off x="430555" y="456246"/>
-            <a:ext cx="8596668" cy="660400"/>
+            <a:off x="430555" y="361908"/>
+            <a:ext cx="8596668" cy="573911"/>
           </a:xfrm>
         </p:spPr>
         <p:txBody>
           <a:bodyPr>
-            <a:normAutofit fontScale="90000"/>
+            <a:noAutofit/>
           </a:bodyPr>
           <a:lstStyle/>
           <a:p>
             <a:r>
-              <a:rPr lang="en-US" dirty="0" smtClean="0"/>
+              <a:rPr lang="en-US" dirty="0" smtClean="0">
+                <a:latin typeface="Times New Roman" panose="02020603050405020304" pitchFamily="18" charset="0"/>
+                <a:cs typeface="Times New Roman" panose="02020603050405020304" pitchFamily="18" charset="0"/>
+              </a:rPr>
               <a:t>Deliverables</a:t>
             </a:r>
             <a:br>
-              <a:rPr lang="en-US" dirty="0" smtClean="0"/>
+              <a:rPr lang="en-US" dirty="0" smtClean="0">
+                <a:latin typeface="Times New Roman" panose="02020603050405020304" pitchFamily="18" charset="0"/>
+                <a:cs typeface="Times New Roman" panose="02020603050405020304" pitchFamily="18" charset="0"/>
+              </a:rPr>
             </a:br>
-            <a:endParaRPr lang="en-US" dirty="0"/>
+            <a:endParaRPr lang="en-US" sz="1600" dirty="0">
+              <a:latin typeface="Times New Roman" panose="02020603050405020304" pitchFamily="18" charset="0"/>
+              <a:cs typeface="Times New Roman" panose="02020603050405020304" pitchFamily="18" charset="0"/>
+            </a:endParaRPr>
           </a:p>
         </p:txBody>
       </p:sp>
@@ -7602,36 +8139,48 @@
         </p:nvSpPr>
         <p:spPr>
           <a:xfrm>
-            <a:off x="512577" y="1138143"/>
-            <a:ext cx="8596668" cy="1587627"/>
+            <a:off x="547765" y="1062377"/>
+            <a:ext cx="8561479" cy="1445413"/>
           </a:xfrm>
         </p:spPr>
         <p:txBody>
           <a:bodyPr>
-            <a:normAutofit/>
+            <a:normAutofit fontScale="92500" lnSpcReduction="20000"/>
           </a:bodyPr>
           <a:lstStyle/>
           <a:p>
             <a:r>
-              <a:rPr lang="en-US" dirty="0" smtClean="0"/>
+              <a:rPr lang="en-US" sz="1900" dirty="0" smtClean="0">
+                <a:latin typeface="Times New Roman" panose="02020603050405020304" pitchFamily="18" charset="0"/>
+                <a:cs typeface="Times New Roman" panose="02020603050405020304" pitchFamily="18" charset="0"/>
+              </a:rPr>
               <a:t>Design Documents</a:t>
             </a:r>
           </a:p>
           <a:p>
             <a:r>
-              <a:rPr lang="en-US" dirty="0" smtClean="0"/>
+              <a:rPr lang="en-US" sz="1900" dirty="0" smtClean="0">
+                <a:latin typeface="Times New Roman" panose="02020603050405020304" pitchFamily="18" charset="0"/>
+                <a:cs typeface="Times New Roman" panose="02020603050405020304" pitchFamily="18" charset="0"/>
+              </a:rPr>
               <a:t>Simulation Reports</a:t>
             </a:r>
           </a:p>
           <a:p>
             <a:r>
-              <a:rPr lang="en-US" dirty="0" smtClean="0"/>
+              <a:rPr lang="en-US" sz="1900" dirty="0" smtClean="0">
+                <a:latin typeface="Times New Roman" panose="02020603050405020304" pitchFamily="18" charset="0"/>
+                <a:cs typeface="Times New Roman" panose="02020603050405020304" pitchFamily="18" charset="0"/>
+              </a:rPr>
               <a:t>Testing Reports</a:t>
             </a:r>
           </a:p>
           <a:p>
             <a:r>
-              <a:rPr lang="en-US" dirty="0" smtClean="0"/>
+              <a:rPr lang="en-US" sz="1900" dirty="0" smtClean="0">
+                <a:latin typeface="Times New Roman" panose="02020603050405020304" pitchFamily="18" charset="0"/>
+                <a:cs typeface="Times New Roman" panose="02020603050405020304" pitchFamily="18" charset="0"/>
+              </a:rPr>
               <a:t>Demo</a:t>
             </a:r>
           </a:p>
@@ -7758,8 +8307,8 @@
         </p:nvSpPr>
         <p:spPr>
           <a:xfrm>
-            <a:off x="430555" y="3408555"/>
-            <a:ext cx="8596668" cy="1587627"/>
+            <a:off x="547765" y="3259182"/>
+            <a:ext cx="8479458" cy="1231531"/>
           </a:xfrm>
           <a:prstGeom prst="rect">
             <a:avLst/>
@@ -7998,20 +8547,43 @@
           </a:lstStyle>
           <a:p>
             <a:r>
-              <a:rPr lang="en-US" dirty="0" smtClean="0"/>
+              <a:rPr lang="en-US" dirty="0" smtClean="0">
+                <a:latin typeface="Times New Roman" panose="02020603050405020304" pitchFamily="18" charset="0"/>
+                <a:cs typeface="Times New Roman" panose="02020603050405020304" pitchFamily="18" charset="0"/>
+              </a:rPr>
               <a:t>Kamalpreet Grewal</a:t>
             </a:r>
           </a:p>
           <a:p>
             <a:r>
-              <a:rPr lang="en-US" dirty="0" smtClean="0"/>
-              <a:t>Jivanjot Singh Bajaj</a:t>
-            </a:r>
-          </a:p>
-          <a:p>
-            <a:r>
-              <a:rPr lang="en-US" dirty="0" smtClean="0"/>
-              <a:t>Ganesh Santhar </a:t>
+              <a:rPr lang="en-US" dirty="0" smtClean="0">
+                <a:latin typeface="Times New Roman" panose="02020603050405020304" pitchFamily="18" charset="0"/>
+                <a:cs typeface="Times New Roman" panose="02020603050405020304" pitchFamily="18" charset="0"/>
+              </a:rPr>
+              <a:t>Jivanjot Singh </a:t>
+            </a:r>
+            <a:r>
+              <a:rPr lang="en-US" dirty="0" smtClean="0">
+                <a:latin typeface="Times New Roman" panose="02020603050405020304" pitchFamily="18" charset="0"/>
+                <a:cs typeface="Times New Roman" panose="02020603050405020304" pitchFamily="18" charset="0"/>
+              </a:rPr>
+              <a:t>Bajaj</a:t>
+            </a:r>
+          </a:p>
+          <a:p>
+            <a:r>
+              <a:rPr lang="en-US" dirty="0" smtClean="0">
+                <a:latin typeface="Times New Roman" panose="02020603050405020304" pitchFamily="18" charset="0"/>
+                <a:cs typeface="Times New Roman" panose="02020603050405020304" pitchFamily="18" charset="0"/>
+              </a:rPr>
+              <a:t>Ganesh </a:t>
+            </a:r>
+            <a:r>
+              <a:rPr lang="en-US" dirty="0" smtClean="0">
+                <a:latin typeface="Times New Roman" panose="02020603050405020304" pitchFamily="18" charset="0"/>
+                <a:cs typeface="Times New Roman" panose="02020603050405020304" pitchFamily="18" charset="0"/>
+              </a:rPr>
+              <a:t>Santhar </a:t>
             </a:r>
           </a:p>
         </p:txBody>
@@ -8026,8 +8598,8 @@
         </p:nvSpPr>
         <p:spPr>
           <a:xfrm>
-            <a:off x="512577" y="2987778"/>
-            <a:ext cx="8596668" cy="457200"/>
+            <a:off x="512577" y="2539561"/>
+            <a:ext cx="8596668" cy="715953"/>
           </a:xfrm>
           <a:prstGeom prst="rect">
             <a:avLst/>
@@ -8035,7 +8607,7 @@
         </p:spPr>
         <p:txBody>
           <a:bodyPr vert="horz" lIns="91440" tIns="45720" rIns="91440" bIns="45720" rtlCol="0" anchor="t">
-            <a:normAutofit fontScale="40000" lnSpcReduction="20000"/>
+            <a:noAutofit/>
           </a:bodyPr>
           <a:lstStyle>
             <a:lvl1pPr algn="l" defTabSz="457200" rtl="0" eaLnBrk="1" latinLnBrk="0" hangingPunct="1">
@@ -8111,13 +8683,22 @@
           </a:lstStyle>
           <a:p>
             <a:r>
-              <a:rPr lang="en-US" dirty="0" smtClean="0"/>
+              <a:rPr lang="en-US" dirty="0" smtClean="0">
+                <a:latin typeface="Times New Roman" panose="02020603050405020304" pitchFamily="18" charset="0"/>
+                <a:cs typeface="Times New Roman" panose="02020603050405020304" pitchFamily="18" charset="0"/>
+              </a:rPr>
               <a:t>Team</a:t>
             </a:r>
             <a:br>
-              <a:rPr lang="en-US" dirty="0" smtClean="0"/>
+              <a:rPr lang="en-US" dirty="0" smtClean="0">
+                <a:latin typeface="Times New Roman" panose="02020603050405020304" pitchFamily="18" charset="0"/>
+                <a:cs typeface="Times New Roman" panose="02020603050405020304" pitchFamily="18" charset="0"/>
+              </a:rPr>
             </a:br>
-            <a:endParaRPr lang="en-US" dirty="0"/>
+            <a:endParaRPr lang="en-US" dirty="0">
+              <a:latin typeface="Times New Roman" panose="02020603050405020304" pitchFamily="18" charset="0"/>
+              <a:cs typeface="Times New Roman" panose="02020603050405020304" pitchFamily="18" charset="0"/>
+            </a:endParaRPr>
           </a:p>
         </p:txBody>
       </p:sp>
@@ -8236,7 +8817,7 @@
         </p:nvSpPr>
         <p:spPr>
           <a:xfrm>
-            <a:off x="512577" y="4996182"/>
+            <a:off x="547766" y="4501192"/>
             <a:ext cx="8596668" cy="660400"/>
           </a:xfrm>
           <a:prstGeom prst="rect">
@@ -8245,7 +8826,7 @@
         </p:spPr>
         <p:txBody>
           <a:bodyPr vert="horz" lIns="91440" tIns="45720" rIns="91440" bIns="45720" rtlCol="0" anchor="t">
-            <a:normAutofit fontScale="37500" lnSpcReduction="20000"/>
+            <a:noAutofit/>
           </a:bodyPr>
           <a:lstStyle>
             <a:lvl1pPr algn="l" defTabSz="457200" rtl="0" eaLnBrk="1" latinLnBrk="0" hangingPunct="1">
@@ -8321,7 +8902,10 @@
           </a:lstStyle>
           <a:p>
             <a:r>
-              <a:rPr lang="en-US" dirty="0" smtClean="0"/>
+              <a:rPr lang="en-US" dirty="0" smtClean="0">
+                <a:latin typeface="Times New Roman" panose="02020603050405020304" pitchFamily="18" charset="0"/>
+                <a:cs typeface="Times New Roman" panose="02020603050405020304" pitchFamily="18" charset="0"/>
+              </a:rPr>
               <a:t>Project Repository</a:t>
             </a:r>
           </a:p>
@@ -8600,7 +9184,7 @@
         </p:nvSpPr>
         <p:spPr>
           <a:xfrm>
-            <a:off x="430555" y="5350310"/>
+            <a:off x="360533" y="5197989"/>
             <a:ext cx="8596668" cy="776234"/>
           </a:xfrm>
           <a:prstGeom prst="rect">
@@ -8843,10 +9427,30 @@
               <a:buNone/>
             </a:pPr>
             <a:r>
-              <a:rPr lang="en-US" dirty="0"/>
-              <a:t>https://github.com/gsanthar/Automatic-Braking-System</a:t>
-            </a:r>
-            <a:endParaRPr lang="en-US" dirty="0" smtClean="0"/>
+              <a:rPr lang="en-US" sz="1600" dirty="0" smtClean="0">
+                <a:latin typeface="Times New Roman" panose="02020603050405020304" pitchFamily="18" charset="0"/>
+                <a:cs typeface="Times New Roman" panose="02020603050405020304" pitchFamily="18" charset="0"/>
+              </a:rPr>
+              <a:t>	</a:t>
+            </a:r>
+            <a:r>
+              <a:rPr lang="en-US" dirty="0" smtClean="0">
+                <a:latin typeface="Times New Roman" panose="02020603050405020304" pitchFamily="18" charset="0"/>
+                <a:cs typeface="Times New Roman" panose="02020603050405020304" pitchFamily="18" charset="0"/>
+              </a:rPr>
+              <a:t>https</a:t>
+            </a:r>
+            <a:r>
+              <a:rPr lang="en-US" dirty="0">
+                <a:latin typeface="Times New Roman" panose="02020603050405020304" pitchFamily="18" charset="0"/>
+                <a:cs typeface="Times New Roman" panose="02020603050405020304" pitchFamily="18" charset="0"/>
+              </a:rPr>
+              <a:t>://github.com/gsanthar/Automatic-Braking-System</a:t>
+            </a:r>
+            <a:endParaRPr lang="en-US" dirty="0" smtClean="0">
+              <a:latin typeface="Times New Roman" panose="02020603050405020304" pitchFamily="18" charset="0"/>
+              <a:cs typeface="Times New Roman" panose="02020603050405020304" pitchFamily="18" charset="0"/>
+            </a:endParaRPr>
           </a:p>
         </p:txBody>
       </p:sp>

--- a/Project-Proposal/Automatic Braking System.pptx
+++ b/Project-Proposal/Automatic Braking System.pptx
@@ -698,7 +698,7 @@
           </a:lstStyle>
           <a:p>
             <a:r>
-              <a:rPr lang="en-US" smtClean="0"/>
+              <a:rPr lang="en-US"/>
               <a:t>Click to edit Master title style</a:t>
             </a:r>
             <a:endParaRPr lang="en-US" dirty="0"/>
@@ -818,7 +818,7 @@
           </a:lstStyle>
           <a:p>
             <a:r>
-              <a:rPr lang="en-US" smtClean="0"/>
+              <a:rPr lang="en-US"/>
               <a:t>Click to edit Master subtitle style</a:t>
             </a:r>
             <a:endParaRPr lang="en-US" dirty="0"/>
@@ -842,7 +842,7 @@
           <a:p>
             <a:fld id="{2AC328AE-337C-4D31-8968-8BCE4DED6CBE}" type="datetimeFigureOut">
               <a:rPr lang="en-US" smtClean="0"/>
-              <a:t>9/18/2016</a:t>
+              <a:t>9/19/2016</a:t>
             </a:fld>
             <a:endParaRPr lang="en-US"/>
           </a:p>
@@ -947,7 +947,7 @@
           </a:lstStyle>
           <a:p>
             <a:r>
-              <a:rPr lang="en-US" smtClean="0"/>
+              <a:rPr lang="en-US"/>
               <a:t>Click to edit Master title style</a:t>
             </a:r>
             <a:endParaRPr lang="en-US" dirty="0"/>
@@ -1070,7 +1070,7 @@
           <a:p>
             <a:pPr lvl="0"/>
             <a:r>
-              <a:rPr lang="en-US" smtClean="0"/>
+              <a:rPr lang="en-US"/>
               <a:t>Click to edit Master text styles</a:t>
             </a:r>
           </a:p>
@@ -1093,7 +1093,7 @@
           <a:p>
             <a:fld id="{2AC328AE-337C-4D31-8968-8BCE4DED6CBE}" type="datetimeFigureOut">
               <a:rPr lang="en-US" smtClean="0"/>
-              <a:t>9/18/2016</a:t>
+              <a:t>9/19/2016</a:t>
             </a:fld>
             <a:endParaRPr lang="en-US"/>
           </a:p>
@@ -1198,7 +1198,7 @@
           </a:lstStyle>
           <a:p>
             <a:r>
-              <a:rPr lang="en-US" smtClean="0"/>
+              <a:rPr lang="en-US"/>
               <a:t>Click to edit Master title style</a:t>
             </a:r>
             <a:endParaRPr lang="en-US" dirty="0"/>
@@ -1262,7 +1262,7 @@
           <a:p>
             <a:pPr lvl="0"/>
             <a:r>
-              <a:rPr lang="en-US" smtClean="0"/>
+              <a:rPr lang="en-US"/>
               <a:t>Click to edit Master text styles</a:t>
             </a:r>
           </a:p>
@@ -1384,7 +1384,7 @@
           <a:p>
             <a:pPr lvl="0"/>
             <a:r>
-              <a:rPr lang="en-US" smtClean="0"/>
+              <a:rPr lang="en-US"/>
               <a:t>Click to edit Master text styles</a:t>
             </a:r>
           </a:p>
@@ -1407,7 +1407,7 @@
           <a:p>
             <a:fld id="{2AC328AE-337C-4D31-8968-8BCE4DED6CBE}" type="datetimeFigureOut">
               <a:rPr lang="en-US" smtClean="0"/>
-              <a:t>9/18/2016</a:t>
+              <a:t>9/19/2016</a:t>
             </a:fld>
             <a:endParaRPr lang="en-US"/>
           </a:p>
@@ -1602,7 +1602,7 @@
           </a:lstStyle>
           <a:p>
             <a:r>
-              <a:rPr lang="en-US" smtClean="0"/>
+              <a:rPr lang="en-US"/>
               <a:t>Click to edit Master title style</a:t>
             </a:r>
             <a:endParaRPr lang="en-US" dirty="0"/>
@@ -1725,7 +1725,7 @@
           <a:p>
             <a:pPr lvl="0"/>
             <a:r>
-              <a:rPr lang="en-US" smtClean="0"/>
+              <a:rPr lang="en-US"/>
               <a:t>Click to edit Master text styles</a:t>
             </a:r>
           </a:p>
@@ -1748,7 +1748,7 @@
           <a:p>
             <a:fld id="{2AC328AE-337C-4D31-8968-8BCE4DED6CBE}" type="datetimeFigureOut">
               <a:rPr lang="en-US" smtClean="0"/>
-              <a:t>9/18/2016</a:t>
+              <a:t>9/19/2016</a:t>
             </a:fld>
             <a:endParaRPr lang="en-US"/>
           </a:p>
@@ -1853,7 +1853,7 @@
           </a:lstStyle>
           <a:p>
             <a:r>
-              <a:rPr lang="en-US" smtClean="0"/>
+              <a:rPr lang="en-US"/>
               <a:t>Click to edit Master title style</a:t>
             </a:r>
             <a:endParaRPr lang="en-US" dirty="0"/>
@@ -1917,7 +1917,7 @@
           <a:p>
             <a:pPr lvl="0"/>
             <a:r>
-              <a:rPr lang="en-US" smtClean="0"/>
+              <a:rPr lang="en-US"/>
               <a:t>Click to edit Master text styles</a:t>
             </a:r>
           </a:p>
@@ -2039,7 +2039,7 @@
           <a:p>
             <a:pPr lvl="0"/>
             <a:r>
-              <a:rPr lang="en-US" smtClean="0"/>
+              <a:rPr lang="en-US"/>
               <a:t>Click to edit Master text styles</a:t>
             </a:r>
           </a:p>
@@ -2062,7 +2062,7 @@
           <a:p>
             <a:fld id="{2AC328AE-337C-4D31-8968-8BCE4DED6CBE}" type="datetimeFigureOut">
               <a:rPr lang="en-US" smtClean="0"/>
-              <a:t>9/18/2016</a:t>
+              <a:t>9/19/2016</a:t>
             </a:fld>
             <a:endParaRPr lang="en-US"/>
           </a:p>
@@ -2249,7 +2249,7 @@
           </a:lstStyle>
           <a:p>
             <a:r>
-              <a:rPr lang="en-US" smtClean="0"/>
+              <a:rPr lang="en-US"/>
               <a:t>Click to edit Master title style</a:t>
             </a:r>
             <a:endParaRPr lang="en-US" dirty="0"/>
@@ -2310,7 +2310,7 @@
           <a:p>
             <a:pPr lvl="0"/>
             <a:r>
-              <a:rPr lang="en-US" smtClean="0"/>
+              <a:rPr lang="en-US"/>
               <a:t>Click to edit Master text styles</a:t>
             </a:r>
           </a:p>
@@ -2432,7 +2432,7 @@
           <a:p>
             <a:pPr lvl="0"/>
             <a:r>
-              <a:rPr lang="en-US" smtClean="0"/>
+              <a:rPr lang="en-US"/>
               <a:t>Click to edit Master text styles</a:t>
             </a:r>
           </a:p>
@@ -2455,7 +2455,7 @@
           <a:p>
             <a:fld id="{2AC328AE-337C-4D31-8968-8BCE4DED6CBE}" type="datetimeFigureOut">
               <a:rPr lang="en-US" smtClean="0"/>
-              <a:t>9/18/2016</a:t>
+              <a:t>9/19/2016</a:t>
             </a:fld>
             <a:endParaRPr lang="en-US"/>
           </a:p>
@@ -2549,7 +2549,7 @@
           <a:lstStyle/>
           <a:p>
             <a:r>
-              <a:rPr lang="en-US" smtClean="0"/>
+              <a:rPr lang="en-US"/>
               <a:t>Click to edit Master title style</a:t>
             </a:r>
             <a:endParaRPr lang="en-US" dirty="0"/>
@@ -2573,35 +2573,35 @@
           <a:p>
             <a:pPr lvl="0"/>
             <a:r>
-              <a:rPr lang="en-US" smtClean="0"/>
+              <a:rPr lang="en-US"/>
               <a:t>Click to edit Master text styles</a:t>
             </a:r>
           </a:p>
           <a:p>
             <a:pPr lvl="1"/>
             <a:r>
-              <a:rPr lang="en-US" smtClean="0"/>
+              <a:rPr lang="en-US"/>
               <a:t>Second level</a:t>
             </a:r>
           </a:p>
           <a:p>
             <a:pPr lvl="2"/>
             <a:r>
-              <a:rPr lang="en-US" smtClean="0"/>
+              <a:rPr lang="en-US"/>
               <a:t>Third level</a:t>
             </a:r>
           </a:p>
           <a:p>
             <a:pPr lvl="3"/>
             <a:r>
-              <a:rPr lang="en-US" smtClean="0"/>
+              <a:rPr lang="en-US"/>
               <a:t>Fourth level</a:t>
             </a:r>
           </a:p>
           <a:p>
             <a:pPr lvl="4"/>
             <a:r>
-              <a:rPr lang="en-US" smtClean="0"/>
+              <a:rPr lang="en-US"/>
               <a:t>Fifth level</a:t>
             </a:r>
             <a:endParaRPr lang="en-US" dirty="0"/>
@@ -2625,7 +2625,7 @@
           <a:p>
             <a:fld id="{2AC328AE-337C-4D31-8968-8BCE4DED6CBE}" type="datetimeFigureOut">
               <a:rPr lang="en-US" smtClean="0"/>
-              <a:t>9/18/2016</a:t>
+              <a:t>9/19/2016</a:t>
             </a:fld>
             <a:endParaRPr lang="en-US"/>
           </a:p>
@@ -2724,7 +2724,7 @@
           <a:lstStyle/>
           <a:p>
             <a:r>
-              <a:rPr lang="en-US" smtClean="0"/>
+              <a:rPr lang="en-US"/>
               <a:t>Click to edit Master title style</a:t>
             </a:r>
             <a:endParaRPr lang="en-US" dirty="0"/>
@@ -2753,35 +2753,35 @@
           <a:p>
             <a:pPr lvl="0"/>
             <a:r>
-              <a:rPr lang="en-US" smtClean="0"/>
+              <a:rPr lang="en-US"/>
               <a:t>Click to edit Master text styles</a:t>
             </a:r>
           </a:p>
           <a:p>
             <a:pPr lvl="1"/>
             <a:r>
-              <a:rPr lang="en-US" smtClean="0"/>
+              <a:rPr lang="en-US"/>
               <a:t>Second level</a:t>
             </a:r>
           </a:p>
           <a:p>
             <a:pPr lvl="2"/>
             <a:r>
-              <a:rPr lang="en-US" smtClean="0"/>
+              <a:rPr lang="en-US"/>
               <a:t>Third level</a:t>
             </a:r>
           </a:p>
           <a:p>
             <a:pPr lvl="3"/>
             <a:r>
-              <a:rPr lang="en-US" smtClean="0"/>
+              <a:rPr lang="en-US"/>
               <a:t>Fourth level</a:t>
             </a:r>
           </a:p>
           <a:p>
             <a:pPr lvl="4"/>
             <a:r>
-              <a:rPr lang="en-US" smtClean="0"/>
+              <a:rPr lang="en-US"/>
               <a:t>Fifth level</a:t>
             </a:r>
             <a:endParaRPr lang="en-US" dirty="0"/>
@@ -2805,7 +2805,7 @@
           <a:p>
             <a:fld id="{2AC328AE-337C-4D31-8968-8BCE4DED6CBE}" type="datetimeFigureOut">
               <a:rPr lang="en-US" smtClean="0"/>
-              <a:t>9/18/2016</a:t>
+              <a:t>9/19/2016</a:t>
             </a:fld>
             <a:endParaRPr lang="en-US"/>
           </a:p>
@@ -2905,7 +2905,7 @@
           </a:lstStyle>
           <a:p>
             <a:r>
-              <a:rPr lang="en-US" smtClean="0"/>
+              <a:rPr lang="en-US"/>
               <a:t>Click to edit Master title style</a:t>
             </a:r>
             <a:endParaRPr lang="en-US" dirty="0"/>
@@ -2929,35 +2929,35 @@
           <a:p>
             <a:pPr lvl="0"/>
             <a:r>
-              <a:rPr lang="en-US" smtClean="0"/>
+              <a:rPr lang="en-US"/>
               <a:t>Click to edit Master text styles</a:t>
             </a:r>
           </a:p>
           <a:p>
             <a:pPr lvl="1"/>
             <a:r>
-              <a:rPr lang="en-US" smtClean="0"/>
+              <a:rPr lang="en-US"/>
               <a:t>Second level</a:t>
             </a:r>
           </a:p>
           <a:p>
             <a:pPr lvl="2"/>
             <a:r>
-              <a:rPr lang="en-US" smtClean="0"/>
+              <a:rPr lang="en-US"/>
               <a:t>Third level</a:t>
             </a:r>
           </a:p>
           <a:p>
             <a:pPr lvl="3"/>
             <a:r>
-              <a:rPr lang="en-US" smtClean="0"/>
+              <a:rPr lang="en-US"/>
               <a:t>Fourth level</a:t>
             </a:r>
           </a:p>
           <a:p>
             <a:pPr lvl="4"/>
             <a:r>
-              <a:rPr lang="en-US" smtClean="0"/>
+              <a:rPr lang="en-US"/>
               <a:t>Fifth level</a:t>
             </a:r>
             <a:endParaRPr lang="en-US" dirty="0"/>
@@ -2981,7 +2981,7 @@
           <a:p>
             <a:fld id="{2AC328AE-337C-4D31-8968-8BCE4DED6CBE}" type="datetimeFigureOut">
               <a:rPr lang="en-US" smtClean="0"/>
-              <a:t>9/18/2016</a:t>
+              <a:t>9/19/2016</a:t>
             </a:fld>
             <a:endParaRPr lang="en-US"/>
           </a:p>
@@ -3084,7 +3084,7 @@
           </a:lstStyle>
           <a:p>
             <a:r>
-              <a:rPr lang="en-US" smtClean="0"/>
+              <a:rPr lang="en-US"/>
               <a:t>Click to edit Master title style</a:t>
             </a:r>
             <a:endParaRPr lang="en-US" dirty="0"/>
@@ -3205,7 +3205,7 @@
           <a:p>
             <a:pPr lvl="0"/>
             <a:r>
-              <a:rPr lang="en-US" smtClean="0"/>
+              <a:rPr lang="en-US"/>
               <a:t>Click to edit Master text styles</a:t>
             </a:r>
           </a:p>
@@ -3228,7 +3228,7 @@
           <a:p>
             <a:fld id="{2AC328AE-337C-4D31-8968-8BCE4DED6CBE}" type="datetimeFigureOut">
               <a:rPr lang="en-US" smtClean="0"/>
-              <a:t>9/18/2016</a:t>
+              <a:t>9/19/2016</a:t>
             </a:fld>
             <a:endParaRPr lang="en-US"/>
           </a:p>
@@ -3322,7 +3322,7 @@
           <a:lstStyle/>
           <a:p>
             <a:r>
-              <a:rPr lang="en-US" smtClean="0"/>
+              <a:rPr lang="en-US"/>
               <a:t>Click to edit Master title style</a:t>
             </a:r>
             <a:endParaRPr lang="en-US" dirty="0"/>
@@ -3351,35 +3351,35 @@
           <a:p>
             <a:pPr lvl="0"/>
             <a:r>
-              <a:rPr lang="en-US" smtClean="0"/>
+              <a:rPr lang="en-US"/>
               <a:t>Click to edit Master text styles</a:t>
             </a:r>
           </a:p>
           <a:p>
             <a:pPr lvl="1"/>
             <a:r>
-              <a:rPr lang="en-US" smtClean="0"/>
+              <a:rPr lang="en-US"/>
               <a:t>Second level</a:t>
             </a:r>
           </a:p>
           <a:p>
             <a:pPr lvl="2"/>
             <a:r>
-              <a:rPr lang="en-US" smtClean="0"/>
+              <a:rPr lang="en-US"/>
               <a:t>Third level</a:t>
             </a:r>
           </a:p>
           <a:p>
             <a:pPr lvl="3"/>
             <a:r>
-              <a:rPr lang="en-US" smtClean="0"/>
+              <a:rPr lang="en-US"/>
               <a:t>Fourth level</a:t>
             </a:r>
           </a:p>
           <a:p>
             <a:pPr lvl="4"/>
             <a:r>
-              <a:rPr lang="en-US" smtClean="0"/>
+              <a:rPr lang="en-US"/>
               <a:t>Fifth level</a:t>
             </a:r>
             <a:endParaRPr lang="en-US" dirty="0"/>
@@ -3408,35 +3408,35 @@
           <a:p>
             <a:pPr lvl="0"/>
             <a:r>
-              <a:rPr lang="en-US" smtClean="0"/>
+              <a:rPr lang="en-US"/>
               <a:t>Click to edit Master text styles</a:t>
             </a:r>
           </a:p>
           <a:p>
             <a:pPr lvl="1"/>
             <a:r>
-              <a:rPr lang="en-US" smtClean="0"/>
+              <a:rPr lang="en-US"/>
               <a:t>Second level</a:t>
             </a:r>
           </a:p>
           <a:p>
             <a:pPr lvl="2"/>
             <a:r>
-              <a:rPr lang="en-US" smtClean="0"/>
+              <a:rPr lang="en-US"/>
               <a:t>Third level</a:t>
             </a:r>
           </a:p>
           <a:p>
             <a:pPr lvl="3"/>
             <a:r>
-              <a:rPr lang="en-US" smtClean="0"/>
+              <a:rPr lang="en-US"/>
               <a:t>Fourth level</a:t>
             </a:r>
           </a:p>
           <a:p>
             <a:pPr lvl="4"/>
             <a:r>
-              <a:rPr lang="en-US" smtClean="0"/>
+              <a:rPr lang="en-US"/>
               <a:t>Fifth level</a:t>
             </a:r>
             <a:endParaRPr lang="en-US" dirty="0"/>
@@ -3460,7 +3460,7 @@
           <a:p>
             <a:fld id="{2AC328AE-337C-4D31-8968-8BCE4DED6CBE}" type="datetimeFigureOut">
               <a:rPr lang="en-US" smtClean="0"/>
-              <a:t>9/18/2016</a:t>
+              <a:t>9/19/2016</a:t>
             </a:fld>
             <a:endParaRPr lang="en-US"/>
           </a:p>
@@ -3563,7 +3563,7 @@
           </a:lstStyle>
           <a:p>
             <a:r>
-              <a:rPr lang="en-US" smtClean="0"/>
+              <a:rPr lang="en-US"/>
               <a:t>Click to edit Master title style</a:t>
             </a:r>
             <a:endParaRPr lang="en-US" dirty="0"/>
@@ -3631,7 +3631,7 @@
           <a:p>
             <a:pPr lvl="0"/>
             <a:r>
-              <a:rPr lang="en-US" smtClean="0"/>
+              <a:rPr lang="en-US"/>
               <a:t>Click to edit Master text styles</a:t>
             </a:r>
           </a:p>
@@ -3661,35 +3661,35 @@
           <a:p>
             <a:pPr lvl="0"/>
             <a:r>
-              <a:rPr lang="en-US" smtClean="0"/>
+              <a:rPr lang="en-US"/>
               <a:t>Click to edit Master text styles</a:t>
             </a:r>
           </a:p>
           <a:p>
             <a:pPr lvl="1"/>
             <a:r>
-              <a:rPr lang="en-US" smtClean="0"/>
+              <a:rPr lang="en-US"/>
               <a:t>Second level</a:t>
             </a:r>
           </a:p>
           <a:p>
             <a:pPr lvl="2"/>
             <a:r>
-              <a:rPr lang="en-US" smtClean="0"/>
+              <a:rPr lang="en-US"/>
               <a:t>Third level</a:t>
             </a:r>
           </a:p>
           <a:p>
             <a:pPr lvl="3"/>
             <a:r>
-              <a:rPr lang="en-US" smtClean="0"/>
+              <a:rPr lang="en-US"/>
               <a:t>Fourth level</a:t>
             </a:r>
           </a:p>
           <a:p>
             <a:pPr lvl="4"/>
             <a:r>
-              <a:rPr lang="en-US" smtClean="0"/>
+              <a:rPr lang="en-US"/>
               <a:t>Fifth level</a:t>
             </a:r>
             <a:endParaRPr lang="en-US" dirty="0"/>
@@ -3757,7 +3757,7 @@
           <a:p>
             <a:pPr lvl="0"/>
             <a:r>
-              <a:rPr lang="en-US" smtClean="0"/>
+              <a:rPr lang="en-US"/>
               <a:t>Click to edit Master text styles</a:t>
             </a:r>
           </a:p>
@@ -3787,35 +3787,35 @@
           <a:p>
             <a:pPr lvl="0"/>
             <a:r>
-              <a:rPr lang="en-US" smtClean="0"/>
+              <a:rPr lang="en-US"/>
               <a:t>Click to edit Master text styles</a:t>
             </a:r>
           </a:p>
           <a:p>
             <a:pPr lvl="1"/>
             <a:r>
-              <a:rPr lang="en-US" smtClean="0"/>
+              <a:rPr lang="en-US"/>
               <a:t>Second level</a:t>
             </a:r>
           </a:p>
           <a:p>
             <a:pPr lvl="2"/>
             <a:r>
-              <a:rPr lang="en-US" smtClean="0"/>
+              <a:rPr lang="en-US"/>
               <a:t>Third level</a:t>
             </a:r>
           </a:p>
           <a:p>
             <a:pPr lvl="3"/>
             <a:r>
-              <a:rPr lang="en-US" smtClean="0"/>
+              <a:rPr lang="en-US"/>
               <a:t>Fourth level</a:t>
             </a:r>
           </a:p>
           <a:p>
             <a:pPr lvl="4"/>
             <a:r>
-              <a:rPr lang="en-US" smtClean="0"/>
+              <a:rPr lang="en-US"/>
               <a:t>Fifth level</a:t>
             </a:r>
             <a:endParaRPr lang="en-US" dirty="0"/>
@@ -3839,7 +3839,7 @@
           <a:p>
             <a:fld id="{2AC328AE-337C-4D31-8968-8BCE4DED6CBE}" type="datetimeFigureOut">
               <a:rPr lang="en-US" smtClean="0"/>
-              <a:t>9/18/2016</a:t>
+              <a:t>9/19/2016</a:t>
             </a:fld>
             <a:endParaRPr lang="en-US"/>
           </a:p>
@@ -3943,7 +3943,7 @@
           <a:lstStyle/>
           <a:p>
             <a:r>
-              <a:rPr lang="en-US" smtClean="0"/>
+              <a:rPr lang="en-US"/>
               <a:t>Click to edit Master title style</a:t>
             </a:r>
             <a:endParaRPr lang="en-US" dirty="0"/>
@@ -3967,7 +3967,7 @@
           <a:p>
             <a:fld id="{2AC328AE-337C-4D31-8968-8BCE4DED6CBE}" type="datetimeFigureOut">
               <a:rPr lang="en-US" smtClean="0"/>
-              <a:t>9/18/2016</a:t>
+              <a:t>9/19/2016</a:t>
             </a:fld>
             <a:endParaRPr lang="en-US"/>
           </a:p>
@@ -4062,7 +4062,7 @@
           <a:p>
             <a:fld id="{2AC328AE-337C-4D31-8968-8BCE4DED6CBE}" type="datetimeFigureOut">
               <a:rPr lang="en-US" smtClean="0"/>
-              <a:t>9/18/2016</a:t>
+              <a:t>9/19/2016</a:t>
             </a:fld>
             <a:endParaRPr lang="en-US"/>
           </a:p>
@@ -4167,7 +4167,7 @@
           </a:lstStyle>
           <a:p>
             <a:r>
-              <a:rPr lang="en-US" smtClean="0"/>
+              <a:rPr lang="en-US"/>
               <a:t>Click to edit Master title style</a:t>
             </a:r>
             <a:endParaRPr lang="en-US" dirty="0"/>
@@ -4198,35 +4198,35 @@
           <a:p>
             <a:pPr lvl="0"/>
             <a:r>
-              <a:rPr lang="en-US" smtClean="0"/>
+              <a:rPr lang="en-US"/>
               <a:t>Click to edit Master text styles</a:t>
             </a:r>
           </a:p>
           <a:p>
             <a:pPr lvl="1"/>
             <a:r>
-              <a:rPr lang="en-US" smtClean="0"/>
+              <a:rPr lang="en-US"/>
               <a:t>Second level</a:t>
             </a:r>
           </a:p>
           <a:p>
             <a:pPr lvl="2"/>
             <a:r>
-              <a:rPr lang="en-US" smtClean="0"/>
+              <a:rPr lang="en-US"/>
               <a:t>Third level</a:t>
             </a:r>
           </a:p>
           <a:p>
             <a:pPr lvl="3"/>
             <a:r>
-              <a:rPr lang="en-US" smtClean="0"/>
+              <a:rPr lang="en-US"/>
               <a:t>Fourth level</a:t>
             </a:r>
           </a:p>
           <a:p>
             <a:pPr lvl="4"/>
             <a:r>
-              <a:rPr lang="en-US" smtClean="0"/>
+              <a:rPr lang="en-US"/>
               <a:t>Fifth level</a:t>
             </a:r>
             <a:endParaRPr lang="en-US" dirty="0"/>
@@ -4294,7 +4294,7 @@
           <a:p>
             <a:pPr lvl="0"/>
             <a:r>
-              <a:rPr lang="en-US" smtClean="0"/>
+              <a:rPr lang="en-US"/>
               <a:t>Click to edit Master text styles</a:t>
             </a:r>
           </a:p>
@@ -4317,7 +4317,7 @@
           <a:p>
             <a:fld id="{2AC328AE-337C-4D31-8968-8BCE4DED6CBE}" type="datetimeFigureOut">
               <a:rPr lang="en-US" smtClean="0"/>
-              <a:t>9/18/2016</a:t>
+              <a:t>9/19/2016</a:t>
             </a:fld>
             <a:endParaRPr lang="en-US"/>
           </a:p>
@@ -4427,7 +4427,7 @@
           </a:lstStyle>
           <a:p>
             <a:r>
-              <a:rPr lang="en-US" smtClean="0"/>
+              <a:rPr lang="en-US"/>
               <a:t>Click to edit Master title style</a:t>
             </a:r>
             <a:endParaRPr lang="en-US" dirty="0"/>
@@ -4494,7 +4494,7 @@
           </a:lstStyle>
           <a:p>
             <a:r>
-              <a:rPr lang="en-US" smtClean="0"/>
+              <a:rPr lang="en-US"/>
               <a:t>Click icon to add picture</a:t>
             </a:r>
             <a:endParaRPr lang="en-US" dirty="0"/>
@@ -4562,7 +4562,7 @@
           <a:p>
             <a:pPr lvl="0"/>
             <a:r>
-              <a:rPr lang="en-US" smtClean="0"/>
+              <a:rPr lang="en-US"/>
               <a:t>Click to edit Master text styles</a:t>
             </a:r>
           </a:p>
@@ -4585,7 +4585,7 @@
           <a:p>
             <a:fld id="{2AC328AE-337C-4D31-8968-8BCE4DED6CBE}" type="datetimeFigureOut">
               <a:rPr lang="en-US" smtClean="0"/>
-              <a:t>9/18/2016</a:t>
+              <a:t>9/19/2016</a:t>
             </a:fld>
             <a:endParaRPr lang="en-US"/>
           </a:p>
@@ -5224,7 +5224,7 @@
           <a:lstStyle/>
           <a:p>
             <a:r>
-              <a:rPr lang="en-US" smtClean="0"/>
+              <a:rPr lang="en-US"/>
               <a:t>Click to edit Master title style</a:t>
             </a:r>
             <a:endParaRPr lang="en-US" dirty="0"/>
@@ -5258,35 +5258,35 @@
           <a:p>
             <a:pPr lvl="0"/>
             <a:r>
-              <a:rPr lang="en-US" smtClean="0"/>
+              <a:rPr lang="en-US"/>
               <a:t>Click to edit Master text styles</a:t>
             </a:r>
           </a:p>
           <a:p>
             <a:pPr lvl="1"/>
             <a:r>
-              <a:rPr lang="en-US" smtClean="0"/>
+              <a:rPr lang="en-US"/>
               <a:t>Second level</a:t>
             </a:r>
           </a:p>
           <a:p>
             <a:pPr lvl="2"/>
             <a:r>
-              <a:rPr lang="en-US" smtClean="0"/>
+              <a:rPr lang="en-US"/>
               <a:t>Third level</a:t>
             </a:r>
           </a:p>
           <a:p>
             <a:pPr lvl="3"/>
             <a:r>
-              <a:rPr lang="en-US" smtClean="0"/>
+              <a:rPr lang="en-US"/>
               <a:t>Fourth level</a:t>
             </a:r>
           </a:p>
           <a:p>
             <a:pPr lvl="4"/>
             <a:r>
-              <a:rPr lang="en-US" smtClean="0"/>
+              <a:rPr lang="en-US"/>
               <a:t>Fifth level</a:t>
             </a:r>
             <a:endParaRPr lang="en-US" dirty="0"/>
@@ -5328,7 +5328,7 @@
           <a:p>
             <a:fld id="{2AC328AE-337C-4D31-8968-8BCE4DED6CBE}" type="datetimeFigureOut">
               <a:rPr lang="en-US" smtClean="0"/>
-              <a:t>9/18/2016</a:t>
+              <a:t>9/19/2016</a:t>
             </a:fld>
             <a:endParaRPr lang="en-US"/>
           </a:p>
@@ -5881,23 +5881,19 @@
           <a:p>
             <a:pPr algn="ctr"/>
             <a:r>
-              <a:rPr lang="en-US" sz="7800" dirty="0" smtClean="0">
+              <a:rPr lang="en-US" sz="7800" dirty="0">
                 <a:latin typeface="Times New Roman" panose="02020603050405020304" pitchFamily="18" charset="0"/>
                 <a:cs typeface="Times New Roman" panose="02020603050405020304" pitchFamily="18" charset="0"/>
               </a:rPr>
               <a:t>Automatic</a:t>
             </a:r>
             <a:r>
-              <a:rPr lang="en-US" sz="7000" dirty="0" smtClean="0">
+              <a:rPr lang="en-US" sz="7000" dirty="0">
                 <a:latin typeface="Times New Roman" panose="02020603050405020304" pitchFamily="18" charset="0"/>
                 <a:cs typeface="Times New Roman" panose="02020603050405020304" pitchFamily="18" charset="0"/>
               </a:rPr>
               <a:t> Braking System</a:t>
             </a:r>
-            <a:endParaRPr lang="en-US" sz="7000" dirty="0">
-              <a:latin typeface="Times New Roman" panose="02020603050405020304" pitchFamily="18" charset="0"/>
-              <a:cs typeface="Times New Roman" panose="02020603050405020304" pitchFamily="18" charset="0"/>
-            </a:endParaRPr>
           </a:p>
         </p:txBody>
       </p:sp>
@@ -5911,13 +5907,6 @@
   <p:clrMapOvr>
     <a:masterClrMapping/>
   </p:clrMapOvr>
-  <p:timing>
-    <p:tnLst>
-      <p:par>
-        <p:cTn id="1" dur="indefinite" restart="never" nodeType="tmRoot"/>
-      </p:par>
-    </p:tnLst>
-  </p:timing>
 </p:sld>
 </file>
 
@@ -5961,16 +5950,12 @@
           <a:lstStyle/>
           <a:p>
             <a:r>
-              <a:rPr lang="en-US" dirty="0" smtClean="0">
+              <a:rPr lang="en-US" dirty="0">
                 <a:latin typeface="Times New Roman" panose="02020603050405020304" pitchFamily="18" charset="0"/>
                 <a:cs typeface="Times New Roman" panose="02020603050405020304" pitchFamily="18" charset="0"/>
               </a:rPr>
               <a:t>Objective</a:t>
             </a:r>
-            <a:endParaRPr lang="en-US" dirty="0">
-              <a:latin typeface="Times New Roman" panose="02020603050405020304" pitchFamily="18" charset="0"/>
-              <a:cs typeface="Times New Roman" panose="02020603050405020304" pitchFamily="18" charset="0"/>
-            </a:endParaRPr>
           </a:p>
         </p:txBody>
       </p:sp>
@@ -6000,7 +5985,7 @@
               <a:buNone/>
             </a:pPr>
             <a:r>
-              <a:rPr lang="en-US" sz="2000" dirty="0" smtClean="0">
+              <a:rPr lang="en-US" sz="2000" dirty="0">
                 <a:solidFill>
                   <a:schemeClr val="tx1"/>
                 </a:solidFill>
@@ -6014,85 +5999,6 @@
             <a:pPr marL="0" indent="0">
               <a:buNone/>
             </a:pPr>
-            <a:endParaRPr lang="en-US" sz="2000" dirty="0" smtClean="0">
-              <a:solidFill>
-                <a:schemeClr val="tx1"/>
-              </a:solidFill>
-              <a:latin typeface="Times New Roman" panose="02020603050405020304" pitchFamily="18" charset="0"/>
-              <a:cs typeface="Times New Roman" panose="02020603050405020304" pitchFamily="18" charset="0"/>
-            </a:endParaRPr>
-          </a:p>
-          <a:p>
-            <a:r>
-              <a:rPr lang="en-US" sz="2000" dirty="0" smtClean="0">
-                <a:solidFill>
-                  <a:schemeClr val="tx1"/>
-                </a:solidFill>
-                <a:latin typeface="Times New Roman" panose="02020603050405020304" pitchFamily="18" charset="0"/>
-                <a:cs typeface="Times New Roman" panose="02020603050405020304" pitchFamily="18" charset="0"/>
-              </a:rPr>
-              <a:t>Project goal</a:t>
-            </a:r>
-          </a:p>
-          <a:p>
-            <a:r>
-              <a:rPr lang="en-US" sz="2000" dirty="0" smtClean="0">
-                <a:solidFill>
-                  <a:schemeClr val="tx1"/>
-                </a:solidFill>
-                <a:latin typeface="Times New Roman" panose="02020603050405020304" pitchFamily="18" charset="0"/>
-                <a:cs typeface="Times New Roman" panose="02020603050405020304" pitchFamily="18" charset="0"/>
-              </a:rPr>
-              <a:t>Requirements</a:t>
-            </a:r>
-          </a:p>
-          <a:p>
-            <a:r>
-              <a:rPr lang="en-US" sz="2000" dirty="0" smtClean="0">
-                <a:solidFill>
-                  <a:schemeClr val="tx1"/>
-                </a:solidFill>
-                <a:latin typeface="Times New Roman" panose="02020603050405020304" pitchFamily="18" charset="0"/>
-                <a:cs typeface="Times New Roman" panose="02020603050405020304" pitchFamily="18" charset="0"/>
-              </a:rPr>
-              <a:t>Architectural design </a:t>
-            </a:r>
-          </a:p>
-          <a:p>
-            <a:r>
-              <a:rPr lang="en-US" sz="2000" dirty="0" smtClean="0">
-                <a:solidFill>
-                  <a:schemeClr val="tx1"/>
-                </a:solidFill>
-                <a:latin typeface="Times New Roman" panose="02020603050405020304" pitchFamily="18" charset="0"/>
-                <a:cs typeface="Times New Roman" panose="02020603050405020304" pitchFamily="18" charset="0"/>
-              </a:rPr>
-              <a:t>Implementation Methodology</a:t>
-            </a:r>
-          </a:p>
-          <a:p>
-            <a:r>
-              <a:rPr lang="en-US" sz="2000" dirty="0" smtClean="0">
-                <a:solidFill>
-                  <a:schemeClr val="tx1"/>
-                </a:solidFill>
-                <a:latin typeface="Times New Roman" panose="02020603050405020304" pitchFamily="18" charset="0"/>
-                <a:cs typeface="Times New Roman" panose="02020603050405020304" pitchFamily="18" charset="0"/>
-              </a:rPr>
-              <a:t>Cost estimation</a:t>
-            </a:r>
-          </a:p>
-          <a:p>
-            <a:r>
-              <a:rPr lang="en-US" sz="2000" dirty="0" smtClean="0">
-                <a:solidFill>
-                  <a:schemeClr val="tx1"/>
-                </a:solidFill>
-                <a:latin typeface="Times New Roman" panose="02020603050405020304" pitchFamily="18" charset="0"/>
-                <a:cs typeface="Times New Roman" panose="02020603050405020304" pitchFamily="18" charset="0"/>
-              </a:rPr>
-              <a:t>Deliverables</a:t>
-            </a:r>
             <a:endParaRPr lang="en-US" sz="2000" dirty="0">
               <a:solidFill>
                 <a:schemeClr val="tx1"/>
@@ -6100,6 +6006,78 @@
               <a:latin typeface="Times New Roman" panose="02020603050405020304" pitchFamily="18" charset="0"/>
               <a:cs typeface="Times New Roman" panose="02020603050405020304" pitchFamily="18" charset="0"/>
             </a:endParaRPr>
+          </a:p>
+          <a:p>
+            <a:r>
+              <a:rPr lang="en-US" sz="2000" dirty="0">
+                <a:solidFill>
+                  <a:schemeClr val="tx1"/>
+                </a:solidFill>
+                <a:latin typeface="Times New Roman" panose="02020603050405020304" pitchFamily="18" charset="0"/>
+                <a:cs typeface="Times New Roman" panose="02020603050405020304" pitchFamily="18" charset="0"/>
+              </a:rPr>
+              <a:t>Project goal</a:t>
+            </a:r>
+          </a:p>
+          <a:p>
+            <a:r>
+              <a:rPr lang="en-US" sz="2000" dirty="0">
+                <a:solidFill>
+                  <a:schemeClr val="tx1"/>
+                </a:solidFill>
+                <a:latin typeface="Times New Roman" panose="02020603050405020304" pitchFamily="18" charset="0"/>
+                <a:cs typeface="Times New Roman" panose="02020603050405020304" pitchFamily="18" charset="0"/>
+              </a:rPr>
+              <a:t>Requirements</a:t>
+            </a:r>
+          </a:p>
+          <a:p>
+            <a:r>
+              <a:rPr lang="en-US" sz="2000" dirty="0">
+                <a:solidFill>
+                  <a:schemeClr val="tx1"/>
+                </a:solidFill>
+                <a:latin typeface="Times New Roman" panose="02020603050405020304" pitchFamily="18" charset="0"/>
+                <a:cs typeface="Times New Roman" panose="02020603050405020304" pitchFamily="18" charset="0"/>
+              </a:rPr>
+              <a:t>Architectural design </a:t>
+            </a:r>
+          </a:p>
+          <a:p>
+            <a:r>
+              <a:rPr lang="en-US" sz="2000" dirty="0">
+                <a:solidFill>
+                  <a:schemeClr val="tx1"/>
+                </a:solidFill>
+                <a:latin typeface="Times New Roman" panose="02020603050405020304" pitchFamily="18" charset="0"/>
+                <a:cs typeface="Times New Roman" panose="02020603050405020304" pitchFamily="18" charset="0"/>
+              </a:rPr>
+              <a:t>Implementation Methodology</a:t>
+            </a:r>
+          </a:p>
+          <a:p>
+            <a:r>
+              <a:rPr lang="en-US" sz="2000" dirty="0">
+                <a:solidFill>
+                  <a:schemeClr val="tx1"/>
+                </a:solidFill>
+                <a:latin typeface="Times New Roman" panose="02020603050405020304" pitchFamily="18" charset="0"/>
+                <a:cs typeface="Times New Roman" panose="02020603050405020304" pitchFamily="18" charset="0"/>
+              </a:rPr>
+              <a:t>Cost estimation</a:t>
+            </a:r>
+          </a:p>
+          <a:p>
+            <a:r>
+              <a:rPr lang="en-US" sz="2000" dirty="0">
+                <a:solidFill>
+                  <a:schemeClr val="tx1"/>
+                </a:solidFill>
+                <a:latin typeface="Times New Roman" panose="02020603050405020304" pitchFamily="18" charset="0"/>
+                <a:cs typeface="Times New Roman" panose="02020603050405020304" pitchFamily="18" charset="0"/>
+              </a:rPr>
+              <a:t>Deliverables</a:t>
+            </a:r>
           </a:p>
         </p:txBody>
       </p:sp>
@@ -6113,13 +6091,6 @@
   <p:clrMapOvr>
     <a:masterClrMapping/>
   </p:clrMapOvr>
-  <p:timing>
-    <p:tnLst>
-      <p:par>
-        <p:cTn id="1" dur="indefinite" restart="never" nodeType="tmRoot"/>
-      </p:par>
-    </p:tnLst>
-  </p:timing>
 </p:sld>
 </file>
 
@@ -6163,16 +6134,12 @@
           <a:lstStyle/>
           <a:p>
             <a:r>
-              <a:rPr lang="en-US" dirty="0" smtClean="0">
+              <a:rPr lang="en-US" dirty="0">
                 <a:latin typeface="Times New Roman" panose="02020603050405020304" pitchFamily="18" charset="0"/>
                 <a:cs typeface="Times New Roman" panose="02020603050405020304" pitchFamily="18" charset="0"/>
               </a:rPr>
               <a:t>Project Description</a:t>
             </a:r>
-            <a:endParaRPr lang="en-US" dirty="0">
-              <a:latin typeface="Times New Roman" panose="02020603050405020304" pitchFamily="18" charset="0"/>
-              <a:cs typeface="Times New Roman" panose="02020603050405020304" pitchFamily="18" charset="0"/>
-            </a:endParaRPr>
           </a:p>
         </p:txBody>
       </p:sp>
@@ -6202,7 +6169,7 @@
               <a:buNone/>
             </a:pPr>
             <a:r>
-              <a:rPr lang="en-US" sz="2600" dirty="0" smtClean="0">
+              <a:rPr lang="en-US" sz="2600" dirty="0">
                 <a:solidFill>
                   <a:schemeClr val="accent1"/>
                 </a:solidFill>
@@ -6212,7 +6179,7 @@
               <a:t>Topic:</a:t>
             </a:r>
             <a:r>
-              <a:rPr lang="en-US" sz="2600" dirty="0" smtClean="0">
+              <a:rPr lang="en-US" sz="2600" dirty="0">
                 <a:latin typeface="Times New Roman" panose="02020603050405020304" pitchFamily="18" charset="0"/>
                 <a:cs typeface="Times New Roman" panose="02020603050405020304" pitchFamily="18" charset="0"/>
               </a:rPr>
@@ -6224,74 +6191,14 @@
               <a:buNone/>
             </a:pPr>
             <a:r>
-              <a:rPr lang="en-US" dirty="0" smtClean="0">
+              <a:rPr lang="en-US" dirty="0">
                 <a:solidFill>
                   <a:schemeClr val="tx1"/>
                 </a:solidFill>
                 <a:latin typeface="Times New Roman" panose="02020603050405020304" pitchFamily="18" charset="0"/>
                 <a:cs typeface="Times New Roman" panose="02020603050405020304" pitchFamily="18" charset="0"/>
               </a:rPr>
-              <a:t>Design </a:t>
-            </a:r>
-            <a:r>
-              <a:rPr lang="en-US" dirty="0">
-                <a:solidFill>
-                  <a:schemeClr val="tx1"/>
-                </a:solidFill>
-                <a:latin typeface="Times New Roman" panose="02020603050405020304" pitchFamily="18" charset="0"/>
-                <a:cs typeface="Times New Roman" panose="02020603050405020304" pitchFamily="18" charset="0"/>
-              </a:rPr>
-              <a:t>and implement Automatic Braking system </a:t>
-            </a:r>
-            <a:r>
-              <a:rPr lang="en-US" dirty="0" smtClean="0">
-                <a:solidFill>
-                  <a:schemeClr val="tx1"/>
-                </a:solidFill>
-                <a:latin typeface="Times New Roman" panose="02020603050405020304" pitchFamily="18" charset="0"/>
-                <a:cs typeface="Times New Roman" panose="02020603050405020304" pitchFamily="18" charset="0"/>
-              </a:rPr>
-              <a:t>based on </a:t>
-            </a:r>
-            <a:r>
-              <a:rPr lang="en-US" dirty="0">
-                <a:solidFill>
-                  <a:schemeClr val="tx1"/>
-                </a:solidFill>
-                <a:latin typeface="Times New Roman" panose="02020603050405020304" pitchFamily="18" charset="0"/>
-                <a:cs typeface="Times New Roman" panose="02020603050405020304" pitchFamily="18" charset="0"/>
-              </a:rPr>
-              <a:t>ARM Cortex – MO microcontroller to detect obstacle for a automotive vehicles and prevent </a:t>
-            </a:r>
-            <a:r>
-              <a:rPr lang="en-US" dirty="0" smtClean="0">
-                <a:solidFill>
-                  <a:schemeClr val="tx1"/>
-                </a:solidFill>
-                <a:latin typeface="Times New Roman" panose="02020603050405020304" pitchFamily="18" charset="0"/>
-                <a:cs typeface="Times New Roman" panose="02020603050405020304" pitchFamily="18" charset="0"/>
-              </a:rPr>
-              <a:t>it from </a:t>
-            </a:r>
-            <a:r>
-              <a:rPr lang="en-US" dirty="0">
-                <a:solidFill>
-                  <a:schemeClr val="tx1"/>
-                </a:solidFill>
-                <a:latin typeface="Times New Roman" panose="02020603050405020304" pitchFamily="18" charset="0"/>
-                <a:cs typeface="Times New Roman" panose="02020603050405020304" pitchFamily="18" charset="0"/>
-              </a:rPr>
-              <a:t>colliding against the obstacle by braking the system and disabling the acceleration</a:t>
-            </a:r>
-            <a:r>
-              <a:rPr lang="en-US" dirty="0" smtClean="0">
-                <a:solidFill>
-                  <a:schemeClr val="tx1"/>
-                </a:solidFill>
-                <a:latin typeface="Times New Roman" panose="02020603050405020304" pitchFamily="18" charset="0"/>
-                <a:cs typeface="Times New Roman" panose="02020603050405020304" pitchFamily="18" charset="0"/>
-              </a:rPr>
-              <a:t>.</a:t>
+              <a:t>Design and implement Automatic Braking system based on ARM Cortex – MO microcontroller to detect obstacle for  automotive vehicles and prevent it from colliding against the obstacle by braking the system and disabling the acceleration.</a:t>
             </a:r>
           </a:p>
           <a:p>
@@ -6327,7 +6234,7 @@
           <a:lstStyle/>
           <a:p>
             <a:r>
-              <a:rPr lang="en-US" sz="2600" smtClean="0">
+              <a:rPr lang="en-US" sz="2600">
                 <a:solidFill>
                   <a:schemeClr val="accent1"/>
                 </a:solidFill>
@@ -6337,7 +6244,7 @@
               <a:t>Goal: </a:t>
             </a:r>
             <a:r>
-              <a:rPr lang="en-US" smtClean="0">
+              <a:rPr lang="en-US">
                 <a:latin typeface="Times New Roman" panose="02020603050405020304" pitchFamily="18" charset="0"/>
                 <a:cs typeface="Times New Roman" panose="02020603050405020304" pitchFamily="18" charset="0"/>
               </a:rPr>
@@ -6348,19 +6255,8 @@
                 <a:latin typeface="Times New Roman" panose="02020603050405020304" pitchFamily="18" charset="0"/>
                 <a:cs typeface="Times New Roman" panose="02020603050405020304" pitchFamily="18" charset="0"/>
               </a:rPr>
-              <a:t>a safety feature to automotive </a:t>
-            </a:r>
-            <a:r>
-              <a:rPr lang="en-US" dirty="0" smtClean="0">
-                <a:latin typeface="Times New Roman" panose="02020603050405020304" pitchFamily="18" charset="0"/>
-                <a:cs typeface="Times New Roman" panose="02020603050405020304" pitchFamily="18" charset="0"/>
-              </a:rPr>
-              <a:t>industry.</a:t>
-            </a:r>
-            <a:endParaRPr lang="en-US" dirty="0">
-              <a:latin typeface="Times New Roman" panose="02020603050405020304" pitchFamily="18" charset="0"/>
-              <a:cs typeface="Times New Roman" panose="02020603050405020304" pitchFamily="18" charset="0"/>
-            </a:endParaRPr>
+              <a:t>a safety feature to automotive industry.</a:t>
+            </a:r>
           </a:p>
         </p:txBody>
       </p:sp>
@@ -6374,13 +6270,6 @@
   <p:clrMapOvr>
     <a:masterClrMapping/>
   </p:clrMapOvr>
-  <p:timing>
-    <p:tnLst>
-      <p:par>
-        <p:cTn id="1" dur="indefinite" restart="never" nodeType="tmRoot"/>
-      </p:par>
-    </p:tnLst>
-  </p:timing>
 </p:sld>
 </file>
 
@@ -6417,16 +6306,12 @@
           <a:lstStyle/>
           <a:p>
             <a:r>
-              <a:rPr lang="en-US" dirty="0" smtClean="0">
+              <a:rPr lang="en-US" dirty="0">
                 <a:latin typeface="Times New Roman" panose="02020603050405020304" pitchFamily="18" charset="0"/>
                 <a:cs typeface="Times New Roman" panose="02020603050405020304" pitchFamily="18" charset="0"/>
               </a:rPr>
               <a:t>Requirements</a:t>
             </a:r>
-            <a:endParaRPr lang="en-US" dirty="0">
-              <a:latin typeface="Times New Roman" panose="02020603050405020304" pitchFamily="18" charset="0"/>
-              <a:cs typeface="Times New Roman" panose="02020603050405020304" pitchFamily="18" charset="0"/>
-            </a:endParaRPr>
           </a:p>
         </p:txBody>
       </p:sp>
@@ -6456,11 +6341,11 @@
               <a:buNone/>
             </a:pPr>
             <a:r>
-              <a:rPr lang="en-US" sz="1600" dirty="0" smtClean="0"/>
+              <a:rPr lang="en-US" sz="1600" dirty="0"/>
               <a:t> </a:t>
             </a:r>
             <a:r>
-              <a:rPr lang="en-US" sz="2800" dirty="0" smtClean="0">
+              <a:rPr lang="en-US" sz="2800" dirty="0">
                 <a:solidFill>
                   <a:schemeClr val="accent1"/>
                 </a:solidFill>
@@ -6472,116 +6357,71 @@
           </a:p>
           <a:p>
             <a:r>
-              <a:rPr lang="en-US" dirty="0" smtClean="0">
+              <a:rPr lang="en-US" dirty="0">
                 <a:latin typeface="Times New Roman" panose="02020603050405020304" pitchFamily="18" charset="0"/>
                 <a:cs typeface="Times New Roman" panose="02020603050405020304" pitchFamily="18" charset="0"/>
               </a:rPr>
-              <a:t>Freedom </a:t>
-            </a:r>
-            <a:r>
-              <a:rPr lang="en-US" dirty="0" smtClean="0">
+              <a:t>Freedom board - FRDM-KL25Z</a:t>
+            </a:r>
+          </a:p>
+          <a:p>
+            <a:r>
+              <a:rPr lang="en-US" dirty="0">
                 <a:latin typeface="Times New Roman" panose="02020603050405020304" pitchFamily="18" charset="0"/>
                 <a:cs typeface="Times New Roman" panose="02020603050405020304" pitchFamily="18" charset="0"/>
               </a:rPr>
-              <a:t>board - FRDM-KL25Z</a:t>
-            </a:r>
-          </a:p>
-          <a:p>
-            <a:r>
-              <a:rPr lang="en-US" dirty="0" smtClean="0">
+              <a:t>Ultrasonic Sensor - HC-SR04</a:t>
+            </a:r>
+          </a:p>
+          <a:p>
+            <a:r>
+              <a:rPr lang="en-US" dirty="0">
                 <a:latin typeface="Times New Roman" panose="02020603050405020304" pitchFamily="18" charset="0"/>
                 <a:cs typeface="Times New Roman" panose="02020603050405020304" pitchFamily="18" charset="0"/>
               </a:rPr>
-              <a:t>Ultrasonic </a:t>
-            </a:r>
-            <a:r>
-              <a:rPr lang="en-US" dirty="0" smtClean="0">
+              <a:t>Motor Driver - L293DNE</a:t>
+            </a:r>
+          </a:p>
+          <a:p>
+            <a:r>
+              <a:rPr lang="en-US" dirty="0">
                 <a:latin typeface="Times New Roman" panose="02020603050405020304" pitchFamily="18" charset="0"/>
                 <a:cs typeface="Times New Roman" panose="02020603050405020304" pitchFamily="18" charset="0"/>
               </a:rPr>
-              <a:t>Sensor - HC-SR04</a:t>
-            </a:r>
-          </a:p>
-          <a:p>
-            <a:r>
-              <a:rPr lang="en-US" dirty="0" smtClean="0">
+              <a:t>Robot Car Chassis kit</a:t>
+            </a:r>
+          </a:p>
+          <a:p>
+            <a:pPr marL="0" indent="0">
+              <a:buNone/>
+            </a:pPr>
+            <a:endParaRPr lang="en-US" dirty="0">
+              <a:latin typeface="Times New Roman" panose="02020603050405020304" pitchFamily="18" charset="0"/>
+              <a:cs typeface="Times New Roman" panose="02020603050405020304" pitchFamily="18" charset="0"/>
+            </a:endParaRPr>
+          </a:p>
+          <a:p>
+            <a:pPr marL="0" indent="0">
+              <a:buNone/>
+            </a:pPr>
+            <a:r>
+              <a:rPr lang="en-US" sz="2800" dirty="0">
+                <a:solidFill>
+                  <a:schemeClr val="accent1"/>
+                </a:solidFill>
                 <a:latin typeface="Times New Roman" panose="02020603050405020304" pitchFamily="18" charset="0"/>
                 <a:cs typeface="Times New Roman" panose="02020603050405020304" pitchFamily="18" charset="0"/>
               </a:rPr>
-              <a:t>Motor </a:t>
-            </a:r>
-            <a:r>
-              <a:rPr lang="en-US" dirty="0" smtClean="0">
+              <a:t>Software Requirements:</a:t>
+            </a:r>
+          </a:p>
+          <a:p>
+            <a:r>
+              <a:rPr lang="en-US" dirty="0">
                 <a:latin typeface="Times New Roman" panose="02020603050405020304" pitchFamily="18" charset="0"/>
                 <a:cs typeface="Times New Roman" panose="02020603050405020304" pitchFamily="18" charset="0"/>
               </a:rPr>
-              <a:t>Driver - L293DNE</a:t>
-            </a:r>
-          </a:p>
-          <a:p>
-            <a:r>
-              <a:rPr lang="en-US" dirty="0" smtClean="0">
-                <a:latin typeface="Times New Roman" panose="02020603050405020304" pitchFamily="18" charset="0"/>
-                <a:cs typeface="Times New Roman" panose="02020603050405020304" pitchFamily="18" charset="0"/>
-              </a:rPr>
-              <a:t>Robot </a:t>
-            </a:r>
-            <a:r>
-              <a:rPr lang="en-US" dirty="0" smtClean="0">
-                <a:latin typeface="Times New Roman" panose="02020603050405020304" pitchFamily="18" charset="0"/>
-                <a:cs typeface="Times New Roman" panose="02020603050405020304" pitchFamily="18" charset="0"/>
-              </a:rPr>
-              <a:t>Car Chassis kit</a:t>
-            </a:r>
-          </a:p>
-          <a:p>
-            <a:pPr marL="0" indent="0">
-              <a:buNone/>
-            </a:pPr>
-            <a:endParaRPr lang="en-US" dirty="0" smtClean="0">
-              <a:latin typeface="Times New Roman" panose="02020603050405020304" pitchFamily="18" charset="0"/>
-              <a:cs typeface="Times New Roman" panose="02020603050405020304" pitchFamily="18" charset="0"/>
-            </a:endParaRPr>
-          </a:p>
-          <a:p>
-            <a:pPr marL="0" indent="0">
-              <a:buNone/>
-            </a:pPr>
-            <a:r>
-              <a:rPr lang="en-US" sz="2800" dirty="0" smtClean="0">
-                <a:solidFill>
-                  <a:schemeClr val="accent1"/>
-                </a:solidFill>
-                <a:latin typeface="Times New Roman" panose="02020603050405020304" pitchFamily="18" charset="0"/>
-                <a:cs typeface="Times New Roman" panose="02020603050405020304" pitchFamily="18" charset="0"/>
-              </a:rPr>
-              <a:t>Software </a:t>
-            </a:r>
-            <a:r>
-              <a:rPr lang="en-US" sz="2800" dirty="0" smtClean="0">
-                <a:solidFill>
-                  <a:schemeClr val="accent1"/>
-                </a:solidFill>
-                <a:latin typeface="Times New Roman" panose="02020603050405020304" pitchFamily="18" charset="0"/>
-                <a:cs typeface="Times New Roman" panose="02020603050405020304" pitchFamily="18" charset="0"/>
-              </a:rPr>
-              <a:t>Requirements:</a:t>
-            </a:r>
-          </a:p>
-          <a:p>
-            <a:r>
-              <a:rPr lang="en-US" dirty="0" smtClean="0">
-                <a:latin typeface="Times New Roman" panose="02020603050405020304" pitchFamily="18" charset="0"/>
-                <a:cs typeface="Times New Roman" panose="02020603050405020304" pitchFamily="18" charset="0"/>
-              </a:rPr>
-              <a:t>GCC </a:t>
-            </a:r>
-            <a:r>
-              <a:rPr lang="en-US" dirty="0" smtClean="0">
-                <a:latin typeface="Times New Roman" panose="02020603050405020304" pitchFamily="18" charset="0"/>
-                <a:cs typeface="Times New Roman" panose="02020603050405020304" pitchFamily="18" charset="0"/>
-              </a:rPr>
-              <a:t>Cross Compiler Tools for ARM</a:t>
+              <a:t>GCC Cross Compiler Tools for ARM</a:t>
             </a:r>
           </a:p>
         </p:txBody>
@@ -6596,13 +6436,6 @@
   <p:clrMapOvr>
     <a:masterClrMapping/>
   </p:clrMapOvr>
-  <p:timing>
-    <p:tnLst>
-      <p:par>
-        <p:cTn id="1" dur="indefinite" restart="never" nodeType="tmRoot"/>
-      </p:par>
-    </p:tnLst>
-  </p:timing>
 </p:sld>
 </file>
 
@@ -6639,16 +6472,12 @@
           <a:lstStyle/>
           <a:p>
             <a:r>
-              <a:rPr lang="en-US" dirty="0" smtClean="0">
+              <a:rPr lang="en-US" dirty="0">
                 <a:latin typeface="Times New Roman" panose="02020603050405020304" pitchFamily="18" charset="0"/>
                 <a:cs typeface="Times New Roman" panose="02020603050405020304" pitchFamily="18" charset="0"/>
               </a:rPr>
               <a:t>Architectural Design</a:t>
             </a:r>
-            <a:endParaRPr lang="en-US" dirty="0">
-              <a:latin typeface="Times New Roman" panose="02020603050405020304" pitchFamily="18" charset="0"/>
-              <a:cs typeface="Times New Roman" panose="02020603050405020304" pitchFamily="18" charset="0"/>
-            </a:endParaRPr>
           </a:p>
         </p:txBody>
       </p:sp>
@@ -6737,7 +6566,7 @@
           <a:graphicData uri="http://schemas.openxmlformats.org/presentationml/2006/ole">
             <mc:AlternateContent xmlns:mc="http://schemas.openxmlformats.org/markup-compatibility/2006">
               <mc:Choice xmlns:v="urn:schemas-microsoft-com:vml" Requires="v">
-                <p:oleObj spid="_x0000_s1115" name="Visio" r:id="rId3" imgW="7121515" imgH="3491100" progId="Visio.Drawing.15">
+                <p:oleObj spid="_x0000_s1119" name="Visio" r:id="rId3" imgW="7121515" imgH="3491100" progId="Visio.Drawing.15">
                   <p:embed/>
                 </p:oleObj>
               </mc:Choice>
@@ -6801,13 +6630,6 @@
   <p:clrMapOvr>
     <a:masterClrMapping/>
   </p:clrMapOvr>
-  <p:timing>
-    <p:tnLst>
-      <p:par>
-        <p:cTn id="1" dur="indefinite" restart="never" nodeType="tmRoot"/>
-      </p:par>
-    </p:tnLst>
-  </p:timing>
 </p:sld>
 </file>
 
@@ -6844,16 +6666,12 @@
           <a:lstStyle/>
           <a:p>
             <a:r>
-              <a:rPr lang="en-US" dirty="0" smtClean="0">
+              <a:rPr lang="en-US" dirty="0">
                 <a:latin typeface="Times New Roman" panose="02020603050405020304" pitchFamily="18" charset="0"/>
                 <a:cs typeface="Times New Roman" panose="02020603050405020304" pitchFamily="18" charset="0"/>
               </a:rPr>
               <a:t>Task &amp; Schedule</a:t>
             </a:r>
-            <a:endParaRPr lang="en-US" dirty="0">
-              <a:latin typeface="Times New Roman" panose="02020603050405020304" pitchFamily="18" charset="0"/>
-              <a:cs typeface="Times New Roman" panose="02020603050405020304" pitchFamily="18" charset="0"/>
-            </a:endParaRPr>
           </a:p>
         </p:txBody>
       </p:sp>
@@ -6896,13 +6714,6 @@
   <p:clrMapOvr>
     <a:masterClrMapping/>
   </p:clrMapOvr>
-  <p:timing>
-    <p:tnLst>
-      <p:par>
-        <p:cTn id="1" dur="indefinite" restart="never" nodeType="tmRoot"/>
-      </p:par>
-    </p:tnLst>
-  </p:timing>
 </p:sld>
 </file>
 
@@ -6939,16 +6750,12 @@
           <a:lstStyle/>
           <a:p>
             <a:r>
-              <a:rPr lang="en-US" dirty="0" smtClean="0">
+              <a:rPr lang="en-US" dirty="0">
                 <a:latin typeface="Times New Roman" panose="02020603050405020304" pitchFamily="18" charset="0"/>
                 <a:cs typeface="Times New Roman" panose="02020603050405020304" pitchFamily="18" charset="0"/>
               </a:rPr>
               <a:t>Implementation Methodology</a:t>
             </a:r>
-            <a:endParaRPr lang="en-US" dirty="0">
-              <a:latin typeface="Times New Roman" panose="02020603050405020304" pitchFamily="18" charset="0"/>
-              <a:cs typeface="Times New Roman" panose="02020603050405020304" pitchFamily="18" charset="0"/>
-            </a:endParaRPr>
           </a:p>
         </p:txBody>
       </p:sp>
@@ -6973,7 +6780,7 @@
           <a:lstStyle/>
           <a:p>
             <a:r>
-              <a:rPr lang="en-US" dirty="0" smtClean="0">
+              <a:rPr lang="en-US" dirty="0">
                 <a:latin typeface="Times New Roman" panose="02020603050405020304" pitchFamily="18" charset="0"/>
                 <a:cs typeface="Times New Roman" panose="02020603050405020304" pitchFamily="18" charset="0"/>
               </a:rPr>
@@ -6982,7 +6789,7 @@
           </a:p>
           <a:p>
             <a:r>
-              <a:rPr lang="en-US" dirty="0" smtClean="0">
+              <a:rPr lang="en-US" dirty="0">
                 <a:latin typeface="Times New Roman" panose="02020603050405020304" pitchFamily="18" charset="0"/>
                 <a:cs typeface="Times New Roman" panose="02020603050405020304" pitchFamily="18" charset="0"/>
               </a:rPr>
@@ -6991,7 +6798,7 @@
           </a:p>
           <a:p>
             <a:r>
-              <a:rPr lang="en-US" dirty="0" smtClean="0">
+              <a:rPr lang="en-US" dirty="0">
                 <a:latin typeface="Times New Roman" panose="02020603050405020304" pitchFamily="18" charset="0"/>
                 <a:cs typeface="Times New Roman" panose="02020603050405020304" pitchFamily="18" charset="0"/>
               </a:rPr>
@@ -7000,7 +6807,7 @@
           </a:p>
           <a:p>
             <a:r>
-              <a:rPr lang="en-US" dirty="0" smtClean="0">
+              <a:rPr lang="en-US" dirty="0">
                 <a:latin typeface="Times New Roman" panose="02020603050405020304" pitchFamily="18" charset="0"/>
                 <a:cs typeface="Times New Roman" panose="02020603050405020304" pitchFamily="18" charset="0"/>
               </a:rPr>
@@ -7009,7 +6816,7 @@
           </a:p>
           <a:p>
             <a:r>
-              <a:rPr lang="en-US" dirty="0" smtClean="0">
+              <a:rPr lang="en-US" dirty="0">
                 <a:latin typeface="Times New Roman" panose="02020603050405020304" pitchFamily="18" charset="0"/>
                 <a:cs typeface="Times New Roman" panose="02020603050405020304" pitchFamily="18" charset="0"/>
               </a:rPr>
@@ -7018,16 +6825,12 @@
           </a:p>
           <a:p>
             <a:r>
-              <a:rPr lang="en-US" dirty="0" smtClean="0">
+              <a:rPr lang="en-US" dirty="0">
                 <a:latin typeface="Times New Roman" panose="02020603050405020304" pitchFamily="18" charset="0"/>
                 <a:cs typeface="Times New Roman" panose="02020603050405020304" pitchFamily="18" charset="0"/>
               </a:rPr>
               <a:t>Deployment</a:t>
             </a:r>
-            <a:endParaRPr lang="en-US" dirty="0" smtClean="0">
-              <a:latin typeface="Times New Roman" panose="02020603050405020304" pitchFamily="18" charset="0"/>
-              <a:cs typeface="Times New Roman" panose="02020603050405020304" pitchFamily="18" charset="0"/>
-            </a:endParaRPr>
           </a:p>
         </p:txBody>
       </p:sp>
@@ -7041,13 +6844,6 @@
   <p:clrMapOvr>
     <a:masterClrMapping/>
   </p:clrMapOvr>
-  <p:timing>
-    <p:tnLst>
-      <p:par>
-        <p:cTn id="1" dur="indefinite" restart="never" nodeType="tmRoot"/>
-      </p:par>
-    </p:tnLst>
-  </p:timing>
 </p:sld>
 </file>
 
@@ -7084,16 +6880,12 @@
           <a:lstStyle/>
           <a:p>
             <a:r>
-              <a:rPr lang="en-CA" dirty="0" smtClean="0">
+              <a:rPr lang="en-CA" dirty="0">
                 <a:latin typeface="Times New Roman" panose="02020603050405020304" pitchFamily="18" charset="0"/>
                 <a:cs typeface="Times New Roman" panose="02020603050405020304" pitchFamily="18" charset="0"/>
               </a:rPr>
               <a:t>Estimation Value</a:t>
             </a:r>
-            <a:endParaRPr lang="en-CA" dirty="0">
-              <a:latin typeface="Times New Roman" panose="02020603050405020304" pitchFamily="18" charset="0"/>
-              <a:cs typeface="Times New Roman" panose="02020603050405020304" pitchFamily="18" charset="0"/>
-            </a:endParaRPr>
           </a:p>
         </p:txBody>
       </p:sp>
@@ -7123,11 +6915,41 @@
                 <a:tableStyleId>{5C22544A-7EE6-4342-B048-85BDC9FD1C3A}</a:tableStyleId>
               </a:tblPr>
               <a:tblGrid>
-                <a:gridCol w="933129"/>
-                <a:gridCol w="2670982"/>
-                <a:gridCol w="1383217"/>
-                <a:gridCol w="1594391"/>
-                <a:gridCol w="1594391"/>
+                <a:gridCol w="933129">
+                  <a:extLst>
+                    <a:ext uri="{9D8B030D-6E8A-4147-A177-3AD203B41FA5}">
+                      <a16:colId xmlns:a16="http://schemas.microsoft.com/office/drawing/2014/main" val="20000"/>
+                    </a:ext>
+                  </a:extLst>
+                </a:gridCol>
+                <a:gridCol w="2670982">
+                  <a:extLst>
+                    <a:ext uri="{9D8B030D-6E8A-4147-A177-3AD203B41FA5}">
+                      <a16:colId xmlns:a16="http://schemas.microsoft.com/office/drawing/2014/main" val="20001"/>
+                    </a:ext>
+                  </a:extLst>
+                </a:gridCol>
+                <a:gridCol w="1383217">
+                  <a:extLst>
+                    <a:ext uri="{9D8B030D-6E8A-4147-A177-3AD203B41FA5}">
+                      <a16:colId xmlns:a16="http://schemas.microsoft.com/office/drawing/2014/main" val="20002"/>
+                    </a:ext>
+                  </a:extLst>
+                </a:gridCol>
+                <a:gridCol w="1594391">
+                  <a:extLst>
+                    <a:ext uri="{9D8B030D-6E8A-4147-A177-3AD203B41FA5}">
+                      <a16:colId xmlns:a16="http://schemas.microsoft.com/office/drawing/2014/main" val="20003"/>
+                    </a:ext>
+                  </a:extLst>
+                </a:gridCol>
+                <a:gridCol w="1594391">
+                  <a:extLst>
+                    <a:ext uri="{9D8B030D-6E8A-4147-A177-3AD203B41FA5}">
+                      <a16:colId xmlns:a16="http://schemas.microsoft.com/office/drawing/2014/main" val="20004"/>
+                    </a:ext>
+                  </a:extLst>
+                </a:gridCol>
               </a:tblGrid>
               <a:tr h="370840">
                 <a:tc>
@@ -7137,16 +6959,12 @@
                     <a:p>
                       <a:pPr algn="ctr"/>
                       <a:r>
-                        <a:rPr lang="en-CA" sz="1800" dirty="0" smtClean="0">
+                        <a:rPr lang="en-CA" sz="1800" dirty="0">
                           <a:latin typeface="Times New Roman" panose="02020603050405020304" pitchFamily="18" charset="0"/>
                           <a:cs typeface="Times New Roman" panose="02020603050405020304" pitchFamily="18" charset="0"/>
                         </a:rPr>
                         <a:t>No.</a:t>
                       </a:r>
-                      <a:endParaRPr lang="en-CA" sz="1800" dirty="0">
-                        <a:latin typeface="Times New Roman" panose="02020603050405020304" pitchFamily="18" charset="0"/>
-                        <a:cs typeface="Times New Roman" panose="02020603050405020304" pitchFamily="18" charset="0"/>
-                      </a:endParaRPr>
                     </a:p>
                   </a:txBody>
                   <a:tcPr/>
@@ -7158,16 +6976,12 @@
                     <a:p>
                       <a:pPr algn="ctr"/>
                       <a:r>
-                        <a:rPr lang="en-CA" sz="1800" dirty="0" smtClean="0">
+                        <a:rPr lang="en-CA" sz="1800" dirty="0">
                           <a:latin typeface="Times New Roman" panose="02020603050405020304" pitchFamily="18" charset="0"/>
                           <a:cs typeface="Times New Roman" panose="02020603050405020304" pitchFamily="18" charset="0"/>
                         </a:rPr>
                         <a:t>Item</a:t>
                       </a:r>
-                      <a:endParaRPr lang="en-CA" sz="1800" dirty="0">
-                        <a:latin typeface="Times New Roman" panose="02020603050405020304" pitchFamily="18" charset="0"/>
-                        <a:cs typeface="Times New Roman" panose="02020603050405020304" pitchFamily="18" charset="0"/>
-                      </a:endParaRPr>
                     </a:p>
                   </a:txBody>
                   <a:tcPr/>
@@ -7179,16 +6993,12 @@
                     <a:p>
                       <a:pPr algn="ctr"/>
                       <a:r>
-                        <a:rPr lang="en-CA" sz="1800" dirty="0" smtClean="0">
+                        <a:rPr lang="en-CA" sz="1800" dirty="0">
                           <a:latin typeface="Times New Roman" panose="02020603050405020304" pitchFamily="18" charset="0"/>
                           <a:cs typeface="Times New Roman" panose="02020603050405020304" pitchFamily="18" charset="0"/>
                         </a:rPr>
                         <a:t>Units</a:t>
                       </a:r>
-                      <a:endParaRPr lang="en-CA" sz="1800" dirty="0">
-                        <a:latin typeface="Times New Roman" panose="02020603050405020304" pitchFamily="18" charset="0"/>
-                        <a:cs typeface="Times New Roman" panose="02020603050405020304" pitchFamily="18" charset="0"/>
-                      </a:endParaRPr>
                     </a:p>
                   </a:txBody>
                   <a:tcPr/>
@@ -7200,30 +7010,12 @@
                     <a:p>
                       <a:pPr algn="ctr"/>
                       <a:r>
-                        <a:rPr lang="en-CA" sz="1800" dirty="0" smtClean="0">
+                        <a:rPr lang="en-CA" sz="1800" dirty="0">
                           <a:latin typeface="Times New Roman" panose="02020603050405020304" pitchFamily="18" charset="0"/>
                           <a:cs typeface="Times New Roman" panose="02020603050405020304" pitchFamily="18" charset="0"/>
                         </a:rPr>
-                        <a:t>Unit </a:t>
+                        <a:t>Unit Cost(CAD)</a:t>
                       </a:r>
-                      <a:r>
-                        <a:rPr lang="en-CA" sz="1800" dirty="0" smtClean="0">
-                          <a:latin typeface="Times New Roman" panose="02020603050405020304" pitchFamily="18" charset="0"/>
-                          <a:cs typeface="Times New Roman" panose="02020603050405020304" pitchFamily="18" charset="0"/>
-                        </a:rPr>
-                        <a:t>Cost(CAD</a:t>
-                      </a:r>
-                      <a:r>
-                        <a:rPr lang="en-CA" sz="1800" dirty="0" smtClean="0">
-                          <a:latin typeface="Times New Roman" panose="02020603050405020304" pitchFamily="18" charset="0"/>
-                          <a:cs typeface="Times New Roman" panose="02020603050405020304" pitchFamily="18" charset="0"/>
-                        </a:rPr>
-                        <a:t>)</a:t>
-                      </a:r>
-                      <a:endParaRPr lang="en-CA" sz="1800" dirty="0">
-                        <a:latin typeface="Times New Roman" panose="02020603050405020304" pitchFamily="18" charset="0"/>
-                        <a:cs typeface="Times New Roman" panose="02020603050405020304" pitchFamily="18" charset="0"/>
-                      </a:endParaRPr>
                     </a:p>
                   </a:txBody>
                   <a:tcPr/>
@@ -7235,20 +7027,21 @@
                     <a:p>
                       <a:pPr algn="ctr"/>
                       <a:r>
-                        <a:rPr lang="en-CA" sz="1800" dirty="0" smtClean="0">
+                        <a:rPr lang="en-CA" sz="1800" dirty="0">
                           <a:latin typeface="Times New Roman" panose="02020603050405020304" pitchFamily="18" charset="0"/>
                           <a:cs typeface="Times New Roman" panose="02020603050405020304" pitchFamily="18" charset="0"/>
                         </a:rPr>
                         <a:t>Total Cost(CAD)</a:t>
                       </a:r>
-                      <a:endParaRPr lang="en-CA" sz="1800" dirty="0">
-                        <a:latin typeface="Times New Roman" panose="02020603050405020304" pitchFamily="18" charset="0"/>
-                        <a:cs typeface="Times New Roman" panose="02020603050405020304" pitchFamily="18" charset="0"/>
-                      </a:endParaRPr>
                     </a:p>
                   </a:txBody>
                   <a:tcPr/>
                 </a:tc>
+                <a:extLst>
+                  <a:ext uri="{0D108BD9-81ED-4DB2-BD59-A6C34878D82A}">
+                    <a16:rowId xmlns:a16="http://schemas.microsoft.com/office/drawing/2014/main" val="10000"/>
+                  </a:ext>
+                </a:extLst>
               </a:tr>
               <a:tr h="684140">
                 <a:tc>
@@ -7257,211 +7050,11 @@
                     <a:lstStyle/>
                     <a:p>
                       <a:r>
-                        <a:rPr lang="en-CA" sz="1800" baseline="0" dirty="0" smtClean="0">
+                        <a:rPr lang="en-CA" sz="1800" baseline="0" dirty="0">
                           <a:latin typeface="Times New Roman" panose="02020603050405020304" pitchFamily="18" charset="0"/>
                           <a:cs typeface="Times New Roman" panose="02020603050405020304" pitchFamily="18" charset="0"/>
                         </a:rPr>
                         <a:t>       1</a:t>
-                      </a:r>
-                      <a:endParaRPr lang="en-CA" sz="1800" dirty="0" smtClean="0">
-                        <a:latin typeface="Times New Roman" panose="02020603050405020304" pitchFamily="18" charset="0"/>
-                        <a:cs typeface="Times New Roman" panose="02020603050405020304" pitchFamily="18" charset="0"/>
-                      </a:endParaRPr>
-                    </a:p>
-                  </a:txBody>
-                  <a:tcPr/>
-                </a:tc>
-                <a:tc>
-                  <a:txBody>
-                    <a:bodyPr/>
-                    <a:lstStyle/>
-                    <a:p>
-                      <a:pPr marL="0" marR="0" lvl="2" indent="0" algn="l" defTabSz="457200" rtl="0" eaLnBrk="1" fontAlgn="auto" latinLnBrk="0" hangingPunct="1">
-                        <a:lnSpc>
-                          <a:spcPct val="100000"/>
-                        </a:lnSpc>
-                        <a:spcBef>
-                          <a:spcPts val="0"/>
-                        </a:spcBef>
-                        <a:spcAft>
-                          <a:spcPts val="0"/>
-                        </a:spcAft>
-                        <a:buClrTx/>
-                        <a:buSzTx/>
-                        <a:buFontTx/>
-                        <a:buNone/>
-                        <a:tabLst/>
-                        <a:defRPr/>
-                      </a:pPr>
-                      <a:r>
-                        <a:rPr lang="en-US" sz="1800" kern="1200" dirty="0" smtClean="0">
-                          <a:solidFill>
-                            <a:schemeClr val="dk1"/>
-                          </a:solidFill>
-                          <a:effectLst/>
-                          <a:latin typeface="Times New Roman" panose="02020603050405020304" pitchFamily="18" charset="0"/>
-                          <a:ea typeface="+mn-ea"/>
-                          <a:cs typeface="Times New Roman" panose="02020603050405020304" pitchFamily="18" charset="0"/>
-                        </a:rPr>
-                        <a:t>Target board </a:t>
-                      </a:r>
-                      <a:r>
-                        <a:rPr lang="en-US" sz="1800" kern="1200" dirty="0" smtClean="0">
-                          <a:solidFill>
-                            <a:schemeClr val="dk1"/>
-                          </a:solidFill>
-                          <a:effectLst/>
-                          <a:latin typeface="Times New Roman" panose="02020603050405020304" pitchFamily="18" charset="0"/>
-                          <a:ea typeface="+mn-ea"/>
-                          <a:cs typeface="Times New Roman" panose="02020603050405020304" pitchFamily="18" charset="0"/>
-                        </a:rPr>
-                        <a:t>– </a:t>
-                      </a:r>
-                    </a:p>
-                    <a:p>
-                      <a:pPr marL="0" marR="0" lvl="2" indent="0" algn="l" defTabSz="457200" rtl="0" eaLnBrk="1" fontAlgn="auto" latinLnBrk="0" hangingPunct="1">
-                        <a:lnSpc>
-                          <a:spcPct val="100000"/>
-                        </a:lnSpc>
-                        <a:spcBef>
-                          <a:spcPts val="0"/>
-                        </a:spcBef>
-                        <a:spcAft>
-                          <a:spcPts val="0"/>
-                        </a:spcAft>
-                        <a:buClrTx/>
-                        <a:buSzTx/>
-                        <a:buFontTx/>
-                        <a:buNone/>
-                        <a:tabLst/>
-                        <a:defRPr/>
-                      </a:pPr>
-                      <a:r>
-                        <a:rPr lang="en-US" sz="1800" kern="1200" dirty="0" smtClean="0">
-                          <a:solidFill>
-                            <a:schemeClr val="dk1"/>
-                          </a:solidFill>
-                          <a:effectLst/>
-                          <a:latin typeface="Times New Roman" panose="02020603050405020304" pitchFamily="18" charset="0"/>
-                          <a:ea typeface="+mn-ea"/>
-                          <a:cs typeface="Times New Roman" panose="02020603050405020304" pitchFamily="18" charset="0"/>
-                        </a:rPr>
-                        <a:t>FRDM-KL25Z</a:t>
-                      </a:r>
-                      <a:endParaRPr lang="en-CA" sz="1800" kern="1200" dirty="0" smtClean="0">
-                        <a:solidFill>
-                          <a:schemeClr val="dk1"/>
-                        </a:solidFill>
-                        <a:effectLst/>
-                        <a:latin typeface="Times New Roman" panose="02020603050405020304" pitchFamily="18" charset="0"/>
-                        <a:ea typeface="+mn-ea"/>
-                        <a:cs typeface="Times New Roman" panose="02020603050405020304" pitchFamily="18" charset="0"/>
-                      </a:endParaRPr>
-                    </a:p>
-                    <a:p>
-                      <a:endParaRPr lang="en-CA" sz="1800" dirty="0">
-                        <a:latin typeface="Times New Roman" panose="02020603050405020304" pitchFamily="18" charset="0"/>
-                        <a:cs typeface="Times New Roman" panose="02020603050405020304" pitchFamily="18" charset="0"/>
-                      </a:endParaRPr>
-                    </a:p>
-                  </a:txBody>
-                  <a:tcPr/>
-                </a:tc>
-                <a:tc>
-                  <a:txBody>
-                    <a:bodyPr/>
-                    <a:lstStyle/>
-                    <a:p>
-                      <a:pPr algn="ctr"/>
-                      <a:r>
-                        <a:rPr lang="en-CA" sz="1800" dirty="0" smtClean="0">
-                          <a:latin typeface="Times New Roman" panose="02020603050405020304" pitchFamily="18" charset="0"/>
-                          <a:cs typeface="Times New Roman" panose="02020603050405020304" pitchFamily="18" charset="0"/>
-                        </a:rPr>
-                        <a:t> 1</a:t>
-                      </a:r>
-                      <a:endParaRPr lang="en-CA" sz="1800" dirty="0">
-                        <a:latin typeface="Times New Roman" panose="02020603050405020304" pitchFamily="18" charset="0"/>
-                        <a:cs typeface="Times New Roman" panose="02020603050405020304" pitchFamily="18" charset="0"/>
-                      </a:endParaRPr>
-                    </a:p>
-                  </a:txBody>
-                  <a:tcPr/>
-                </a:tc>
-                <a:tc>
-                  <a:txBody>
-                    <a:bodyPr/>
-                    <a:lstStyle/>
-                    <a:p>
-                      <a:pPr algn="ctr"/>
-                      <a:r>
-                        <a:rPr lang="en-CA" sz="1800" baseline="0" dirty="0" smtClean="0">
-                          <a:latin typeface="Times New Roman" panose="02020603050405020304" pitchFamily="18" charset="0"/>
-                          <a:cs typeface="Times New Roman" panose="02020603050405020304" pitchFamily="18" charset="0"/>
-                        </a:rPr>
-                        <a:t>     </a:t>
-                      </a:r>
-                      <a:r>
-                        <a:rPr lang="en-CA" sz="1800" dirty="0" smtClean="0">
-                          <a:latin typeface="Times New Roman" panose="02020603050405020304" pitchFamily="18" charset="0"/>
-                          <a:cs typeface="Times New Roman" panose="02020603050405020304" pitchFamily="18" charset="0"/>
-                        </a:rPr>
-                        <a:t>32</a:t>
-                      </a:r>
-                      <a:endParaRPr lang="en-CA" sz="1800" dirty="0">
-                        <a:latin typeface="Times New Roman" panose="02020603050405020304" pitchFamily="18" charset="0"/>
-                        <a:cs typeface="Times New Roman" panose="02020603050405020304" pitchFamily="18" charset="0"/>
-                      </a:endParaRPr>
-                    </a:p>
-                  </a:txBody>
-                  <a:tcPr/>
-                </a:tc>
-                <a:tc>
-                  <a:txBody>
-                    <a:bodyPr/>
-                    <a:lstStyle/>
-                    <a:p>
-                      <a:pPr marL="0" marR="0" indent="0" algn="l" defTabSz="457200" rtl="0" eaLnBrk="1" fontAlgn="auto" latinLnBrk="0" hangingPunct="1">
-                        <a:lnSpc>
-                          <a:spcPct val="100000"/>
-                        </a:lnSpc>
-                        <a:spcBef>
-                          <a:spcPts val="0"/>
-                        </a:spcBef>
-                        <a:spcAft>
-                          <a:spcPts val="0"/>
-                        </a:spcAft>
-                        <a:buClrTx/>
-                        <a:buSzTx/>
-                        <a:buFontTx/>
-                        <a:buNone/>
-                        <a:tabLst/>
-                        <a:defRPr/>
-                      </a:pPr>
-                      <a:r>
-                        <a:rPr lang="en-CA" sz="1800" dirty="0" smtClean="0">
-                          <a:latin typeface="Times New Roman" panose="02020603050405020304" pitchFamily="18" charset="0"/>
-                          <a:cs typeface="Times New Roman" panose="02020603050405020304" pitchFamily="18" charset="0"/>
-                        </a:rPr>
-                        <a:t>            32</a:t>
-                      </a:r>
-                    </a:p>
-                  </a:txBody>
-                  <a:tcPr/>
-                </a:tc>
-              </a:tr>
-              <a:tr h="370840">
-                <a:tc>
-                  <a:txBody>
-                    <a:bodyPr/>
-                    <a:lstStyle/>
-                    <a:p>
-                      <a:r>
-                        <a:rPr lang="en-CA" sz="1800" dirty="0" smtClean="0">
-                          <a:latin typeface="Times New Roman" panose="02020603050405020304" pitchFamily="18" charset="0"/>
-                          <a:cs typeface="Times New Roman" panose="02020603050405020304" pitchFamily="18" charset="0"/>
-                        </a:rPr>
-                        <a:t>     2</a:t>
                       </a:r>
                       <a:endParaRPr lang="en-CA" sz="1800" dirty="0">
                         <a:latin typeface="Times New Roman" panose="02020603050405020304" pitchFamily="18" charset="0"/>
@@ -7494,7 +7087,7 @@
                         <a:defRPr/>
                       </a:pPr>
                       <a:r>
-                        <a:rPr lang="en-US" sz="1800" kern="1200" dirty="0" smtClean="0">
+                        <a:rPr lang="en-US" sz="1800" kern="1200" dirty="0">
                           <a:solidFill>
                             <a:schemeClr val="dk1"/>
                           </a:solidFill>
@@ -7503,19 +7096,7 @@
                           <a:ea typeface="+mn-ea"/>
                           <a:cs typeface="Times New Roman" panose="02020603050405020304" pitchFamily="18" charset="0"/>
                         </a:rPr>
-                        <a:t>Ultrasonic Sensor </a:t>
-                      </a:r>
-                      <a:r>
-                        <a:rPr lang="en-US" sz="1800" kern="1200" dirty="0" smtClean="0">
-                          <a:solidFill>
-                            <a:schemeClr val="dk1"/>
-                          </a:solidFill>
-                          <a:effectLst/>
-                          <a:latin typeface="Times New Roman" panose="02020603050405020304" pitchFamily="18" charset="0"/>
-                          <a:ea typeface="+mn-ea"/>
-                          <a:cs typeface="Times New Roman" panose="02020603050405020304" pitchFamily="18" charset="0"/>
-                        </a:rPr>
-                        <a:t>– </a:t>
+                        <a:t>Target board – </a:t>
                       </a:r>
                     </a:p>
                     <a:p>
@@ -7537,7 +7118,188 @@
                         <a:defRPr/>
                       </a:pPr>
                       <a:r>
-                        <a:rPr lang="en-US" sz="1800" kern="1200" dirty="0" smtClean="0">
+                        <a:rPr lang="en-US" sz="1800" kern="1200" dirty="0">
+                          <a:solidFill>
+                            <a:schemeClr val="dk1"/>
+                          </a:solidFill>
+                          <a:effectLst/>
+                          <a:latin typeface="Times New Roman" panose="02020603050405020304" pitchFamily="18" charset="0"/>
+                          <a:ea typeface="+mn-ea"/>
+                          <a:cs typeface="Times New Roman" panose="02020603050405020304" pitchFamily="18" charset="0"/>
+                        </a:rPr>
+                        <a:t>FRDM-KL25Z</a:t>
+                      </a:r>
+                      <a:endParaRPr lang="en-CA" sz="1800" kern="1200" dirty="0">
+                        <a:solidFill>
+                          <a:schemeClr val="dk1"/>
+                        </a:solidFill>
+                        <a:effectLst/>
+                        <a:latin typeface="Times New Roman" panose="02020603050405020304" pitchFamily="18" charset="0"/>
+                        <a:ea typeface="+mn-ea"/>
+                        <a:cs typeface="Times New Roman" panose="02020603050405020304" pitchFamily="18" charset="0"/>
+                      </a:endParaRPr>
+                    </a:p>
+                    <a:p>
+                      <a:endParaRPr lang="en-CA" sz="1800" dirty="0">
+                        <a:latin typeface="Times New Roman" panose="02020603050405020304" pitchFamily="18" charset="0"/>
+                        <a:cs typeface="Times New Roman" panose="02020603050405020304" pitchFamily="18" charset="0"/>
+                      </a:endParaRPr>
+                    </a:p>
+                  </a:txBody>
+                  <a:tcPr/>
+                </a:tc>
+                <a:tc>
+                  <a:txBody>
+                    <a:bodyPr/>
+                    <a:lstStyle/>
+                    <a:p>
+                      <a:pPr algn="ctr"/>
+                      <a:r>
+                        <a:rPr lang="en-CA" sz="1800" dirty="0">
+                          <a:latin typeface="Times New Roman" panose="02020603050405020304" pitchFamily="18" charset="0"/>
+                          <a:cs typeface="Times New Roman" panose="02020603050405020304" pitchFamily="18" charset="0"/>
+                        </a:rPr>
+                        <a:t> 1</a:t>
+                      </a:r>
+                    </a:p>
+                  </a:txBody>
+                  <a:tcPr/>
+                </a:tc>
+                <a:tc>
+                  <a:txBody>
+                    <a:bodyPr/>
+                    <a:lstStyle/>
+                    <a:p>
+                      <a:pPr algn="ctr"/>
+                      <a:r>
+                        <a:rPr lang="en-CA" sz="1800" baseline="0" dirty="0">
+                          <a:latin typeface="Times New Roman" panose="02020603050405020304" pitchFamily="18" charset="0"/>
+                          <a:cs typeface="Times New Roman" panose="02020603050405020304" pitchFamily="18" charset="0"/>
+                        </a:rPr>
+                        <a:t>     </a:t>
+                      </a:r>
+                      <a:r>
+                        <a:rPr lang="en-CA" sz="1800" dirty="0">
+                          <a:latin typeface="Times New Roman" panose="02020603050405020304" pitchFamily="18" charset="0"/>
+                          <a:cs typeface="Times New Roman" panose="02020603050405020304" pitchFamily="18" charset="0"/>
+                        </a:rPr>
+                        <a:t>32</a:t>
+                      </a:r>
+                    </a:p>
+                  </a:txBody>
+                  <a:tcPr/>
+                </a:tc>
+                <a:tc>
+                  <a:txBody>
+                    <a:bodyPr/>
+                    <a:lstStyle/>
+                    <a:p>
+                      <a:pPr marL="0" marR="0" indent="0" algn="l" defTabSz="457200" rtl="0" eaLnBrk="1" fontAlgn="auto" latinLnBrk="0" hangingPunct="1">
+                        <a:lnSpc>
+                          <a:spcPct val="100000"/>
+                        </a:lnSpc>
+                        <a:spcBef>
+                          <a:spcPts val="0"/>
+                        </a:spcBef>
+                        <a:spcAft>
+                          <a:spcPts val="0"/>
+                        </a:spcAft>
+                        <a:buClrTx/>
+                        <a:buSzTx/>
+                        <a:buFontTx/>
+                        <a:buNone/>
+                        <a:tabLst/>
+                        <a:defRPr/>
+                      </a:pPr>
+                      <a:r>
+                        <a:rPr lang="en-CA" sz="1800" dirty="0">
+                          <a:latin typeface="Times New Roman" panose="02020603050405020304" pitchFamily="18" charset="0"/>
+                          <a:cs typeface="Times New Roman" panose="02020603050405020304" pitchFamily="18" charset="0"/>
+                        </a:rPr>
+                        <a:t>            32</a:t>
+                      </a:r>
+                    </a:p>
+                  </a:txBody>
+                  <a:tcPr/>
+                </a:tc>
+                <a:extLst>
+                  <a:ext uri="{0D108BD9-81ED-4DB2-BD59-A6C34878D82A}">
+                    <a16:rowId xmlns:a16="http://schemas.microsoft.com/office/drawing/2014/main" val="10001"/>
+                  </a:ext>
+                </a:extLst>
+              </a:tr>
+              <a:tr h="370840">
+                <a:tc>
+                  <a:txBody>
+                    <a:bodyPr/>
+                    <a:lstStyle/>
+                    <a:p>
+                      <a:r>
+                        <a:rPr lang="en-CA" sz="1800" dirty="0">
+                          <a:latin typeface="Times New Roman" panose="02020603050405020304" pitchFamily="18" charset="0"/>
+                          <a:cs typeface="Times New Roman" panose="02020603050405020304" pitchFamily="18" charset="0"/>
+                        </a:rPr>
+                        <a:t>     2</a:t>
+                      </a:r>
+                    </a:p>
+                  </a:txBody>
+                  <a:tcPr/>
+                </a:tc>
+                <a:tc>
+                  <a:txBody>
+                    <a:bodyPr/>
+                    <a:lstStyle/>
+                    <a:p>
+                      <a:pPr marL="0" marR="0" lvl="2" indent="0" algn="l" defTabSz="457200" rtl="0" eaLnBrk="1" fontAlgn="auto" latinLnBrk="0" hangingPunct="1">
+                        <a:lnSpc>
+                          <a:spcPct val="100000"/>
+                        </a:lnSpc>
+                        <a:spcBef>
+                          <a:spcPts val="0"/>
+                        </a:spcBef>
+                        <a:spcAft>
+                          <a:spcPts val="0"/>
+                        </a:spcAft>
+                        <a:buClrTx/>
+                        <a:buSzTx/>
+                        <a:buFontTx/>
+                        <a:buNone/>
+                        <a:tabLst/>
+                        <a:defRPr/>
+                      </a:pPr>
+                      <a:r>
+                        <a:rPr lang="en-US" sz="1800" kern="1200" dirty="0">
+                          <a:solidFill>
+                            <a:schemeClr val="dk1"/>
+                          </a:solidFill>
+                          <a:effectLst/>
+                          <a:latin typeface="Times New Roman" panose="02020603050405020304" pitchFamily="18" charset="0"/>
+                          <a:ea typeface="+mn-ea"/>
+                          <a:cs typeface="Times New Roman" panose="02020603050405020304" pitchFamily="18" charset="0"/>
+                        </a:rPr>
+                        <a:t>Ultrasonic Sensor – </a:t>
+                      </a:r>
+                    </a:p>
+                    <a:p>
+                      <a:pPr marL="0" marR="0" lvl="2" indent="0" algn="l" defTabSz="457200" rtl="0" eaLnBrk="1" fontAlgn="auto" latinLnBrk="0" hangingPunct="1">
+                        <a:lnSpc>
+                          <a:spcPct val="100000"/>
+                        </a:lnSpc>
+                        <a:spcBef>
+                          <a:spcPts val="0"/>
+                        </a:spcBef>
+                        <a:spcAft>
+                          <a:spcPts val="0"/>
+                        </a:spcAft>
+                        <a:buClrTx/>
+                        <a:buSzTx/>
+                        <a:buFontTx/>
+                        <a:buNone/>
+                        <a:tabLst/>
+                        <a:defRPr/>
+                      </a:pPr>
+                      <a:r>
+                        <a:rPr lang="en-US" sz="1800" kern="1200" dirty="0">
                           <a:solidFill>
                             <a:schemeClr val="dk1"/>
                           </a:solidFill>
@@ -7548,7 +7310,7 @@
                         </a:rPr>
                         <a:t>HC-SR04</a:t>
                       </a:r>
-                      <a:endParaRPr lang="en-CA" sz="1800" kern="1200" dirty="0" smtClean="0">
+                      <a:endParaRPr lang="en-CA" sz="1800" kern="1200" dirty="0">
                         <a:solidFill>
                           <a:schemeClr val="dk1"/>
                         </a:solidFill>
@@ -7590,7 +7352,7 @@
                         <a:defRPr/>
                       </a:pPr>
                       <a:r>
-                        <a:rPr lang="en-CA" sz="1800" dirty="0" smtClean="0">
+                        <a:rPr lang="en-CA" sz="1800" dirty="0">
                           <a:latin typeface="Times New Roman" panose="02020603050405020304" pitchFamily="18" charset="0"/>
                           <a:cs typeface="Times New Roman" panose="02020603050405020304" pitchFamily="18" charset="0"/>
                         </a:rPr>
@@ -7612,16 +7374,12 @@
                     <a:lstStyle/>
                     <a:p>
                       <a:r>
-                        <a:rPr lang="en-CA" sz="1800" dirty="0" smtClean="0">
+                        <a:rPr lang="en-CA" sz="1800" dirty="0">
                           <a:latin typeface="Times New Roman" panose="02020603050405020304" pitchFamily="18" charset="0"/>
                           <a:cs typeface="Times New Roman" panose="02020603050405020304" pitchFamily="18" charset="0"/>
                         </a:rPr>
                         <a:t>            4</a:t>
                       </a:r>
-                      <a:endParaRPr lang="en-CA" sz="1800" dirty="0">
-                        <a:latin typeface="Times New Roman" panose="02020603050405020304" pitchFamily="18" charset="0"/>
-                        <a:cs typeface="Times New Roman" panose="02020603050405020304" pitchFamily="18" charset="0"/>
-                      </a:endParaRPr>
                     </a:p>
                   </a:txBody>
                   <a:tcPr/>
@@ -7632,20 +7390,21 @@
                     <a:lstStyle/>
                     <a:p>
                       <a:r>
-                        <a:rPr lang="en-CA" sz="1800" dirty="0" smtClean="0">
+                        <a:rPr lang="en-CA" sz="1800" dirty="0">
                           <a:latin typeface="Times New Roman" panose="02020603050405020304" pitchFamily="18" charset="0"/>
                           <a:cs typeface="Times New Roman" panose="02020603050405020304" pitchFamily="18" charset="0"/>
                         </a:rPr>
                         <a:t>             4</a:t>
                       </a:r>
-                      <a:endParaRPr lang="en-CA" sz="1800" dirty="0">
-                        <a:latin typeface="Times New Roman" panose="02020603050405020304" pitchFamily="18" charset="0"/>
-                        <a:cs typeface="Times New Roman" panose="02020603050405020304" pitchFamily="18" charset="0"/>
-                      </a:endParaRPr>
                     </a:p>
                   </a:txBody>
                   <a:tcPr/>
                 </a:tc>
+                <a:extLst>
+                  <a:ext uri="{0D108BD9-81ED-4DB2-BD59-A6C34878D82A}">
+                    <a16:rowId xmlns:a16="http://schemas.microsoft.com/office/drawing/2014/main" val="10002"/>
+                  </a:ext>
+                </a:extLst>
               </a:tr>
               <a:tr h="370840">
                 <a:tc>
@@ -7654,16 +7413,12 @@
                     <a:lstStyle/>
                     <a:p>
                       <a:r>
-                        <a:rPr lang="en-CA" sz="1800" dirty="0" smtClean="0">
+                        <a:rPr lang="en-CA" sz="1800" dirty="0">
                           <a:latin typeface="Times New Roman" panose="02020603050405020304" pitchFamily="18" charset="0"/>
                           <a:cs typeface="Times New Roman" panose="02020603050405020304" pitchFamily="18" charset="0"/>
                         </a:rPr>
                         <a:t>     3</a:t>
                       </a:r>
-                      <a:endParaRPr lang="en-CA" sz="1800" dirty="0">
-                        <a:latin typeface="Times New Roman" panose="02020603050405020304" pitchFamily="18" charset="0"/>
-                        <a:cs typeface="Times New Roman" panose="02020603050405020304" pitchFamily="18" charset="0"/>
-                      </a:endParaRPr>
                     </a:p>
                   </a:txBody>
                   <a:tcPr/>
@@ -7691,7 +7446,7 @@
                         <a:defRPr/>
                       </a:pPr>
                       <a:r>
-                        <a:rPr lang="en-US" sz="1800" kern="1200" dirty="0" smtClean="0">
+                        <a:rPr lang="en-US" sz="1800" kern="1200" dirty="0">
                           <a:solidFill>
                             <a:schemeClr val="dk1"/>
                           </a:solidFill>
@@ -7702,7 +7457,7 @@
                         </a:rPr>
                         <a:t>Motor Driver - L293DNE</a:t>
                       </a:r>
-                      <a:endParaRPr lang="en-CA" sz="1800" kern="1200" dirty="0" smtClean="0">
+                      <a:endParaRPr lang="en-CA" sz="1800" kern="1200" dirty="0">
                         <a:solidFill>
                           <a:schemeClr val="dk1"/>
                         </a:solidFill>
@@ -7744,7 +7499,7 @@
                         <a:defRPr/>
                       </a:pPr>
                       <a:r>
-                        <a:rPr lang="en-CA" sz="1800" dirty="0" smtClean="0">
+                        <a:rPr lang="en-CA" sz="1800" dirty="0">
                           <a:latin typeface="Times New Roman" panose="02020603050405020304" pitchFamily="18" charset="0"/>
                           <a:cs typeface="Times New Roman" panose="02020603050405020304" pitchFamily="18" charset="0"/>
                         </a:rPr>
@@ -7767,16 +7522,12 @@
                     <a:lstStyle/>
                     <a:p>
                       <a:r>
-                        <a:rPr lang="en-CA" sz="1800" dirty="0" smtClean="0">
+                        <a:rPr lang="en-CA" sz="1800" dirty="0">
                           <a:latin typeface="Times New Roman" panose="02020603050405020304" pitchFamily="18" charset="0"/>
                           <a:cs typeface="Times New Roman" panose="02020603050405020304" pitchFamily="18" charset="0"/>
                         </a:rPr>
                         <a:t>            4</a:t>
                       </a:r>
-                      <a:endParaRPr lang="en-CA" sz="1800" dirty="0">
-                        <a:latin typeface="Times New Roman" panose="02020603050405020304" pitchFamily="18" charset="0"/>
-                        <a:cs typeface="Times New Roman" panose="02020603050405020304" pitchFamily="18" charset="0"/>
-                      </a:endParaRPr>
                     </a:p>
                   </a:txBody>
                   <a:tcPr/>
@@ -7787,20 +7538,21 @@
                     <a:lstStyle/>
                     <a:p>
                       <a:r>
-                        <a:rPr lang="en-CA" sz="1800" dirty="0" smtClean="0">
+                        <a:rPr lang="en-CA" sz="1800" dirty="0">
                           <a:latin typeface="Times New Roman" panose="02020603050405020304" pitchFamily="18" charset="0"/>
                           <a:cs typeface="Times New Roman" panose="02020603050405020304" pitchFamily="18" charset="0"/>
                         </a:rPr>
                         <a:t>             4</a:t>
                       </a:r>
-                      <a:endParaRPr lang="en-CA" sz="1800" dirty="0">
-                        <a:latin typeface="Times New Roman" panose="02020603050405020304" pitchFamily="18" charset="0"/>
-                        <a:cs typeface="Times New Roman" panose="02020603050405020304" pitchFamily="18" charset="0"/>
-                      </a:endParaRPr>
                     </a:p>
                   </a:txBody>
                   <a:tcPr/>
                 </a:tc>
+                <a:extLst>
+                  <a:ext uri="{0D108BD9-81ED-4DB2-BD59-A6C34878D82A}">
+                    <a16:rowId xmlns:a16="http://schemas.microsoft.com/office/drawing/2014/main" val="10003"/>
+                  </a:ext>
+                </a:extLst>
               </a:tr>
               <a:tr h="370840">
                 <a:tc>
@@ -7809,16 +7561,12 @@
                     <a:lstStyle/>
                     <a:p>
                       <a:r>
-                        <a:rPr lang="en-CA" sz="1800" dirty="0" smtClean="0">
+                        <a:rPr lang="en-CA" sz="1800" dirty="0">
                           <a:latin typeface="Times New Roman" panose="02020603050405020304" pitchFamily="18" charset="0"/>
                           <a:cs typeface="Times New Roman" panose="02020603050405020304" pitchFamily="18" charset="0"/>
                         </a:rPr>
                         <a:t>    4</a:t>
                       </a:r>
-                      <a:endParaRPr lang="en-CA" sz="1800" dirty="0">
-                        <a:latin typeface="Times New Roman" panose="02020603050405020304" pitchFamily="18" charset="0"/>
-                        <a:cs typeface="Times New Roman" panose="02020603050405020304" pitchFamily="18" charset="0"/>
-                      </a:endParaRPr>
                     </a:p>
                   </a:txBody>
                   <a:tcPr/>
@@ -7846,7 +7594,7 @@
                         <a:defRPr/>
                       </a:pPr>
                       <a:r>
-                        <a:rPr lang="en-US" sz="1800" kern="1200" dirty="0" smtClean="0">
+                        <a:rPr lang="en-US" sz="1800" kern="1200" dirty="0">
                           <a:solidFill>
                             <a:schemeClr val="dk1"/>
                           </a:solidFill>
@@ -7857,7 +7605,7 @@
                         </a:rPr>
                         <a:t>Robot Car Chassis kit</a:t>
                       </a:r>
-                      <a:endParaRPr lang="en-CA" sz="1800" kern="1200" dirty="0" smtClean="0">
+                      <a:endParaRPr lang="en-CA" sz="1800" kern="1200" dirty="0">
                         <a:solidFill>
                           <a:schemeClr val="dk1"/>
                         </a:solidFill>
@@ -7899,7 +7647,7 @@
                         <a:defRPr/>
                       </a:pPr>
                       <a:r>
-                        <a:rPr lang="en-CA" sz="1800" dirty="0" smtClean="0">
+                        <a:rPr lang="en-CA" sz="1800" dirty="0">
                           <a:latin typeface="Times New Roman" panose="02020603050405020304" pitchFamily="18" charset="0"/>
                           <a:cs typeface="Times New Roman" panose="02020603050405020304" pitchFamily="18" charset="0"/>
                         </a:rPr>
@@ -7921,16 +7669,12 @@
                     <a:lstStyle/>
                     <a:p>
                       <a:r>
-                        <a:rPr lang="en-CA" sz="1800" dirty="0" smtClean="0">
+                        <a:rPr lang="en-CA" sz="1800" dirty="0">
                           <a:latin typeface="Times New Roman" panose="02020603050405020304" pitchFamily="18" charset="0"/>
                           <a:cs typeface="Times New Roman" panose="02020603050405020304" pitchFamily="18" charset="0"/>
                         </a:rPr>
                         <a:t>           20</a:t>
                       </a:r>
-                      <a:endParaRPr lang="en-CA" sz="1800" dirty="0">
-                        <a:latin typeface="Times New Roman" panose="02020603050405020304" pitchFamily="18" charset="0"/>
-                        <a:cs typeface="Times New Roman" panose="02020603050405020304" pitchFamily="18" charset="0"/>
-                      </a:endParaRPr>
                     </a:p>
                   </a:txBody>
                   <a:tcPr/>
@@ -7941,20 +7685,21 @@
                     <a:lstStyle/>
                     <a:p>
                       <a:r>
-                        <a:rPr lang="en-CA" sz="1800" dirty="0" smtClean="0">
+                        <a:rPr lang="en-CA" sz="1800" dirty="0">
                           <a:latin typeface="Times New Roman" panose="02020603050405020304" pitchFamily="18" charset="0"/>
                           <a:cs typeface="Times New Roman" panose="02020603050405020304" pitchFamily="18" charset="0"/>
                         </a:rPr>
                         <a:t>            20</a:t>
                       </a:r>
-                      <a:endParaRPr lang="en-CA" sz="1800" dirty="0">
-                        <a:latin typeface="Times New Roman" panose="02020603050405020304" pitchFamily="18" charset="0"/>
-                        <a:cs typeface="Times New Roman" panose="02020603050405020304" pitchFamily="18" charset="0"/>
-                      </a:endParaRPr>
                     </a:p>
                   </a:txBody>
                   <a:tcPr/>
                 </a:tc>
+                <a:extLst>
+                  <a:ext uri="{0D108BD9-81ED-4DB2-BD59-A6C34878D82A}">
+                    <a16:rowId xmlns:a16="http://schemas.microsoft.com/office/drawing/2014/main" val="10004"/>
+                  </a:ext>
+                </a:extLst>
               </a:tr>
               <a:tr h="370840">
                 <a:tc>
@@ -7976,14 +7721,14 @@
                     <a:lstStyle/>
                     <a:p>
                       <a:r>
-                        <a:rPr lang="en-CA" sz="1800" dirty="0" smtClean="0">
+                        <a:rPr lang="en-CA" sz="1800" dirty="0">
                           <a:latin typeface="Times New Roman" panose="02020603050405020304" pitchFamily="18" charset="0"/>
                           <a:cs typeface="Times New Roman" panose="02020603050405020304" pitchFamily="18" charset="0"/>
                         </a:rPr>
                         <a:t>       Total</a:t>
                       </a:r>
                       <a:r>
-                        <a:rPr lang="en-CA" sz="1800" baseline="0" dirty="0" smtClean="0">
+                        <a:rPr lang="en-CA" sz="1800" baseline="0" dirty="0">
                           <a:latin typeface="Times New Roman" panose="02020603050405020304" pitchFamily="18" charset="0"/>
                           <a:cs typeface="Times New Roman" panose="02020603050405020304" pitchFamily="18" charset="0"/>
                         </a:rPr>
@@ -8029,20 +7774,21 @@
                     <a:lstStyle/>
                     <a:p>
                       <a:r>
-                        <a:rPr lang="en-CA" sz="1800" dirty="0" smtClean="0">
+                        <a:rPr lang="en-CA" sz="1800" dirty="0">
                           <a:latin typeface="Times New Roman" panose="02020603050405020304" pitchFamily="18" charset="0"/>
                           <a:cs typeface="Times New Roman" panose="02020603050405020304" pitchFamily="18" charset="0"/>
                         </a:rPr>
                         <a:t>           60</a:t>
                       </a:r>
-                      <a:endParaRPr lang="en-CA" sz="1800" dirty="0">
-                        <a:latin typeface="Times New Roman" panose="02020603050405020304" pitchFamily="18" charset="0"/>
-                        <a:cs typeface="Times New Roman" panose="02020603050405020304" pitchFamily="18" charset="0"/>
-                      </a:endParaRPr>
                     </a:p>
                   </a:txBody>
                   <a:tcPr/>
                 </a:tc>
+                <a:extLst>
+                  <a:ext uri="{0D108BD9-81ED-4DB2-BD59-A6C34878D82A}">
+                    <a16:rowId xmlns:a16="http://schemas.microsoft.com/office/drawing/2014/main" val="10005"/>
+                  </a:ext>
+                </a:extLst>
               </a:tr>
             </a:tbl>
           </a:graphicData>
@@ -8058,13 +7804,6 @@
   <p:clrMapOvr>
     <a:masterClrMapping/>
   </p:clrMapOvr>
-  <p:timing>
-    <p:tnLst>
-      <p:par>
-        <p:cTn id="1" dur="indefinite" restart="never" nodeType="tmRoot"/>
-      </p:par>
-    </p:tnLst>
-  </p:timing>
 </p:sld>
 </file>
 
@@ -8108,14 +7847,14 @@
           <a:lstStyle/>
           <a:p>
             <a:r>
-              <a:rPr lang="en-US" dirty="0" smtClean="0">
+              <a:rPr lang="en-US" dirty="0">
                 <a:latin typeface="Times New Roman" panose="02020603050405020304" pitchFamily="18" charset="0"/>
                 <a:cs typeface="Times New Roman" panose="02020603050405020304" pitchFamily="18" charset="0"/>
               </a:rPr>
               <a:t>Deliverables</a:t>
             </a:r>
             <a:br>
-              <a:rPr lang="en-US" dirty="0" smtClean="0">
+              <a:rPr lang="en-US" dirty="0">
                 <a:latin typeface="Times New Roman" panose="02020603050405020304" pitchFamily="18" charset="0"/>
                 <a:cs typeface="Times New Roman" panose="02020603050405020304" pitchFamily="18" charset="0"/>
               </a:rPr>
@@ -8150,7 +7889,7 @@
           <a:lstStyle/>
           <a:p>
             <a:r>
-              <a:rPr lang="en-US" sz="1900" dirty="0" smtClean="0">
+              <a:rPr lang="en-US" sz="1900" dirty="0">
                 <a:latin typeface="Times New Roman" panose="02020603050405020304" pitchFamily="18" charset="0"/>
                 <a:cs typeface="Times New Roman" panose="02020603050405020304" pitchFamily="18" charset="0"/>
               </a:rPr>
@@ -8159,7 +7898,7 @@
           </a:p>
           <a:p>
             <a:r>
-              <a:rPr lang="en-US" sz="1900" dirty="0" smtClean="0">
+              <a:rPr lang="en-US" sz="1900" dirty="0">
                 <a:latin typeface="Times New Roman" panose="02020603050405020304" pitchFamily="18" charset="0"/>
                 <a:cs typeface="Times New Roman" panose="02020603050405020304" pitchFamily="18" charset="0"/>
               </a:rPr>
@@ -8168,7 +7907,7 @@
           </a:p>
           <a:p>
             <a:r>
-              <a:rPr lang="en-US" sz="1900" dirty="0" smtClean="0">
+              <a:rPr lang="en-US" sz="1900" dirty="0">
                 <a:latin typeface="Times New Roman" panose="02020603050405020304" pitchFamily="18" charset="0"/>
                 <a:cs typeface="Times New Roman" panose="02020603050405020304" pitchFamily="18" charset="0"/>
               </a:rPr>
@@ -8177,11 +7916,11 @@
           </a:p>
           <a:p>
             <a:r>
-              <a:rPr lang="en-US" sz="1900" dirty="0" smtClean="0">
+              <a:rPr lang="en-US" sz="1900" dirty="0">
                 <a:latin typeface="Times New Roman" panose="02020603050405020304" pitchFamily="18" charset="0"/>
                 <a:cs typeface="Times New Roman" panose="02020603050405020304" pitchFamily="18" charset="0"/>
               </a:rPr>
-              <a:t>Demo</a:t>
+              <a:t>Working Model</a:t>
             </a:r>
           </a:p>
           <a:p>
@@ -8286,12 +8025,8 @@
             </a:lvl9pPr>
           </a:lstStyle>
           <a:p>
-            <a:r>
-              <a:rPr lang="en-US" dirty="0" smtClean="0"/>
-              <a:t/>
-            </a:r>
             <a:br>
-              <a:rPr lang="en-US" dirty="0" smtClean="0"/>
+              <a:rPr lang="en-US" dirty="0"/>
             </a:br>
             <a:endParaRPr lang="en-US" dirty="0"/>
           </a:p>
@@ -8547,7 +8282,7 @@
           </a:lstStyle>
           <a:p>
             <a:r>
-              <a:rPr lang="en-US" dirty="0" smtClean="0">
+              <a:rPr lang="en-US" dirty="0">
                 <a:latin typeface="Times New Roman" panose="02020603050405020304" pitchFamily="18" charset="0"/>
                 <a:cs typeface="Times New Roman" panose="02020603050405020304" pitchFamily="18" charset="0"/>
               </a:rPr>
@@ -8556,34 +8291,20 @@
           </a:p>
           <a:p>
             <a:r>
-              <a:rPr lang="en-US" dirty="0" smtClean="0">
+              <a:rPr lang="en-US" dirty="0">
                 <a:latin typeface="Times New Roman" panose="02020603050405020304" pitchFamily="18" charset="0"/>
                 <a:cs typeface="Times New Roman" panose="02020603050405020304" pitchFamily="18" charset="0"/>
               </a:rPr>
-              <a:t>Jivanjot Singh </a:t>
-            </a:r>
-            <a:r>
-              <a:rPr lang="en-US" dirty="0" smtClean="0">
+              <a:t>Jivanjot Singh Bajaj</a:t>
+            </a:r>
+          </a:p>
+          <a:p>
+            <a:r>
+              <a:rPr lang="en-US" dirty="0">
                 <a:latin typeface="Times New Roman" panose="02020603050405020304" pitchFamily="18" charset="0"/>
                 <a:cs typeface="Times New Roman" panose="02020603050405020304" pitchFamily="18" charset="0"/>
               </a:rPr>
-              <a:t>Bajaj</a:t>
-            </a:r>
-          </a:p>
-          <a:p>
-            <a:r>
-              <a:rPr lang="en-US" dirty="0" smtClean="0">
-                <a:latin typeface="Times New Roman" panose="02020603050405020304" pitchFamily="18" charset="0"/>
-                <a:cs typeface="Times New Roman" panose="02020603050405020304" pitchFamily="18" charset="0"/>
-              </a:rPr>
-              <a:t>Ganesh </a:t>
-            </a:r>
-            <a:r>
-              <a:rPr lang="en-US" dirty="0" smtClean="0">
-                <a:latin typeface="Times New Roman" panose="02020603050405020304" pitchFamily="18" charset="0"/>
-                <a:cs typeface="Times New Roman" panose="02020603050405020304" pitchFamily="18" charset="0"/>
-              </a:rPr>
-              <a:t>Santhar </a:t>
+              <a:t>Ganesh Santhar </a:t>
             </a:r>
           </a:p>
         </p:txBody>
@@ -8683,14 +8404,14 @@
           </a:lstStyle>
           <a:p>
             <a:r>
-              <a:rPr lang="en-US" dirty="0" smtClean="0">
+              <a:rPr lang="en-US" dirty="0">
                 <a:latin typeface="Times New Roman" panose="02020603050405020304" pitchFamily="18" charset="0"/>
                 <a:cs typeface="Times New Roman" panose="02020603050405020304" pitchFamily="18" charset="0"/>
               </a:rPr>
               <a:t>Team</a:t>
             </a:r>
             <a:br>
-              <a:rPr lang="en-US" dirty="0" smtClean="0">
+              <a:rPr lang="en-US" dirty="0">
                 <a:latin typeface="Times New Roman" panose="02020603050405020304" pitchFamily="18" charset="0"/>
                 <a:cs typeface="Times New Roman" panose="02020603050405020304" pitchFamily="18" charset="0"/>
               </a:rPr>
@@ -8796,12 +8517,8 @@
             </a:lvl9pPr>
           </a:lstStyle>
           <a:p>
-            <a:r>
-              <a:rPr lang="en-US" dirty="0" smtClean="0"/>
-              <a:t/>
-            </a:r>
             <a:br>
-              <a:rPr lang="en-US" dirty="0" smtClean="0"/>
+              <a:rPr lang="en-US" dirty="0"/>
             </a:br>
             <a:endParaRPr lang="en-US" dirty="0"/>
           </a:p>
@@ -8902,7 +8619,7 @@
           </a:lstStyle>
           <a:p>
             <a:r>
-              <a:rPr lang="en-US" dirty="0" smtClean="0">
+              <a:rPr lang="en-US" dirty="0">
                 <a:latin typeface="Times New Roman" panose="02020603050405020304" pitchFamily="18" charset="0"/>
                 <a:cs typeface="Times New Roman" panose="02020603050405020304" pitchFamily="18" charset="0"/>
               </a:rPr>
@@ -8910,12 +8627,8 @@
             </a:r>
           </a:p>
           <a:p>
-            <a:r>
-              <a:rPr lang="en-US" dirty="0" smtClean="0"/>
-              <a:t/>
-            </a:r>
             <a:br>
-              <a:rPr lang="en-US" dirty="0" smtClean="0"/>
+              <a:rPr lang="en-US" dirty="0"/>
             </a:br>
             <a:endParaRPr lang="en-US" dirty="0"/>
           </a:p>
@@ -9170,7 +8883,7 @@
             </a:lvl9pPr>
           </a:lstStyle>
           <a:p>
-            <a:endParaRPr lang="en-US" dirty="0" smtClean="0"/>
+            <a:endParaRPr lang="en-US" dirty="0"/>
           </a:p>
         </p:txBody>
       </p:sp>
@@ -9427,30 +9140,19 @@
               <a:buNone/>
             </a:pPr>
             <a:r>
-              <a:rPr lang="en-US" sz="1600" dirty="0" smtClean="0">
+              <a:rPr lang="en-US" sz="1600" dirty="0">
                 <a:latin typeface="Times New Roman" panose="02020603050405020304" pitchFamily="18" charset="0"/>
                 <a:cs typeface="Times New Roman" panose="02020603050405020304" pitchFamily="18" charset="0"/>
               </a:rPr>
-              <a:t>	</a:t>
-            </a:r>
-            <a:r>
-              <a:rPr lang="en-US" dirty="0" smtClean="0">
-                <a:latin typeface="Times New Roman" panose="02020603050405020304" pitchFamily="18" charset="0"/>
-                <a:cs typeface="Times New Roman" panose="02020603050405020304" pitchFamily="18" charset="0"/>
-              </a:rPr>
-              <a:t>https</a:t>
+              <a:t>    </a:t>
             </a:r>
             <a:r>
               <a:rPr lang="en-US" dirty="0">
                 <a:latin typeface="Times New Roman" panose="02020603050405020304" pitchFamily="18" charset="0"/>
                 <a:cs typeface="Times New Roman" panose="02020603050405020304" pitchFamily="18" charset="0"/>
               </a:rPr>
-              <a:t>://github.com/gsanthar/Automatic-Braking-System</a:t>
-            </a:r>
-            <a:endParaRPr lang="en-US" dirty="0" smtClean="0">
-              <a:latin typeface="Times New Roman" panose="02020603050405020304" pitchFamily="18" charset="0"/>
-              <a:cs typeface="Times New Roman" panose="02020603050405020304" pitchFamily="18" charset="0"/>
-            </a:endParaRPr>
+              <a:t>https://github.com/gsanthar/Automatic-Braking-System</a:t>
+            </a:r>
           </a:p>
         </p:txBody>
       </p:sp>
@@ -9464,13 +9166,6 @@
   <p:clrMapOvr>
     <a:masterClrMapping/>
   </p:clrMapOvr>
-  <p:timing>
-    <p:tnLst>
-      <p:par>
-        <p:cTn id="1" dur="indefinite" restart="never" nodeType="tmRoot"/>
-      </p:par>
-    </p:tnLst>
-  </p:timing>
 </p:sld>
 </file>
 

--- a/Project-Proposal/Automatic Braking System.pptx
+++ b/Project-Proposal/Automatic Braking System.pptx
@@ -5864,15 +5864,10 @@
             <a:spLocks noGrp="1"/>
           </p:cNvSpPr>
           <p:nvPr>
-            <p:ph type="title"/>
-          </p:nvPr>
-        </p:nvSpPr>
-        <p:spPr>
-          <a:xfrm>
-            <a:off x="543519" y="2148468"/>
-            <a:ext cx="8596668" cy="1320800"/>
-          </a:xfrm>
-        </p:spPr>
+            <p:ph type="ctrTitle"/>
+          </p:nvPr>
+        </p:nvSpPr>
+        <p:spPr/>
         <p:txBody>
           <a:bodyPr>
             <a:normAutofit fontScale="90000"/>
@@ -5881,19 +5876,115 @@
           <a:p>
             <a:pPr algn="ctr"/>
             <a:r>
-              <a:rPr lang="en-US" sz="7800" dirty="0">
+              <a:rPr lang="en-US" sz="7800" dirty="0" smtClean="0">
                 <a:latin typeface="Times New Roman" panose="02020603050405020304" pitchFamily="18" charset="0"/>
                 <a:cs typeface="Times New Roman" panose="02020603050405020304" pitchFamily="18" charset="0"/>
               </a:rPr>
               <a:t>Automatic</a:t>
             </a:r>
             <a:r>
-              <a:rPr lang="en-US" sz="7000" dirty="0">
+              <a:rPr lang="en-US" sz="7000" dirty="0" smtClean="0">
                 <a:latin typeface="Times New Roman" panose="02020603050405020304" pitchFamily="18" charset="0"/>
                 <a:cs typeface="Times New Roman" panose="02020603050405020304" pitchFamily="18" charset="0"/>
               </a:rPr>
               <a:t> Braking System</a:t>
             </a:r>
+            <a:endParaRPr lang="en-US" sz="7000" dirty="0">
+              <a:latin typeface="Times New Roman" panose="02020603050405020304" pitchFamily="18" charset="0"/>
+              <a:cs typeface="Times New Roman" panose="02020603050405020304" pitchFamily="18" charset="0"/>
+            </a:endParaRPr>
+          </a:p>
+        </p:txBody>
+      </p:sp>
+      <p:sp>
+        <p:nvSpPr>
+          <p:cNvPr id="4" name="Subtitle 3"/>
+          <p:cNvSpPr>
+            <a:spLocks noGrp="1"/>
+          </p:cNvSpPr>
+          <p:nvPr>
+            <p:ph type="subTitle" idx="1"/>
+          </p:nvPr>
+        </p:nvSpPr>
+        <p:spPr>
+          <a:xfrm>
+            <a:off x="1507067" y="4050833"/>
+            <a:ext cx="7766936" cy="1489888"/>
+          </a:xfrm>
+        </p:spPr>
+        <p:txBody>
+          <a:bodyPr>
+            <a:normAutofit/>
+          </a:bodyPr>
+          <a:lstStyle/>
+          <a:p>
+            <a:r>
+              <a:rPr lang="en-US" b="1" dirty="0" err="1" smtClean="0">
+                <a:solidFill>
+                  <a:schemeClr val="tx1"/>
+                </a:solidFill>
+                <a:latin typeface="Times New Roman" panose="02020603050405020304" pitchFamily="18" charset="0"/>
+                <a:cs typeface="Times New Roman" panose="02020603050405020304" pitchFamily="18" charset="0"/>
+              </a:rPr>
+              <a:t>Kamalpreet</a:t>
+            </a:r>
+            <a:r>
+              <a:rPr lang="en-US" b="1" dirty="0" smtClean="0">
+                <a:solidFill>
+                  <a:schemeClr val="tx1"/>
+                </a:solidFill>
+                <a:latin typeface="Times New Roman" panose="02020603050405020304" pitchFamily="18" charset="0"/>
+                <a:cs typeface="Times New Roman" panose="02020603050405020304" pitchFamily="18" charset="0"/>
+              </a:rPr>
+              <a:t> </a:t>
+            </a:r>
+            <a:r>
+              <a:rPr lang="en-US" b="1" dirty="0">
+                <a:solidFill>
+                  <a:schemeClr val="tx1"/>
+                </a:solidFill>
+                <a:latin typeface="Times New Roman" panose="02020603050405020304" pitchFamily="18" charset="0"/>
+                <a:cs typeface="Times New Roman" panose="02020603050405020304" pitchFamily="18" charset="0"/>
+              </a:rPr>
+              <a:t>Grewal</a:t>
+            </a:r>
+          </a:p>
+          <a:p>
+            <a:r>
+              <a:rPr lang="en-US" b="1" dirty="0" err="1">
+                <a:solidFill>
+                  <a:schemeClr val="tx1"/>
+                </a:solidFill>
+                <a:latin typeface="Times New Roman" panose="02020603050405020304" pitchFamily="18" charset="0"/>
+                <a:cs typeface="Times New Roman" panose="02020603050405020304" pitchFamily="18" charset="0"/>
+              </a:rPr>
+              <a:t>Jivanjot</a:t>
+            </a:r>
+            <a:r>
+              <a:rPr lang="en-US" b="1" dirty="0">
+                <a:solidFill>
+                  <a:schemeClr val="tx1"/>
+                </a:solidFill>
+                <a:latin typeface="Times New Roman" panose="02020603050405020304" pitchFamily="18" charset="0"/>
+                <a:cs typeface="Times New Roman" panose="02020603050405020304" pitchFamily="18" charset="0"/>
+              </a:rPr>
+              <a:t> Singh Bajaj</a:t>
+            </a:r>
+          </a:p>
+          <a:p>
+            <a:r>
+              <a:rPr lang="en-US" b="1" dirty="0">
+                <a:solidFill>
+                  <a:schemeClr val="tx1"/>
+                </a:solidFill>
+                <a:latin typeface="Times New Roman" panose="02020603050405020304" pitchFamily="18" charset="0"/>
+                <a:cs typeface="Times New Roman" panose="02020603050405020304" pitchFamily="18" charset="0"/>
+              </a:rPr>
+              <a:t>Ganesh Santhar </a:t>
+            </a:r>
+          </a:p>
+          <a:p>
+            <a:endParaRPr lang="en-US" dirty="0"/>
           </a:p>
         </p:txBody>
       </p:sp>
@@ -5985,20 +6076,80 @@
               <a:buNone/>
             </a:pPr>
             <a:r>
-              <a:rPr lang="en-US" sz="2000" dirty="0">
+              <a:rPr lang="en-US" sz="2000" dirty="0" smtClean="0">
                 <a:solidFill>
                   <a:schemeClr val="tx1"/>
                 </a:solidFill>
                 <a:latin typeface="Times New Roman" panose="02020603050405020304" pitchFamily="18" charset="0"/>
                 <a:cs typeface="Times New Roman" panose="02020603050405020304" pitchFamily="18" charset="0"/>
               </a:rPr>
-              <a:t>We are presenting a proposal to add safety feature in automotive vehicles that includes :</a:t>
+              <a:t>Present a Project</a:t>
+            </a:r>
+            <a:r>
+              <a:rPr lang="en-US" sz="2000" dirty="0" smtClean="0">
+                <a:solidFill>
+                  <a:schemeClr val="tx1"/>
+                </a:solidFill>
+                <a:latin typeface="Times New Roman" panose="02020603050405020304" pitchFamily="18" charset="0"/>
+                <a:cs typeface="Times New Roman" panose="02020603050405020304" pitchFamily="18" charset="0"/>
+              </a:rPr>
+              <a:t> </a:t>
+            </a:r>
+            <a:r>
+              <a:rPr lang="en-US" sz="2000" dirty="0">
+                <a:solidFill>
+                  <a:schemeClr val="tx1"/>
+                </a:solidFill>
+                <a:latin typeface="Times New Roman" panose="02020603050405020304" pitchFamily="18" charset="0"/>
+                <a:cs typeface="Times New Roman" panose="02020603050405020304" pitchFamily="18" charset="0"/>
+              </a:rPr>
+              <a:t>proposal </a:t>
+            </a:r>
+            <a:r>
+              <a:rPr lang="en-US" sz="2000" dirty="0" smtClean="0">
+                <a:solidFill>
+                  <a:schemeClr val="tx1"/>
+                </a:solidFill>
+                <a:latin typeface="Times New Roman" panose="02020603050405020304" pitchFamily="18" charset="0"/>
+                <a:cs typeface="Times New Roman" panose="02020603050405020304" pitchFamily="18" charset="0"/>
+              </a:rPr>
+              <a:t>in </a:t>
+            </a:r>
+            <a:r>
+              <a:rPr lang="en-US" sz="2000" dirty="0">
+                <a:solidFill>
+                  <a:schemeClr val="tx1"/>
+                </a:solidFill>
+                <a:latin typeface="Times New Roman" panose="02020603050405020304" pitchFamily="18" charset="0"/>
+                <a:cs typeface="Times New Roman" panose="02020603050405020304" pitchFamily="18" charset="0"/>
+              </a:rPr>
+              <a:t>automotive </a:t>
+            </a:r>
+            <a:r>
+              <a:rPr lang="en-US" sz="2000" dirty="0" smtClean="0">
+                <a:solidFill>
+                  <a:schemeClr val="tx1"/>
+                </a:solidFill>
+                <a:latin typeface="Times New Roman" panose="02020603050405020304" pitchFamily="18" charset="0"/>
+                <a:cs typeface="Times New Roman" panose="02020603050405020304" pitchFamily="18" charset="0"/>
+              </a:rPr>
+              <a:t>domain based on ARM Cortex M0.</a:t>
             </a:r>
           </a:p>
           <a:p>
             <a:pPr marL="0" indent="0">
               <a:buNone/>
             </a:pPr>
+            <a:r>
+              <a:rPr lang="en-US" sz="2000" dirty="0" smtClean="0">
+                <a:solidFill>
+                  <a:schemeClr val="tx1"/>
+                </a:solidFill>
+                <a:latin typeface="Times New Roman" panose="02020603050405020304" pitchFamily="18" charset="0"/>
+                <a:cs typeface="Times New Roman" panose="02020603050405020304" pitchFamily="18" charset="0"/>
+              </a:rPr>
+              <a:t>The Proposal consists of below elements</a:t>
+            </a:r>
             <a:endParaRPr lang="en-US" sz="2000" dirty="0">
               <a:solidFill>
                 <a:schemeClr val="tx1"/>
@@ -6566,7 +6717,7 @@
           <a:graphicData uri="http://schemas.openxmlformats.org/presentationml/2006/ole">
             <mc:AlternateContent xmlns:mc="http://schemas.openxmlformats.org/markup-compatibility/2006">
               <mc:Choice xmlns:v="urn:schemas-microsoft-com:vml" Requires="v">
-                <p:oleObj spid="_x0000_s1119" name="Visio" r:id="rId3" imgW="7121515" imgH="3491100" progId="Visio.Drawing.15">
+                <p:oleObj spid="_x0000_s1124" name="Visio" r:id="rId3" imgW="7121515" imgH="3491100" progId="Visio.Drawing.15">
                   <p:embed/>
                 </p:oleObj>
               </mc:Choice>
@@ -6750,12 +6901,16 @@
           <a:lstStyle/>
           <a:p>
             <a:r>
-              <a:rPr lang="en-US" dirty="0">
+              <a:rPr lang="en-US" dirty="0" smtClean="0">
                 <a:latin typeface="Times New Roman" panose="02020603050405020304" pitchFamily="18" charset="0"/>
                 <a:cs typeface="Times New Roman" panose="02020603050405020304" pitchFamily="18" charset="0"/>
               </a:rPr>
-              <a:t>Implementation Methodology</a:t>
-            </a:r>
+              <a:t>Project Development Process</a:t>
+            </a:r>
+            <a:endParaRPr lang="en-US" dirty="0">
+              <a:latin typeface="Times New Roman" panose="02020603050405020304" pitchFamily="18" charset="0"/>
+              <a:cs typeface="Times New Roman" panose="02020603050405020304" pitchFamily="18" charset="0"/>
+            </a:endParaRPr>
           </a:p>
         </p:txBody>
       </p:sp>
@@ -6918,35 +7073,35 @@
                 <a:gridCol w="933129">
                   <a:extLst>
                     <a:ext uri="{9D8B030D-6E8A-4147-A177-3AD203B41FA5}">
-                      <a16:colId xmlns:a16="http://schemas.microsoft.com/office/drawing/2014/main" val="20000"/>
+                      <a16:colId xmlns:a16="http://schemas.microsoft.com/office/drawing/2014/main" xmlns="" val="20000"/>
                     </a:ext>
                   </a:extLst>
                 </a:gridCol>
                 <a:gridCol w="2670982">
                   <a:extLst>
                     <a:ext uri="{9D8B030D-6E8A-4147-A177-3AD203B41FA5}">
-                      <a16:colId xmlns:a16="http://schemas.microsoft.com/office/drawing/2014/main" val="20001"/>
+                      <a16:colId xmlns:a16="http://schemas.microsoft.com/office/drawing/2014/main" xmlns="" val="20001"/>
                     </a:ext>
                   </a:extLst>
                 </a:gridCol>
                 <a:gridCol w="1383217">
                   <a:extLst>
                     <a:ext uri="{9D8B030D-6E8A-4147-A177-3AD203B41FA5}">
-                      <a16:colId xmlns:a16="http://schemas.microsoft.com/office/drawing/2014/main" val="20002"/>
+                      <a16:colId xmlns:a16="http://schemas.microsoft.com/office/drawing/2014/main" xmlns="" val="20002"/>
                     </a:ext>
                   </a:extLst>
                 </a:gridCol>
                 <a:gridCol w="1594391">
                   <a:extLst>
                     <a:ext uri="{9D8B030D-6E8A-4147-A177-3AD203B41FA5}">
-                      <a16:colId xmlns:a16="http://schemas.microsoft.com/office/drawing/2014/main" val="20003"/>
+                      <a16:colId xmlns:a16="http://schemas.microsoft.com/office/drawing/2014/main" xmlns="" val="20003"/>
                     </a:ext>
                   </a:extLst>
                 </a:gridCol>
                 <a:gridCol w="1594391">
                   <a:extLst>
                     <a:ext uri="{9D8B030D-6E8A-4147-A177-3AD203B41FA5}">
-                      <a16:colId xmlns:a16="http://schemas.microsoft.com/office/drawing/2014/main" val="20004"/>
+                      <a16:colId xmlns:a16="http://schemas.microsoft.com/office/drawing/2014/main" xmlns="" val="20004"/>
                     </a:ext>
                   </a:extLst>
                 </a:gridCol>
@@ -7039,7 +7194,7 @@
                 </a:tc>
                 <a:extLst>
                   <a:ext uri="{0D108BD9-81ED-4DB2-BD59-A6C34878D82A}">
-                    <a16:rowId xmlns:a16="http://schemas.microsoft.com/office/drawing/2014/main" val="10000"/>
+                    <a16:rowId xmlns:a16="http://schemas.microsoft.com/office/drawing/2014/main" xmlns="" val="10000"/>
                   </a:ext>
                 </a:extLst>
               </a:tr>
@@ -7224,7 +7379,7 @@
                 </a:tc>
                 <a:extLst>
                   <a:ext uri="{0D108BD9-81ED-4DB2-BD59-A6C34878D82A}">
-                    <a16:rowId xmlns:a16="http://schemas.microsoft.com/office/drawing/2014/main" val="10001"/>
+                    <a16:rowId xmlns:a16="http://schemas.microsoft.com/office/drawing/2014/main" xmlns="" val="10001"/>
                   </a:ext>
                 </a:extLst>
               </a:tr>
@@ -7402,7 +7557,7 @@
                 </a:tc>
                 <a:extLst>
                   <a:ext uri="{0D108BD9-81ED-4DB2-BD59-A6C34878D82A}">
-                    <a16:rowId xmlns:a16="http://schemas.microsoft.com/office/drawing/2014/main" val="10002"/>
+                    <a16:rowId xmlns:a16="http://schemas.microsoft.com/office/drawing/2014/main" xmlns="" val="10002"/>
                   </a:ext>
                 </a:extLst>
               </a:tr>
@@ -7550,7 +7705,7 @@
                 </a:tc>
                 <a:extLst>
                   <a:ext uri="{0D108BD9-81ED-4DB2-BD59-A6C34878D82A}">
-                    <a16:rowId xmlns:a16="http://schemas.microsoft.com/office/drawing/2014/main" val="10003"/>
+                    <a16:rowId xmlns:a16="http://schemas.microsoft.com/office/drawing/2014/main" xmlns="" val="10003"/>
                   </a:ext>
                 </a:extLst>
               </a:tr>
@@ -7697,7 +7852,7 @@
                 </a:tc>
                 <a:extLst>
                   <a:ext uri="{0D108BD9-81ED-4DB2-BD59-A6C34878D82A}">
-                    <a16:rowId xmlns:a16="http://schemas.microsoft.com/office/drawing/2014/main" val="10004"/>
+                    <a16:rowId xmlns:a16="http://schemas.microsoft.com/office/drawing/2014/main" xmlns="" val="10004"/>
                   </a:ext>
                 </a:extLst>
               </a:tr>
@@ -7786,7 +7941,7 @@
                 </a:tc>
                 <a:extLst>
                   <a:ext uri="{0D108BD9-81ED-4DB2-BD59-A6C34878D82A}">
-                    <a16:rowId xmlns:a16="http://schemas.microsoft.com/office/drawing/2014/main" val="10005"/>
+                    <a16:rowId xmlns:a16="http://schemas.microsoft.com/office/drawing/2014/main" xmlns="" val="10005"/>
                   </a:ext>
                 </a:extLst>
               </a:tr>
@@ -7836,7 +7991,7 @@
         </p:nvSpPr>
         <p:spPr>
           <a:xfrm>
-            <a:off x="430555" y="361908"/>
+            <a:off x="530171" y="689576"/>
             <a:ext cx="8596668" cy="573911"/>
           </a:xfrm>
         </p:spPr>
@@ -7878,7 +8033,7 @@
         </p:nvSpPr>
         <p:spPr>
           <a:xfrm>
-            <a:off x="547765" y="1062377"/>
+            <a:off x="565360" y="1683808"/>
             <a:ext cx="8561479" cy="1445413"/>
           </a:xfrm>
         </p:spPr>
@@ -8025,6 +8180,10 @@
             </a:lvl9pPr>
           </a:lstStyle>
           <a:p>
+            <a:r>
+              <a:rPr lang="en-US" dirty="0"/>
+              <a:t/>
+            </a:r>
             <a:br>
               <a:rPr lang="en-US" dirty="0"/>
             </a:br>
@@ -8281,141 +8440,6 @@
             </a:lvl9pPr>
           </a:lstStyle>
           <a:p>
-            <a:r>
-              <a:rPr lang="en-US" dirty="0">
-                <a:latin typeface="Times New Roman" panose="02020603050405020304" pitchFamily="18" charset="0"/>
-                <a:cs typeface="Times New Roman" panose="02020603050405020304" pitchFamily="18" charset="0"/>
-              </a:rPr>
-              <a:t>Kamalpreet Grewal</a:t>
-            </a:r>
-          </a:p>
-          <a:p>
-            <a:r>
-              <a:rPr lang="en-US" dirty="0">
-                <a:latin typeface="Times New Roman" panose="02020603050405020304" pitchFamily="18" charset="0"/>
-                <a:cs typeface="Times New Roman" panose="02020603050405020304" pitchFamily="18" charset="0"/>
-              </a:rPr>
-              <a:t>Jivanjot Singh Bajaj</a:t>
-            </a:r>
-          </a:p>
-          <a:p>
-            <a:r>
-              <a:rPr lang="en-US" dirty="0">
-                <a:latin typeface="Times New Roman" panose="02020603050405020304" pitchFamily="18" charset="0"/>
-                <a:cs typeface="Times New Roman" panose="02020603050405020304" pitchFamily="18" charset="0"/>
-              </a:rPr>
-              <a:t>Ganesh Santhar </a:t>
-            </a:r>
-          </a:p>
-        </p:txBody>
-      </p:sp>
-      <p:sp>
-        <p:nvSpPr>
-          <p:cNvPr id="7" name="Title 1"/>
-          <p:cNvSpPr txBox="1">
-            <a:spLocks/>
-          </p:cNvSpPr>
-          <p:nvPr/>
-        </p:nvSpPr>
-        <p:spPr>
-          <a:xfrm>
-            <a:off x="512577" y="2539561"/>
-            <a:ext cx="8596668" cy="715953"/>
-          </a:xfrm>
-          <a:prstGeom prst="rect">
-            <a:avLst/>
-          </a:prstGeom>
-        </p:spPr>
-        <p:txBody>
-          <a:bodyPr vert="horz" lIns="91440" tIns="45720" rIns="91440" bIns="45720" rtlCol="0" anchor="t">
-            <a:noAutofit/>
-          </a:bodyPr>
-          <a:lstStyle>
-            <a:lvl1pPr algn="l" defTabSz="457200" rtl="0" eaLnBrk="1" latinLnBrk="0" hangingPunct="1">
-              <a:spcBef>
-                <a:spcPct val="0"/>
-              </a:spcBef>
-              <a:buNone/>
-              <a:defRPr sz="3600" kern="1200">
-                <a:solidFill>
-                  <a:schemeClr val="accent1"/>
-                </a:solidFill>
-                <a:latin typeface="+mj-lt"/>
-                <a:ea typeface="+mj-ea"/>
-                <a:cs typeface="+mj-cs"/>
-              </a:defRPr>
-            </a:lvl1pPr>
-            <a:lvl2pPr eaLnBrk="1" hangingPunct="1">
-              <a:defRPr>
-                <a:solidFill>
-                  <a:schemeClr val="tx2"/>
-                </a:solidFill>
-              </a:defRPr>
-            </a:lvl2pPr>
-            <a:lvl3pPr eaLnBrk="1" hangingPunct="1">
-              <a:defRPr>
-                <a:solidFill>
-                  <a:schemeClr val="tx2"/>
-                </a:solidFill>
-              </a:defRPr>
-            </a:lvl3pPr>
-            <a:lvl4pPr eaLnBrk="1" hangingPunct="1">
-              <a:defRPr>
-                <a:solidFill>
-                  <a:schemeClr val="tx2"/>
-                </a:solidFill>
-              </a:defRPr>
-            </a:lvl4pPr>
-            <a:lvl5pPr eaLnBrk="1" hangingPunct="1">
-              <a:defRPr>
-                <a:solidFill>
-                  <a:schemeClr val="tx2"/>
-                </a:solidFill>
-              </a:defRPr>
-            </a:lvl5pPr>
-            <a:lvl6pPr eaLnBrk="1" hangingPunct="1">
-              <a:defRPr>
-                <a:solidFill>
-                  <a:schemeClr val="tx2"/>
-                </a:solidFill>
-              </a:defRPr>
-            </a:lvl6pPr>
-            <a:lvl7pPr eaLnBrk="1" hangingPunct="1">
-              <a:defRPr>
-                <a:solidFill>
-                  <a:schemeClr val="tx2"/>
-                </a:solidFill>
-              </a:defRPr>
-            </a:lvl7pPr>
-            <a:lvl8pPr eaLnBrk="1" hangingPunct="1">
-              <a:defRPr>
-                <a:solidFill>
-                  <a:schemeClr val="tx2"/>
-                </a:solidFill>
-              </a:defRPr>
-            </a:lvl8pPr>
-            <a:lvl9pPr eaLnBrk="1" hangingPunct="1">
-              <a:defRPr>
-                <a:solidFill>
-                  <a:schemeClr val="tx2"/>
-                </a:solidFill>
-              </a:defRPr>
-            </a:lvl9pPr>
-          </a:lstStyle>
-          <a:p>
-            <a:r>
-              <a:rPr lang="en-US" dirty="0">
-                <a:latin typeface="Times New Roman" panose="02020603050405020304" pitchFamily="18" charset="0"/>
-                <a:cs typeface="Times New Roman" panose="02020603050405020304" pitchFamily="18" charset="0"/>
-              </a:rPr>
-              <a:t>Team</a:t>
-            </a:r>
-            <a:br>
-              <a:rPr lang="en-US" dirty="0">
-                <a:latin typeface="Times New Roman" panose="02020603050405020304" pitchFamily="18" charset="0"/>
-                <a:cs typeface="Times New Roman" panose="02020603050405020304" pitchFamily="18" charset="0"/>
-              </a:rPr>
-            </a:br>
             <a:endParaRPr lang="en-US" dirty="0">
               <a:latin typeface="Times New Roman" panose="02020603050405020304" pitchFamily="18" charset="0"/>
               <a:cs typeface="Times New Roman" panose="02020603050405020304" pitchFamily="18" charset="0"/>
@@ -8517,6 +8541,10 @@
             </a:lvl9pPr>
           </a:lstStyle>
           <a:p>
+            <a:r>
+              <a:rPr lang="en-US" dirty="0"/>
+              <a:t/>
+            </a:r>
             <a:br>
               <a:rPr lang="en-US" dirty="0"/>
             </a:br>
@@ -8534,7 +8562,7 @@
         </p:nvSpPr>
         <p:spPr>
           <a:xfrm>
-            <a:off x="547766" y="4501192"/>
+            <a:off x="512577" y="3559059"/>
             <a:ext cx="8596668" cy="660400"/>
           </a:xfrm>
           <a:prstGeom prst="rect">
@@ -8627,6 +8655,10 @@
             </a:r>
           </a:p>
           <a:p>
+            <a:r>
+              <a:rPr lang="en-US" dirty="0"/>
+              <a:t/>
+            </a:r>
             <a:br>
               <a:rPr lang="en-US" dirty="0"/>
             </a:br>
@@ -8897,7 +8929,7 @@
         </p:nvSpPr>
         <p:spPr>
           <a:xfrm>
-            <a:off x="360533" y="5197989"/>
+            <a:off x="547765" y="4691951"/>
             <a:ext cx="8596668" cy="776234"/>
           </a:xfrm>
           <a:prstGeom prst="rect">
@@ -9140,18 +9172,18 @@
               <a:buNone/>
             </a:pPr>
             <a:r>
-              <a:rPr lang="en-US" sz="1600" dirty="0">
+              <a:rPr lang="en-US" dirty="0" smtClean="0">
                 <a:latin typeface="Times New Roman" panose="02020603050405020304" pitchFamily="18" charset="0"/>
                 <a:cs typeface="Times New Roman" panose="02020603050405020304" pitchFamily="18" charset="0"/>
               </a:rPr>
-              <a:t>    </a:t>
+              <a:t>https</a:t>
             </a:r>
             <a:r>
               <a:rPr lang="en-US" dirty="0">
                 <a:latin typeface="Times New Roman" panose="02020603050405020304" pitchFamily="18" charset="0"/>
                 <a:cs typeface="Times New Roman" panose="02020603050405020304" pitchFamily="18" charset="0"/>
               </a:rPr>
-              <a:t>https://github.com/gsanthar/Automatic-Braking-System</a:t>
+              <a:t>://github.com/gsanthar/Automatic-Braking-System</a:t>
             </a:r>
           </a:p>
         </p:txBody>

--- a/Project-Proposal/Automatic Braking System.pptx
+++ b/Project-Proposal/Automatic Braking System.pptx
@@ -10,8 +10,8 @@
     <p:sldId id="260" r:id="rId4"/>
     <p:sldId id="257" r:id="rId5"/>
     <p:sldId id="264" r:id="rId6"/>
-    <p:sldId id="265" r:id="rId7"/>
-    <p:sldId id="259" r:id="rId8"/>
+    <p:sldId id="259" r:id="rId7"/>
+    <p:sldId id="265" r:id="rId8"/>
     <p:sldId id="262" r:id="rId9"/>
     <p:sldId id="263" r:id="rId10"/>
   </p:sldIdLst>
@@ -5998,6 +5998,13 @@
   <p:clrMapOvr>
     <a:masterClrMapping/>
   </p:clrMapOvr>
+  <p:timing>
+    <p:tnLst>
+      <p:par>
+        <p:cTn id="1" dur="indefinite" restart="never" nodeType="tmRoot"/>
+      </p:par>
+    </p:tnLst>
+  </p:timing>
 </p:sld>
 </file>
 
@@ -6083,17 +6090,7 @@
                 <a:latin typeface="Times New Roman" panose="02020603050405020304" pitchFamily="18" charset="0"/>
                 <a:cs typeface="Times New Roman" panose="02020603050405020304" pitchFamily="18" charset="0"/>
               </a:rPr>
-              <a:t>Present a Project</a:t>
-            </a:r>
-            <a:r>
-              <a:rPr lang="en-US" sz="2000" dirty="0" smtClean="0">
-                <a:solidFill>
-                  <a:schemeClr val="tx1"/>
-                </a:solidFill>
-                <a:latin typeface="Times New Roman" panose="02020603050405020304" pitchFamily="18" charset="0"/>
-                <a:cs typeface="Times New Roman" panose="02020603050405020304" pitchFamily="18" charset="0"/>
-              </a:rPr>
-              <a:t> </a:t>
+              <a:t>Present a Project </a:t>
             </a:r>
             <a:r>
               <a:rPr lang="en-US" sz="2000" dirty="0">
@@ -6242,6 +6239,13 @@
   <p:clrMapOvr>
     <a:masterClrMapping/>
   </p:clrMapOvr>
+  <p:timing>
+    <p:tnLst>
+      <p:par>
+        <p:cTn id="1" dur="indefinite" restart="never" nodeType="tmRoot"/>
+      </p:par>
+    </p:tnLst>
+  </p:timing>
 </p:sld>
 </file>
 
@@ -6349,7 +6353,27 @@
                 <a:latin typeface="Times New Roman" panose="02020603050405020304" pitchFamily="18" charset="0"/>
                 <a:cs typeface="Times New Roman" panose="02020603050405020304" pitchFamily="18" charset="0"/>
               </a:rPr>
-              <a:t>Design and implement Automatic Braking system based on ARM Cortex – MO microcontroller to detect obstacle for  automotive vehicles and prevent it from colliding against the obstacle by braking the system and disabling the acceleration.</a:t>
+              <a:t>Design and implement Automatic Braking system based on ARM Cortex – </a:t>
+            </a:r>
+            <a:r>
+              <a:rPr lang="en-US" dirty="0" smtClean="0">
+                <a:solidFill>
+                  <a:schemeClr val="tx1"/>
+                </a:solidFill>
+                <a:latin typeface="Times New Roman" panose="02020603050405020304" pitchFamily="18" charset="0"/>
+                <a:cs typeface="Times New Roman" panose="02020603050405020304" pitchFamily="18" charset="0"/>
+              </a:rPr>
+              <a:t>M0 </a:t>
+            </a:r>
+            <a:r>
+              <a:rPr lang="en-US" dirty="0">
+                <a:solidFill>
+                  <a:schemeClr val="tx1"/>
+                </a:solidFill>
+                <a:latin typeface="Times New Roman" panose="02020603050405020304" pitchFamily="18" charset="0"/>
+                <a:cs typeface="Times New Roman" panose="02020603050405020304" pitchFamily="18" charset="0"/>
+              </a:rPr>
+              <a:t>microcontroller to detect obstacle for  automotive vehicles and prevent it from colliding against the obstacle by braking the system and disabling the acceleration.</a:t>
             </a:r>
           </a:p>
           <a:p>
@@ -6421,6 +6445,13 @@
   <p:clrMapOvr>
     <a:masterClrMapping/>
   </p:clrMapOvr>
+  <p:timing>
+    <p:tnLst>
+      <p:par>
+        <p:cTn id="1" dur="indefinite" restart="never" nodeType="tmRoot"/>
+      </p:par>
+    </p:tnLst>
+  </p:timing>
 </p:sld>
 </file>
 
@@ -6587,6 +6618,13 @@
   <p:clrMapOvr>
     <a:masterClrMapping/>
   </p:clrMapOvr>
+  <p:timing>
+    <p:tnLst>
+      <p:par>
+        <p:cTn id="1" dur="indefinite" restart="never" nodeType="tmRoot"/>
+      </p:par>
+    </p:tnLst>
+  </p:timing>
 </p:sld>
 </file>
 
@@ -6717,7 +6755,7 @@
           <a:graphicData uri="http://schemas.openxmlformats.org/presentationml/2006/ole">
             <mc:AlternateContent xmlns:mc="http://schemas.openxmlformats.org/markup-compatibility/2006">
               <mc:Choice xmlns:v="urn:schemas-microsoft-com:vml" Requires="v">
-                <p:oleObj spid="_x0000_s1124" name="Visio" r:id="rId3" imgW="7121515" imgH="3491100" progId="Visio.Drawing.15">
+                <p:oleObj spid="_x0000_s1127" name="Visio" r:id="rId3" imgW="7121515" imgH="3491100" progId="Visio.Drawing.15">
                   <p:embed/>
                 </p:oleObj>
               </mc:Choice>
@@ -6781,10 +6819,158 @@
   <p:clrMapOvr>
     <a:masterClrMapping/>
   </p:clrMapOvr>
+  <p:timing>
+    <p:tnLst>
+      <p:par>
+        <p:cTn id="1" dur="indefinite" restart="never" nodeType="tmRoot"/>
+      </p:par>
+    </p:tnLst>
+  </p:timing>
 </p:sld>
 </file>
 
 <file path=ppt/slides/slide6.xml><?xml version="1.0" encoding="utf-8"?>
+<p:sld xmlns:a="http://schemas.openxmlformats.org/drawingml/2006/main" xmlns:r="http://schemas.openxmlformats.org/officeDocument/2006/relationships" xmlns:p="http://schemas.openxmlformats.org/presentationml/2006/main">
+  <p:cSld>
+    <p:spTree>
+      <p:nvGrpSpPr>
+        <p:cNvPr id="1" name=""/>
+        <p:cNvGrpSpPr/>
+        <p:nvPr/>
+      </p:nvGrpSpPr>
+      <p:grpSpPr>
+        <a:xfrm>
+          <a:off x="0" y="0"/>
+          <a:ext cx="0" cy="0"/>
+          <a:chOff x="0" y="0"/>
+          <a:chExt cx="0" cy="0"/>
+        </a:xfrm>
+      </p:grpSpPr>
+      <p:sp>
+        <p:nvSpPr>
+          <p:cNvPr id="2" name="Title 1"/>
+          <p:cNvSpPr>
+            <a:spLocks noGrp="1"/>
+          </p:cNvSpPr>
+          <p:nvPr>
+            <p:ph type="title"/>
+          </p:nvPr>
+        </p:nvSpPr>
+        <p:spPr/>
+        <p:txBody>
+          <a:bodyPr/>
+          <a:lstStyle/>
+          <a:p>
+            <a:r>
+              <a:rPr lang="en-US" dirty="0" smtClean="0">
+                <a:latin typeface="Times New Roman" panose="02020603050405020304" pitchFamily="18" charset="0"/>
+                <a:cs typeface="Times New Roman" panose="02020603050405020304" pitchFamily="18" charset="0"/>
+              </a:rPr>
+              <a:t>Project Development Process</a:t>
+            </a:r>
+            <a:endParaRPr lang="en-US" dirty="0">
+              <a:latin typeface="Times New Roman" panose="02020603050405020304" pitchFamily="18" charset="0"/>
+              <a:cs typeface="Times New Roman" panose="02020603050405020304" pitchFamily="18" charset="0"/>
+            </a:endParaRPr>
+          </a:p>
+        </p:txBody>
+      </p:sp>
+      <p:sp>
+        <p:nvSpPr>
+          <p:cNvPr id="3" name="Content Placeholder 2"/>
+          <p:cNvSpPr>
+            <a:spLocks noGrp="1"/>
+          </p:cNvSpPr>
+          <p:nvPr>
+            <p:ph idx="1"/>
+          </p:nvPr>
+        </p:nvSpPr>
+        <p:spPr>
+          <a:xfrm>
+            <a:off x="677334" y="1551259"/>
+            <a:ext cx="8596668" cy="3880773"/>
+          </a:xfrm>
+        </p:spPr>
+        <p:txBody>
+          <a:bodyPr/>
+          <a:lstStyle/>
+          <a:p>
+            <a:r>
+              <a:rPr lang="en-US" dirty="0">
+                <a:latin typeface="Times New Roman" panose="02020603050405020304" pitchFamily="18" charset="0"/>
+                <a:cs typeface="Times New Roman" panose="02020603050405020304" pitchFamily="18" charset="0"/>
+              </a:rPr>
+              <a:t>Requirement Analysis</a:t>
+            </a:r>
+          </a:p>
+          <a:p>
+            <a:r>
+              <a:rPr lang="en-US" dirty="0">
+                <a:latin typeface="Times New Roman" panose="02020603050405020304" pitchFamily="18" charset="0"/>
+                <a:cs typeface="Times New Roman" panose="02020603050405020304" pitchFamily="18" charset="0"/>
+              </a:rPr>
+              <a:t>Architectural Design</a:t>
+            </a:r>
+          </a:p>
+          <a:p>
+            <a:r>
+              <a:rPr lang="en-US" dirty="0">
+                <a:latin typeface="Times New Roman" panose="02020603050405020304" pitchFamily="18" charset="0"/>
+                <a:cs typeface="Times New Roman" panose="02020603050405020304" pitchFamily="18" charset="0"/>
+              </a:rPr>
+              <a:t>Coding</a:t>
+            </a:r>
+          </a:p>
+          <a:p>
+            <a:r>
+              <a:rPr lang="en-US" dirty="0">
+                <a:latin typeface="Times New Roman" panose="02020603050405020304" pitchFamily="18" charset="0"/>
+                <a:cs typeface="Times New Roman" panose="02020603050405020304" pitchFamily="18" charset="0"/>
+              </a:rPr>
+              <a:t>Integration</a:t>
+            </a:r>
+          </a:p>
+          <a:p>
+            <a:r>
+              <a:rPr lang="en-US" dirty="0">
+                <a:latin typeface="Times New Roman" panose="02020603050405020304" pitchFamily="18" charset="0"/>
+                <a:cs typeface="Times New Roman" panose="02020603050405020304" pitchFamily="18" charset="0"/>
+              </a:rPr>
+              <a:t>Testing</a:t>
+            </a:r>
+          </a:p>
+          <a:p>
+            <a:r>
+              <a:rPr lang="en-US" dirty="0">
+                <a:latin typeface="Times New Roman" panose="02020603050405020304" pitchFamily="18" charset="0"/>
+                <a:cs typeface="Times New Roman" panose="02020603050405020304" pitchFamily="18" charset="0"/>
+              </a:rPr>
+              <a:t>Deployment</a:t>
+            </a:r>
+          </a:p>
+        </p:txBody>
+      </p:sp>
+    </p:spTree>
+    <p:extLst>
+      <p:ext uri="{BB962C8B-B14F-4D97-AF65-F5344CB8AC3E}">
+        <p14:creationId xmlns:p14="http://schemas.microsoft.com/office/powerpoint/2010/main" val="3149876700"/>
+      </p:ext>
+    </p:extLst>
+  </p:cSld>
+  <p:clrMapOvr>
+    <a:masterClrMapping/>
+  </p:clrMapOvr>
+  <p:timing>
+    <p:tnLst>
+      <p:par>
+        <p:cTn id="1" dur="indefinite" restart="never" nodeType="tmRoot"/>
+      </p:par>
+    </p:tnLst>
+  </p:timing>
+</p:sld>
+</file>
+
+<file path=ppt/slides/slide7.xml><?xml version="1.0" encoding="utf-8"?>
 <p:sld xmlns:a="http://schemas.openxmlformats.org/drawingml/2006/main" xmlns:r="http://schemas.openxmlformats.org/officeDocument/2006/relationships" xmlns:p="http://schemas.openxmlformats.org/presentationml/2006/main">
   <p:cSld>
     <p:spTree>
@@ -6865,140 +7051,13 @@
   <p:clrMapOvr>
     <a:masterClrMapping/>
   </p:clrMapOvr>
-</p:sld>
-</file>
-
-<file path=ppt/slides/slide7.xml><?xml version="1.0" encoding="utf-8"?>
-<p:sld xmlns:a="http://schemas.openxmlformats.org/drawingml/2006/main" xmlns:r="http://schemas.openxmlformats.org/officeDocument/2006/relationships" xmlns:p="http://schemas.openxmlformats.org/presentationml/2006/main">
-  <p:cSld>
-    <p:spTree>
-      <p:nvGrpSpPr>
-        <p:cNvPr id="1" name=""/>
-        <p:cNvGrpSpPr/>
-        <p:nvPr/>
-      </p:nvGrpSpPr>
-      <p:grpSpPr>
-        <a:xfrm>
-          <a:off x="0" y="0"/>
-          <a:ext cx="0" cy="0"/>
-          <a:chOff x="0" y="0"/>
-          <a:chExt cx="0" cy="0"/>
-        </a:xfrm>
-      </p:grpSpPr>
-      <p:sp>
-        <p:nvSpPr>
-          <p:cNvPr id="2" name="Title 1"/>
-          <p:cNvSpPr>
-            <a:spLocks noGrp="1"/>
-          </p:cNvSpPr>
-          <p:nvPr>
-            <p:ph type="title"/>
-          </p:nvPr>
-        </p:nvSpPr>
-        <p:spPr/>
-        <p:txBody>
-          <a:bodyPr/>
-          <a:lstStyle/>
-          <a:p>
-            <a:r>
-              <a:rPr lang="en-US" dirty="0" smtClean="0">
-                <a:latin typeface="Times New Roman" panose="02020603050405020304" pitchFamily="18" charset="0"/>
-                <a:cs typeface="Times New Roman" panose="02020603050405020304" pitchFamily="18" charset="0"/>
-              </a:rPr>
-              <a:t>Project Development Process</a:t>
-            </a:r>
-            <a:endParaRPr lang="en-US" dirty="0">
-              <a:latin typeface="Times New Roman" panose="02020603050405020304" pitchFamily="18" charset="0"/>
-              <a:cs typeface="Times New Roman" panose="02020603050405020304" pitchFamily="18" charset="0"/>
-            </a:endParaRPr>
-          </a:p>
-        </p:txBody>
-      </p:sp>
-      <p:sp>
-        <p:nvSpPr>
-          <p:cNvPr id="3" name="Content Placeholder 2"/>
-          <p:cNvSpPr>
-            <a:spLocks noGrp="1"/>
-          </p:cNvSpPr>
-          <p:nvPr>
-            <p:ph idx="1"/>
-          </p:nvPr>
-        </p:nvSpPr>
-        <p:spPr>
-          <a:xfrm>
-            <a:off x="677334" y="1551259"/>
-            <a:ext cx="8596668" cy="3880773"/>
-          </a:xfrm>
-        </p:spPr>
-        <p:txBody>
-          <a:bodyPr/>
-          <a:lstStyle/>
-          <a:p>
-            <a:r>
-              <a:rPr lang="en-US" dirty="0">
-                <a:latin typeface="Times New Roman" panose="02020603050405020304" pitchFamily="18" charset="0"/>
-                <a:cs typeface="Times New Roman" panose="02020603050405020304" pitchFamily="18" charset="0"/>
-              </a:rPr>
-              <a:t>Requirement Analysis</a:t>
-            </a:r>
-          </a:p>
-          <a:p>
-            <a:r>
-              <a:rPr lang="en-US" dirty="0">
-                <a:latin typeface="Times New Roman" panose="02020603050405020304" pitchFamily="18" charset="0"/>
-                <a:cs typeface="Times New Roman" panose="02020603050405020304" pitchFamily="18" charset="0"/>
-              </a:rPr>
-              <a:t>Architectural Design</a:t>
-            </a:r>
-          </a:p>
-          <a:p>
-            <a:r>
-              <a:rPr lang="en-US" dirty="0">
-                <a:latin typeface="Times New Roman" panose="02020603050405020304" pitchFamily="18" charset="0"/>
-                <a:cs typeface="Times New Roman" panose="02020603050405020304" pitchFamily="18" charset="0"/>
-              </a:rPr>
-              <a:t>Coding</a:t>
-            </a:r>
-          </a:p>
-          <a:p>
-            <a:r>
-              <a:rPr lang="en-US" dirty="0">
-                <a:latin typeface="Times New Roman" panose="02020603050405020304" pitchFamily="18" charset="0"/>
-                <a:cs typeface="Times New Roman" panose="02020603050405020304" pitchFamily="18" charset="0"/>
-              </a:rPr>
-              <a:t>Integration</a:t>
-            </a:r>
-          </a:p>
-          <a:p>
-            <a:r>
-              <a:rPr lang="en-US" dirty="0">
-                <a:latin typeface="Times New Roman" panose="02020603050405020304" pitchFamily="18" charset="0"/>
-                <a:cs typeface="Times New Roman" panose="02020603050405020304" pitchFamily="18" charset="0"/>
-              </a:rPr>
-              <a:t>Testing</a:t>
-            </a:r>
-          </a:p>
-          <a:p>
-            <a:r>
-              <a:rPr lang="en-US" dirty="0">
-                <a:latin typeface="Times New Roman" panose="02020603050405020304" pitchFamily="18" charset="0"/>
-                <a:cs typeface="Times New Roman" panose="02020603050405020304" pitchFamily="18" charset="0"/>
-              </a:rPr>
-              <a:t>Deployment</a:t>
-            </a:r>
-          </a:p>
-        </p:txBody>
-      </p:sp>
-    </p:spTree>
-    <p:extLst>
-      <p:ext uri="{BB962C8B-B14F-4D97-AF65-F5344CB8AC3E}">
-        <p14:creationId xmlns:p14="http://schemas.microsoft.com/office/powerpoint/2010/main" val="3149876700"/>
-      </p:ext>
-    </p:extLst>
-  </p:cSld>
-  <p:clrMapOvr>
-    <a:masterClrMapping/>
-  </p:clrMapOvr>
+  <p:timing>
+    <p:tnLst>
+      <p:par>
+        <p:cTn id="1" dur="indefinite" restart="never" nodeType="tmRoot"/>
+      </p:par>
+    </p:tnLst>
+  </p:timing>
 </p:sld>
 </file>
 
@@ -7073,35 +7132,35 @@
                 <a:gridCol w="933129">
                   <a:extLst>
                     <a:ext uri="{9D8B030D-6E8A-4147-A177-3AD203B41FA5}">
-                      <a16:colId xmlns:a16="http://schemas.microsoft.com/office/drawing/2014/main" xmlns="" val="20000"/>
+                      <a16:colId xmlns="" xmlns:a16="http://schemas.microsoft.com/office/drawing/2014/main" val="20000"/>
                     </a:ext>
                   </a:extLst>
                 </a:gridCol>
                 <a:gridCol w="2670982">
                   <a:extLst>
                     <a:ext uri="{9D8B030D-6E8A-4147-A177-3AD203B41FA5}">
-                      <a16:colId xmlns:a16="http://schemas.microsoft.com/office/drawing/2014/main" xmlns="" val="20001"/>
+                      <a16:colId xmlns="" xmlns:a16="http://schemas.microsoft.com/office/drawing/2014/main" val="20001"/>
                     </a:ext>
                   </a:extLst>
                 </a:gridCol>
                 <a:gridCol w="1383217">
                   <a:extLst>
                     <a:ext uri="{9D8B030D-6E8A-4147-A177-3AD203B41FA5}">
-                      <a16:colId xmlns:a16="http://schemas.microsoft.com/office/drawing/2014/main" xmlns="" val="20002"/>
+                      <a16:colId xmlns="" xmlns:a16="http://schemas.microsoft.com/office/drawing/2014/main" val="20002"/>
                     </a:ext>
                   </a:extLst>
                 </a:gridCol>
                 <a:gridCol w="1594391">
                   <a:extLst>
                     <a:ext uri="{9D8B030D-6E8A-4147-A177-3AD203B41FA5}">
-                      <a16:colId xmlns:a16="http://schemas.microsoft.com/office/drawing/2014/main" xmlns="" val="20003"/>
+                      <a16:colId xmlns="" xmlns:a16="http://schemas.microsoft.com/office/drawing/2014/main" val="20003"/>
                     </a:ext>
                   </a:extLst>
                 </a:gridCol>
                 <a:gridCol w="1594391">
                   <a:extLst>
                     <a:ext uri="{9D8B030D-6E8A-4147-A177-3AD203B41FA5}">
-                      <a16:colId xmlns:a16="http://schemas.microsoft.com/office/drawing/2014/main" xmlns="" val="20004"/>
+                      <a16:colId xmlns="" xmlns:a16="http://schemas.microsoft.com/office/drawing/2014/main" val="20004"/>
                     </a:ext>
                   </a:extLst>
                 </a:gridCol>
@@ -7194,7 +7253,7 @@
                 </a:tc>
                 <a:extLst>
                   <a:ext uri="{0D108BD9-81ED-4DB2-BD59-A6C34878D82A}">
-                    <a16:rowId xmlns:a16="http://schemas.microsoft.com/office/drawing/2014/main" xmlns="" val="10000"/>
+                    <a16:rowId xmlns="" xmlns:a16="http://schemas.microsoft.com/office/drawing/2014/main" val="10000"/>
                   </a:ext>
                 </a:extLst>
               </a:tr>
@@ -7379,7 +7438,7 @@
                 </a:tc>
                 <a:extLst>
                   <a:ext uri="{0D108BD9-81ED-4DB2-BD59-A6C34878D82A}">
-                    <a16:rowId xmlns:a16="http://schemas.microsoft.com/office/drawing/2014/main" xmlns="" val="10001"/>
+                    <a16:rowId xmlns="" xmlns:a16="http://schemas.microsoft.com/office/drawing/2014/main" val="10001"/>
                   </a:ext>
                 </a:extLst>
               </a:tr>
@@ -7557,7 +7616,7 @@
                 </a:tc>
                 <a:extLst>
                   <a:ext uri="{0D108BD9-81ED-4DB2-BD59-A6C34878D82A}">
-                    <a16:rowId xmlns:a16="http://schemas.microsoft.com/office/drawing/2014/main" xmlns="" val="10002"/>
+                    <a16:rowId xmlns="" xmlns:a16="http://schemas.microsoft.com/office/drawing/2014/main" val="10002"/>
                   </a:ext>
                 </a:extLst>
               </a:tr>
@@ -7705,7 +7764,7 @@
                 </a:tc>
                 <a:extLst>
                   <a:ext uri="{0D108BD9-81ED-4DB2-BD59-A6C34878D82A}">
-                    <a16:rowId xmlns:a16="http://schemas.microsoft.com/office/drawing/2014/main" xmlns="" val="10003"/>
+                    <a16:rowId xmlns="" xmlns:a16="http://schemas.microsoft.com/office/drawing/2014/main" val="10003"/>
                   </a:ext>
                 </a:extLst>
               </a:tr>
@@ -7852,7 +7911,7 @@
                 </a:tc>
                 <a:extLst>
                   <a:ext uri="{0D108BD9-81ED-4DB2-BD59-A6C34878D82A}">
-                    <a16:rowId xmlns:a16="http://schemas.microsoft.com/office/drawing/2014/main" xmlns="" val="10004"/>
+                    <a16:rowId xmlns="" xmlns:a16="http://schemas.microsoft.com/office/drawing/2014/main" val="10004"/>
                   </a:ext>
                 </a:extLst>
               </a:tr>
@@ -7941,7 +8000,7 @@
                 </a:tc>
                 <a:extLst>
                   <a:ext uri="{0D108BD9-81ED-4DB2-BD59-A6C34878D82A}">
-                    <a16:rowId xmlns:a16="http://schemas.microsoft.com/office/drawing/2014/main" xmlns="" val="10005"/>
+                    <a16:rowId xmlns="" xmlns:a16="http://schemas.microsoft.com/office/drawing/2014/main" val="10005"/>
                   </a:ext>
                 </a:extLst>
               </a:tr>

--- a/Project-Proposal/Automatic Braking System.pptx
+++ b/Project-Proposal/Automatic Braking System.pptx
@@ -6755,12 +6755,12 @@
           <a:graphicData uri="http://schemas.openxmlformats.org/presentationml/2006/ole">
             <mc:AlternateContent xmlns:mc="http://schemas.openxmlformats.org/markup-compatibility/2006">
               <mc:Choice xmlns:v="urn:schemas-microsoft-com:vml" Requires="v">
-                <p:oleObj spid="_x0000_s1127" name="Visio" r:id="rId3" imgW="7121515" imgH="3491100" progId="Visio.Drawing.15">
+                <p:oleObj spid="_x0000_s1128" name="Visio" r:id="rId4" imgW="7121515" imgH="3491100" progId="Visio.Drawing.15">
                   <p:embed/>
                 </p:oleObj>
               </mc:Choice>
               <mc:Fallback>
-                <p:oleObj name="Visio" r:id="rId3" imgW="7121515" imgH="3491100" progId="Visio.Drawing.15">
+                <p:oleObj name="Visio" r:id="rId4" imgW="7121515" imgH="3491100" progId="Visio.Drawing.15">
                   <p:embed/>
                   <p:pic>
                     <p:nvPicPr>
@@ -6771,7 +6771,7 @@
                       <p:nvPr/>
                     </p:nvPicPr>
                     <p:blipFill>
-                      <a:blip r:embed="rId4">
+                      <a:blip r:embed="rId5">
                         <a:extLst>
                           <a:ext uri="{28A0092B-C50C-407E-A947-70E740481C1C}">
                             <a14:useLocalDpi xmlns:a14="http://schemas.microsoft.com/office/drawing/2010/main" val="0"/>
@@ -7014,13 +7014,9 @@
       </p:sp>
       <p:pic>
         <p:nvPicPr>
-          <p:cNvPr id="4" name="Content Placeholder 3"/>
-          <p:cNvPicPr>
-            <a:picLocks noGrp="1" noChangeAspect="1"/>
-          </p:cNvPicPr>
-          <p:nvPr>
-            <p:ph idx="1"/>
-          </p:nvPr>
+          <p:cNvPr id="5" name="Picture 4" descr="C:\Users\g_selv\Downloads\taskbreak.png"/>
+          <p:cNvPicPr/>
+          <p:nvPr/>
         </p:nvPicPr>
         <p:blipFill>
           <a:blip r:embed="rId2">
@@ -7030,15 +7026,23 @@
               </a:ext>
             </a:extLst>
           </a:blip>
+          <a:srcRect/>
           <a:stretch>
             <a:fillRect/>
           </a:stretch>
         </p:blipFill>
-        <p:spPr>
+        <p:spPr bwMode="auto">
           <a:xfrm>
-            <a:off x="1016591" y="1549819"/>
-            <a:ext cx="6666399" cy="5189837"/>
+            <a:off x="1516193" y="1367073"/>
+            <a:ext cx="5871435" cy="4646824"/>
           </a:xfrm>
+          <a:prstGeom prst="rect">
+            <a:avLst/>
+          </a:prstGeom>
+          <a:noFill/>
+          <a:ln>
+            <a:noFill/>
+          </a:ln>
         </p:spPr>
       </p:pic>
     </p:spTree>
@@ -7132,35 +7136,35 @@
                 <a:gridCol w="933129">
                   <a:extLst>
                     <a:ext uri="{9D8B030D-6E8A-4147-A177-3AD203B41FA5}">
-                      <a16:colId xmlns="" xmlns:a16="http://schemas.microsoft.com/office/drawing/2014/main" val="20000"/>
+                      <a16:colId xmlns:a16="http://schemas.microsoft.com/office/drawing/2014/main" xmlns="" val="20000"/>
                     </a:ext>
                   </a:extLst>
                 </a:gridCol>
                 <a:gridCol w="2670982">
                   <a:extLst>
                     <a:ext uri="{9D8B030D-6E8A-4147-A177-3AD203B41FA5}">
-                      <a16:colId xmlns="" xmlns:a16="http://schemas.microsoft.com/office/drawing/2014/main" val="20001"/>
+                      <a16:colId xmlns:a16="http://schemas.microsoft.com/office/drawing/2014/main" xmlns="" val="20001"/>
                     </a:ext>
                   </a:extLst>
                 </a:gridCol>
                 <a:gridCol w="1383217">
                   <a:extLst>
                     <a:ext uri="{9D8B030D-6E8A-4147-A177-3AD203B41FA5}">
-                      <a16:colId xmlns="" xmlns:a16="http://schemas.microsoft.com/office/drawing/2014/main" val="20002"/>
+                      <a16:colId xmlns:a16="http://schemas.microsoft.com/office/drawing/2014/main" xmlns="" val="20002"/>
                     </a:ext>
                   </a:extLst>
                 </a:gridCol>
                 <a:gridCol w="1594391">
                   <a:extLst>
                     <a:ext uri="{9D8B030D-6E8A-4147-A177-3AD203B41FA5}">
-                      <a16:colId xmlns="" xmlns:a16="http://schemas.microsoft.com/office/drawing/2014/main" val="20003"/>
+                      <a16:colId xmlns:a16="http://schemas.microsoft.com/office/drawing/2014/main" xmlns="" val="20003"/>
                     </a:ext>
                   </a:extLst>
                 </a:gridCol>
                 <a:gridCol w="1594391">
                   <a:extLst>
                     <a:ext uri="{9D8B030D-6E8A-4147-A177-3AD203B41FA5}">
-                      <a16:colId xmlns="" xmlns:a16="http://schemas.microsoft.com/office/drawing/2014/main" val="20004"/>
+                      <a16:colId xmlns:a16="http://schemas.microsoft.com/office/drawing/2014/main" xmlns="" val="20004"/>
                     </a:ext>
                   </a:extLst>
                 </a:gridCol>
@@ -7253,7 +7257,7 @@
                 </a:tc>
                 <a:extLst>
                   <a:ext uri="{0D108BD9-81ED-4DB2-BD59-A6C34878D82A}">
-                    <a16:rowId xmlns="" xmlns:a16="http://schemas.microsoft.com/office/drawing/2014/main" val="10000"/>
+                    <a16:rowId xmlns:a16="http://schemas.microsoft.com/office/drawing/2014/main" xmlns="" val="10000"/>
                   </a:ext>
                 </a:extLst>
               </a:tr>
@@ -7438,7 +7442,7 @@
                 </a:tc>
                 <a:extLst>
                   <a:ext uri="{0D108BD9-81ED-4DB2-BD59-A6C34878D82A}">
-                    <a16:rowId xmlns="" xmlns:a16="http://schemas.microsoft.com/office/drawing/2014/main" val="10001"/>
+                    <a16:rowId xmlns:a16="http://schemas.microsoft.com/office/drawing/2014/main" xmlns="" val="10001"/>
                   </a:ext>
                 </a:extLst>
               </a:tr>
@@ -7616,7 +7620,7 @@
                 </a:tc>
                 <a:extLst>
                   <a:ext uri="{0D108BD9-81ED-4DB2-BD59-A6C34878D82A}">
-                    <a16:rowId xmlns="" xmlns:a16="http://schemas.microsoft.com/office/drawing/2014/main" val="10002"/>
+                    <a16:rowId xmlns:a16="http://schemas.microsoft.com/office/drawing/2014/main" xmlns="" val="10002"/>
                   </a:ext>
                 </a:extLst>
               </a:tr>
@@ -7764,7 +7768,7 @@
                 </a:tc>
                 <a:extLst>
                   <a:ext uri="{0D108BD9-81ED-4DB2-BD59-A6C34878D82A}">
-                    <a16:rowId xmlns="" xmlns:a16="http://schemas.microsoft.com/office/drawing/2014/main" val="10003"/>
+                    <a16:rowId xmlns:a16="http://schemas.microsoft.com/office/drawing/2014/main" xmlns="" val="10003"/>
                   </a:ext>
                 </a:extLst>
               </a:tr>
@@ -7911,7 +7915,7 @@
                 </a:tc>
                 <a:extLst>
                   <a:ext uri="{0D108BD9-81ED-4DB2-BD59-A6C34878D82A}">
-                    <a16:rowId xmlns="" xmlns:a16="http://schemas.microsoft.com/office/drawing/2014/main" val="10004"/>
+                    <a16:rowId xmlns:a16="http://schemas.microsoft.com/office/drawing/2014/main" xmlns="" val="10004"/>
                   </a:ext>
                 </a:extLst>
               </a:tr>
@@ -8000,7 +8004,7 @@
                 </a:tc>
                 <a:extLst>
                   <a:ext uri="{0D108BD9-81ED-4DB2-BD59-A6C34878D82A}">
-                    <a16:rowId xmlns="" xmlns:a16="http://schemas.microsoft.com/office/drawing/2014/main" val="10005"/>
+                    <a16:rowId xmlns:a16="http://schemas.microsoft.com/office/drawing/2014/main" xmlns="" val="10005"/>
                   </a:ext>
                 </a:extLst>
               </a:tr>

--- a/Project-Proposal/Automatic Braking System.pptx
+++ b/Project-Proposal/Automatic Braking System.pptx
@@ -842,7 +842,7 @@
           <a:p>
             <a:fld id="{2AC328AE-337C-4D31-8968-8BCE4DED6CBE}" type="datetimeFigureOut">
               <a:rPr lang="en-US" smtClean="0"/>
-              <a:t>9/19/2016</a:t>
+              <a:t>9/20/2016</a:t>
             </a:fld>
             <a:endParaRPr lang="en-US"/>
           </a:p>
@@ -1093,7 +1093,7 @@
           <a:p>
             <a:fld id="{2AC328AE-337C-4D31-8968-8BCE4DED6CBE}" type="datetimeFigureOut">
               <a:rPr lang="en-US" smtClean="0"/>
-              <a:t>9/19/2016</a:t>
+              <a:t>9/20/2016</a:t>
             </a:fld>
             <a:endParaRPr lang="en-US"/>
           </a:p>
@@ -1407,7 +1407,7 @@
           <a:p>
             <a:fld id="{2AC328AE-337C-4D31-8968-8BCE4DED6CBE}" type="datetimeFigureOut">
               <a:rPr lang="en-US" smtClean="0"/>
-              <a:t>9/19/2016</a:t>
+              <a:t>9/20/2016</a:t>
             </a:fld>
             <a:endParaRPr lang="en-US"/>
           </a:p>
@@ -1748,7 +1748,7 @@
           <a:p>
             <a:fld id="{2AC328AE-337C-4D31-8968-8BCE4DED6CBE}" type="datetimeFigureOut">
               <a:rPr lang="en-US" smtClean="0"/>
-              <a:t>9/19/2016</a:t>
+              <a:t>9/20/2016</a:t>
             </a:fld>
             <a:endParaRPr lang="en-US"/>
           </a:p>
@@ -2062,7 +2062,7 @@
           <a:p>
             <a:fld id="{2AC328AE-337C-4D31-8968-8BCE4DED6CBE}" type="datetimeFigureOut">
               <a:rPr lang="en-US" smtClean="0"/>
-              <a:t>9/19/2016</a:t>
+              <a:t>9/20/2016</a:t>
             </a:fld>
             <a:endParaRPr lang="en-US"/>
           </a:p>
@@ -2455,7 +2455,7 @@
           <a:p>
             <a:fld id="{2AC328AE-337C-4D31-8968-8BCE4DED6CBE}" type="datetimeFigureOut">
               <a:rPr lang="en-US" smtClean="0"/>
-              <a:t>9/19/2016</a:t>
+              <a:t>9/20/2016</a:t>
             </a:fld>
             <a:endParaRPr lang="en-US"/>
           </a:p>
@@ -2625,7 +2625,7 @@
           <a:p>
             <a:fld id="{2AC328AE-337C-4D31-8968-8BCE4DED6CBE}" type="datetimeFigureOut">
               <a:rPr lang="en-US" smtClean="0"/>
-              <a:t>9/19/2016</a:t>
+              <a:t>9/20/2016</a:t>
             </a:fld>
             <a:endParaRPr lang="en-US"/>
           </a:p>
@@ -2805,7 +2805,7 @@
           <a:p>
             <a:fld id="{2AC328AE-337C-4D31-8968-8BCE4DED6CBE}" type="datetimeFigureOut">
               <a:rPr lang="en-US" smtClean="0"/>
-              <a:t>9/19/2016</a:t>
+              <a:t>9/20/2016</a:t>
             </a:fld>
             <a:endParaRPr lang="en-US"/>
           </a:p>
@@ -2981,7 +2981,7 @@
           <a:p>
             <a:fld id="{2AC328AE-337C-4D31-8968-8BCE4DED6CBE}" type="datetimeFigureOut">
               <a:rPr lang="en-US" smtClean="0"/>
-              <a:t>9/19/2016</a:t>
+              <a:t>9/20/2016</a:t>
             </a:fld>
             <a:endParaRPr lang="en-US"/>
           </a:p>
@@ -3228,7 +3228,7 @@
           <a:p>
             <a:fld id="{2AC328AE-337C-4D31-8968-8BCE4DED6CBE}" type="datetimeFigureOut">
               <a:rPr lang="en-US" smtClean="0"/>
-              <a:t>9/19/2016</a:t>
+              <a:t>9/20/2016</a:t>
             </a:fld>
             <a:endParaRPr lang="en-US"/>
           </a:p>
@@ -3460,7 +3460,7 @@
           <a:p>
             <a:fld id="{2AC328AE-337C-4D31-8968-8BCE4DED6CBE}" type="datetimeFigureOut">
               <a:rPr lang="en-US" smtClean="0"/>
-              <a:t>9/19/2016</a:t>
+              <a:t>9/20/2016</a:t>
             </a:fld>
             <a:endParaRPr lang="en-US"/>
           </a:p>
@@ -3839,7 +3839,7 @@
           <a:p>
             <a:fld id="{2AC328AE-337C-4D31-8968-8BCE4DED6CBE}" type="datetimeFigureOut">
               <a:rPr lang="en-US" smtClean="0"/>
-              <a:t>9/19/2016</a:t>
+              <a:t>9/20/2016</a:t>
             </a:fld>
             <a:endParaRPr lang="en-US"/>
           </a:p>
@@ -3967,7 +3967,7 @@
           <a:p>
             <a:fld id="{2AC328AE-337C-4D31-8968-8BCE4DED6CBE}" type="datetimeFigureOut">
               <a:rPr lang="en-US" smtClean="0"/>
-              <a:t>9/19/2016</a:t>
+              <a:t>9/20/2016</a:t>
             </a:fld>
             <a:endParaRPr lang="en-US"/>
           </a:p>
@@ -4062,7 +4062,7 @@
           <a:p>
             <a:fld id="{2AC328AE-337C-4D31-8968-8BCE4DED6CBE}" type="datetimeFigureOut">
               <a:rPr lang="en-US" smtClean="0"/>
-              <a:t>9/19/2016</a:t>
+              <a:t>9/20/2016</a:t>
             </a:fld>
             <a:endParaRPr lang="en-US"/>
           </a:p>
@@ -4317,7 +4317,7 @@
           <a:p>
             <a:fld id="{2AC328AE-337C-4D31-8968-8BCE4DED6CBE}" type="datetimeFigureOut">
               <a:rPr lang="en-US" smtClean="0"/>
-              <a:t>9/19/2016</a:t>
+              <a:t>9/20/2016</a:t>
             </a:fld>
             <a:endParaRPr lang="en-US"/>
           </a:p>
@@ -4585,7 +4585,7 @@
           <a:p>
             <a:fld id="{2AC328AE-337C-4D31-8968-8BCE4DED6CBE}" type="datetimeFigureOut">
               <a:rPr lang="en-US" smtClean="0"/>
-              <a:t>9/19/2016</a:t>
+              <a:t>9/20/2016</a:t>
             </a:fld>
             <a:endParaRPr lang="en-US"/>
           </a:p>
@@ -5328,7 +5328,7 @@
           <a:p>
             <a:fld id="{2AC328AE-337C-4D31-8968-8BCE4DED6CBE}" type="datetimeFigureOut">
               <a:rPr lang="en-US" smtClean="0"/>
-              <a:t>9/19/2016</a:t>
+              <a:t>9/20/2016</a:t>
             </a:fld>
             <a:endParaRPr lang="en-US"/>
           </a:p>
@@ -5876,23 +5876,19 @@
           <a:p>
             <a:pPr algn="ctr"/>
             <a:r>
-              <a:rPr lang="en-US" sz="7800" dirty="0" smtClean="0">
+              <a:rPr lang="en-US" sz="7800" dirty="0">
                 <a:latin typeface="Times New Roman" panose="02020603050405020304" pitchFamily="18" charset="0"/>
                 <a:cs typeface="Times New Roman" panose="02020603050405020304" pitchFamily="18" charset="0"/>
               </a:rPr>
               <a:t>Automatic</a:t>
             </a:r>
             <a:r>
-              <a:rPr lang="en-US" sz="7000" dirty="0" smtClean="0">
+              <a:rPr lang="en-US" sz="7000" dirty="0">
                 <a:latin typeface="Times New Roman" panose="02020603050405020304" pitchFamily="18" charset="0"/>
                 <a:cs typeface="Times New Roman" panose="02020603050405020304" pitchFamily="18" charset="0"/>
               </a:rPr>
               <a:t> Braking System</a:t>
             </a:r>
-            <a:endParaRPr lang="en-US" sz="7000" dirty="0">
-              <a:latin typeface="Times New Roman" panose="02020603050405020304" pitchFamily="18" charset="0"/>
-              <a:cs typeface="Times New Roman" panose="02020603050405020304" pitchFamily="18" charset="0"/>
-            </a:endParaRPr>
           </a:p>
         </p:txBody>
       </p:sp>
@@ -5919,7 +5915,7 @@
           <a:lstStyle/>
           <a:p>
             <a:r>
-              <a:rPr lang="en-US" b="1" dirty="0" err="1" smtClean="0">
+              <a:rPr lang="en-US" b="1" dirty="0" err="1">
                 <a:solidFill>
                   <a:schemeClr val="tx1"/>
                 </a:solidFill>
@@ -5929,24 +5925,14 @@
               <a:t>Kamalpreet</a:t>
             </a:r>
             <a:r>
-              <a:rPr lang="en-US" b="1" dirty="0" smtClean="0">
+              <a:rPr lang="en-US" b="1" dirty="0">
                 <a:solidFill>
                   <a:schemeClr val="tx1"/>
                 </a:solidFill>
                 <a:latin typeface="Times New Roman" panose="02020603050405020304" pitchFamily="18" charset="0"/>
                 <a:cs typeface="Times New Roman" panose="02020603050405020304" pitchFamily="18" charset="0"/>
               </a:rPr>
-              <a:t> </a:t>
-            </a:r>
-            <a:r>
-              <a:rPr lang="en-US" b="1" dirty="0">
-                <a:solidFill>
-                  <a:schemeClr val="tx1"/>
-                </a:solidFill>
-                <a:latin typeface="Times New Roman" panose="02020603050405020304" pitchFamily="18" charset="0"/>
-                <a:cs typeface="Times New Roman" panose="02020603050405020304" pitchFamily="18" charset="0"/>
-              </a:rPr>
-              <a:t>Grewal</a:t>
+              <a:t> Grewal</a:t>
             </a:r>
           </a:p>
           <a:p>
@@ -5998,13 +5984,6 @@
   <p:clrMapOvr>
     <a:masterClrMapping/>
   </p:clrMapOvr>
-  <p:timing>
-    <p:tnLst>
-      <p:par>
-        <p:cTn id="1" dur="indefinite" restart="never" nodeType="tmRoot"/>
-      </p:par>
-    </p:tnLst>
-  </p:timing>
 </p:sld>
 </file>
 
@@ -6083,62 +6062,22 @@
               <a:buNone/>
             </a:pPr>
             <a:r>
-              <a:rPr lang="en-US" sz="2000" dirty="0" smtClean="0">
+              <a:rPr lang="en-US" sz="2000" dirty="0">
                 <a:solidFill>
                   <a:schemeClr val="tx1"/>
                 </a:solidFill>
                 <a:latin typeface="Times New Roman" panose="02020603050405020304" pitchFamily="18" charset="0"/>
                 <a:cs typeface="Times New Roman" panose="02020603050405020304" pitchFamily="18" charset="0"/>
               </a:rPr>
-              <a:t>Present a Project </a:t>
-            </a:r>
+              <a:t>Present a Project proposal in automotive domain based on ARM Cortex M0.</a:t>
+            </a:r>
+          </a:p>
+          <a:p>
+            <a:pPr marL="0" indent="0">
+              <a:buNone/>
+            </a:pPr>
             <a:r>
               <a:rPr lang="en-US" sz="2000" dirty="0">
-                <a:solidFill>
-                  <a:schemeClr val="tx1"/>
-                </a:solidFill>
-                <a:latin typeface="Times New Roman" panose="02020603050405020304" pitchFamily="18" charset="0"/>
-                <a:cs typeface="Times New Roman" panose="02020603050405020304" pitchFamily="18" charset="0"/>
-              </a:rPr>
-              <a:t>proposal </a:t>
-            </a:r>
-            <a:r>
-              <a:rPr lang="en-US" sz="2000" dirty="0" smtClean="0">
-                <a:solidFill>
-                  <a:schemeClr val="tx1"/>
-                </a:solidFill>
-                <a:latin typeface="Times New Roman" panose="02020603050405020304" pitchFamily="18" charset="0"/>
-                <a:cs typeface="Times New Roman" panose="02020603050405020304" pitchFamily="18" charset="0"/>
-              </a:rPr>
-              <a:t>in </a:t>
-            </a:r>
-            <a:r>
-              <a:rPr lang="en-US" sz="2000" dirty="0">
-                <a:solidFill>
-                  <a:schemeClr val="tx1"/>
-                </a:solidFill>
-                <a:latin typeface="Times New Roman" panose="02020603050405020304" pitchFamily="18" charset="0"/>
-                <a:cs typeface="Times New Roman" panose="02020603050405020304" pitchFamily="18" charset="0"/>
-              </a:rPr>
-              <a:t>automotive </a:t>
-            </a:r>
-            <a:r>
-              <a:rPr lang="en-US" sz="2000" dirty="0" smtClean="0">
-                <a:solidFill>
-                  <a:schemeClr val="tx1"/>
-                </a:solidFill>
-                <a:latin typeface="Times New Roman" panose="02020603050405020304" pitchFamily="18" charset="0"/>
-                <a:cs typeface="Times New Roman" panose="02020603050405020304" pitchFamily="18" charset="0"/>
-              </a:rPr>
-              <a:t>domain based on ARM Cortex M0.</a:t>
-            </a:r>
-          </a:p>
-          <a:p>
-            <a:pPr marL="0" indent="0">
-              <a:buNone/>
-            </a:pPr>
-            <a:r>
-              <a:rPr lang="en-US" sz="2000" dirty="0" smtClean="0">
                 <a:solidFill>
                   <a:schemeClr val="tx1"/>
                 </a:solidFill>
@@ -6147,13 +6086,6 @@
               </a:rPr>
               <a:t>The Proposal consists of below elements</a:t>
             </a:r>
-            <a:endParaRPr lang="en-US" sz="2000" dirty="0">
-              <a:solidFill>
-                <a:schemeClr val="tx1"/>
-              </a:solidFill>
-              <a:latin typeface="Times New Roman" panose="02020603050405020304" pitchFamily="18" charset="0"/>
-              <a:cs typeface="Times New Roman" panose="02020603050405020304" pitchFamily="18" charset="0"/>
-            </a:endParaRPr>
           </a:p>
           <a:p>
             <a:r>
@@ -6239,13 +6171,6 @@
   <p:clrMapOvr>
     <a:masterClrMapping/>
   </p:clrMapOvr>
-  <p:timing>
-    <p:tnLst>
-      <p:par>
-        <p:cTn id="1" dur="indefinite" restart="never" nodeType="tmRoot"/>
-      </p:par>
-    </p:tnLst>
-  </p:timing>
 </p:sld>
 </file>
 
@@ -6353,27 +6278,7 @@
                 <a:latin typeface="Times New Roman" panose="02020603050405020304" pitchFamily="18" charset="0"/>
                 <a:cs typeface="Times New Roman" panose="02020603050405020304" pitchFamily="18" charset="0"/>
               </a:rPr>
-              <a:t>Design and implement Automatic Braking system based on ARM Cortex – </a:t>
-            </a:r>
-            <a:r>
-              <a:rPr lang="en-US" dirty="0" smtClean="0">
-                <a:solidFill>
-                  <a:schemeClr val="tx1"/>
-                </a:solidFill>
-                <a:latin typeface="Times New Roman" panose="02020603050405020304" pitchFamily="18" charset="0"/>
-                <a:cs typeface="Times New Roman" panose="02020603050405020304" pitchFamily="18" charset="0"/>
-              </a:rPr>
-              <a:t>M0 </a:t>
-            </a:r>
-            <a:r>
-              <a:rPr lang="en-US" dirty="0">
-                <a:solidFill>
-                  <a:schemeClr val="tx1"/>
-                </a:solidFill>
-                <a:latin typeface="Times New Roman" panose="02020603050405020304" pitchFamily="18" charset="0"/>
-                <a:cs typeface="Times New Roman" panose="02020603050405020304" pitchFamily="18" charset="0"/>
-              </a:rPr>
-              <a:t>microcontroller to detect obstacle for  automotive vehicles and prevent it from colliding against the obstacle by braking the system and disabling the acceleration.</a:t>
+              <a:t>Design and implement Automatic Braking system based on ARM Cortex – M0+ microcontroller to detect obstacle for  automotive vehicles and prevent it from colliding against the obstacle by braking the system and disabling the acceleration.</a:t>
             </a:r>
           </a:p>
           <a:p>
@@ -6445,13 +6350,6 @@
   <p:clrMapOvr>
     <a:masterClrMapping/>
   </p:clrMapOvr>
-  <p:timing>
-    <p:tnLst>
-      <p:par>
-        <p:cTn id="1" dur="indefinite" restart="never" nodeType="tmRoot"/>
-      </p:par>
-    </p:tnLst>
-  </p:timing>
 </p:sld>
 </file>
 
@@ -6618,13 +6516,6 @@
   <p:clrMapOvr>
     <a:masterClrMapping/>
   </p:clrMapOvr>
-  <p:timing>
-    <p:tnLst>
-      <p:par>
-        <p:cTn id="1" dur="indefinite" restart="never" nodeType="tmRoot"/>
-      </p:par>
-    </p:tnLst>
-  </p:timing>
 </p:sld>
 </file>
 
@@ -6742,7 +6633,7 @@
           <p:nvPr>
             <p:extLst>
               <p:ext uri="{D42A27DB-BD31-4B8C-83A1-F6EECF244321}">
-                <p14:modId xmlns:p14="http://schemas.microsoft.com/office/powerpoint/2010/main" val="4206468844"/>
+                <p14:modId xmlns:p14="http://schemas.microsoft.com/office/powerpoint/2010/main" val="2856546307"/>
               </p:ext>
             </p:extLst>
           </p:nvPr>
@@ -6755,12 +6646,12 @@
           <a:graphicData uri="http://schemas.openxmlformats.org/presentationml/2006/ole">
             <mc:AlternateContent xmlns:mc="http://schemas.openxmlformats.org/markup-compatibility/2006">
               <mc:Choice xmlns:v="urn:schemas-microsoft-com:vml" Requires="v">
-                <p:oleObj spid="_x0000_s1128" name="Visio" r:id="rId4" imgW="7121515" imgH="3491100" progId="Visio.Drawing.15">
+                <p:oleObj spid="_x0000_s1130" name="Visio" r:id="rId3" imgW="7121580" imgH="3491321" progId="Visio.Drawing.15">
                   <p:embed/>
                 </p:oleObj>
               </mc:Choice>
               <mc:Fallback>
-                <p:oleObj name="Visio" r:id="rId4" imgW="7121515" imgH="3491100" progId="Visio.Drawing.15">
+                <p:oleObj name="Visio" r:id="rId3" imgW="7121580" imgH="3491321" progId="Visio.Drawing.15">
                   <p:embed/>
                   <p:pic>
                     <p:nvPicPr>
@@ -6771,13 +6662,7 @@
                       <p:nvPr/>
                     </p:nvPicPr>
                     <p:blipFill>
-                      <a:blip r:embed="rId5">
-                        <a:extLst>
-                          <a:ext uri="{28A0092B-C50C-407E-A947-70E740481C1C}">
-                            <a14:useLocalDpi xmlns:a14="http://schemas.microsoft.com/office/drawing/2010/main" val="0"/>
-                          </a:ext>
-                        </a:extLst>
-                      </a:blip>
+                      <a:blip r:embed="rId4"/>
                       <a:srcRect/>
                       <a:stretch>
                         <a:fillRect/>
@@ -6819,13 +6704,6 @@
   <p:clrMapOvr>
     <a:masterClrMapping/>
   </p:clrMapOvr>
-  <p:timing>
-    <p:tnLst>
-      <p:par>
-        <p:cTn id="1" dur="indefinite" restart="never" nodeType="tmRoot"/>
-      </p:par>
-    </p:tnLst>
-  </p:timing>
 </p:sld>
 </file>
 
@@ -6862,16 +6740,12 @@
           <a:lstStyle/>
           <a:p>
             <a:r>
-              <a:rPr lang="en-US" dirty="0" smtClean="0">
+              <a:rPr lang="en-US" dirty="0">
                 <a:latin typeface="Times New Roman" panose="02020603050405020304" pitchFamily="18" charset="0"/>
                 <a:cs typeface="Times New Roman" panose="02020603050405020304" pitchFamily="18" charset="0"/>
               </a:rPr>
               <a:t>Project Development Process</a:t>
             </a:r>
-            <a:endParaRPr lang="en-US" dirty="0">
-              <a:latin typeface="Times New Roman" panose="02020603050405020304" pitchFamily="18" charset="0"/>
-              <a:cs typeface="Times New Roman" panose="02020603050405020304" pitchFamily="18" charset="0"/>
-            </a:endParaRPr>
           </a:p>
         </p:txBody>
       </p:sp>
@@ -6960,13 +6834,6 @@
   <p:clrMapOvr>
     <a:masterClrMapping/>
   </p:clrMapOvr>
-  <p:timing>
-    <p:tnLst>
-      <p:par>
-        <p:cTn id="1" dur="indefinite" restart="never" nodeType="tmRoot"/>
-      </p:par>
-    </p:tnLst>
-  </p:timing>
 </p:sld>
 </file>
 
@@ -7055,13 +6922,6 @@
   <p:clrMapOvr>
     <a:masterClrMapping/>
   </p:clrMapOvr>
-  <p:timing>
-    <p:tnLst>
-      <p:par>
-        <p:cTn id="1" dur="indefinite" restart="never" nodeType="tmRoot"/>
-      </p:par>
-    </p:tnLst>
-  </p:timing>
 </p:sld>
 </file>
 
@@ -7136,35 +6996,35 @@
                 <a:gridCol w="933129">
                   <a:extLst>
                     <a:ext uri="{9D8B030D-6E8A-4147-A177-3AD203B41FA5}">
-                      <a16:colId xmlns:a16="http://schemas.microsoft.com/office/drawing/2014/main" xmlns="" val="20000"/>
+                      <a16:colId xmlns:a16="http://schemas.microsoft.com/office/drawing/2014/main" val="20000"/>
                     </a:ext>
                   </a:extLst>
                 </a:gridCol>
                 <a:gridCol w="2670982">
                   <a:extLst>
                     <a:ext uri="{9D8B030D-6E8A-4147-A177-3AD203B41FA5}">
-                      <a16:colId xmlns:a16="http://schemas.microsoft.com/office/drawing/2014/main" xmlns="" val="20001"/>
+                      <a16:colId xmlns:a16="http://schemas.microsoft.com/office/drawing/2014/main" val="20001"/>
                     </a:ext>
                   </a:extLst>
                 </a:gridCol>
                 <a:gridCol w="1383217">
                   <a:extLst>
                     <a:ext uri="{9D8B030D-6E8A-4147-A177-3AD203B41FA5}">
-                      <a16:colId xmlns:a16="http://schemas.microsoft.com/office/drawing/2014/main" xmlns="" val="20002"/>
+                      <a16:colId xmlns:a16="http://schemas.microsoft.com/office/drawing/2014/main" val="20002"/>
                     </a:ext>
                   </a:extLst>
                 </a:gridCol>
                 <a:gridCol w="1594391">
                   <a:extLst>
                     <a:ext uri="{9D8B030D-6E8A-4147-A177-3AD203B41FA5}">
-                      <a16:colId xmlns:a16="http://schemas.microsoft.com/office/drawing/2014/main" xmlns="" val="20003"/>
+                      <a16:colId xmlns:a16="http://schemas.microsoft.com/office/drawing/2014/main" val="20003"/>
                     </a:ext>
                   </a:extLst>
                 </a:gridCol>
                 <a:gridCol w="1594391">
                   <a:extLst>
                     <a:ext uri="{9D8B030D-6E8A-4147-A177-3AD203B41FA5}">
-                      <a16:colId xmlns:a16="http://schemas.microsoft.com/office/drawing/2014/main" xmlns="" val="20004"/>
+                      <a16:colId xmlns:a16="http://schemas.microsoft.com/office/drawing/2014/main" val="20004"/>
                     </a:ext>
                   </a:extLst>
                 </a:gridCol>
@@ -7257,7 +7117,7 @@
                 </a:tc>
                 <a:extLst>
                   <a:ext uri="{0D108BD9-81ED-4DB2-BD59-A6C34878D82A}">
-                    <a16:rowId xmlns:a16="http://schemas.microsoft.com/office/drawing/2014/main" xmlns="" val="10000"/>
+                    <a16:rowId xmlns:a16="http://schemas.microsoft.com/office/drawing/2014/main" val="10000"/>
                   </a:ext>
                 </a:extLst>
               </a:tr>
@@ -7442,7 +7302,7 @@
                 </a:tc>
                 <a:extLst>
                   <a:ext uri="{0D108BD9-81ED-4DB2-BD59-A6C34878D82A}">
-                    <a16:rowId xmlns:a16="http://schemas.microsoft.com/office/drawing/2014/main" xmlns="" val="10001"/>
+                    <a16:rowId xmlns:a16="http://schemas.microsoft.com/office/drawing/2014/main" val="10001"/>
                   </a:ext>
                 </a:extLst>
               </a:tr>
@@ -7620,7 +7480,7 @@
                 </a:tc>
                 <a:extLst>
                   <a:ext uri="{0D108BD9-81ED-4DB2-BD59-A6C34878D82A}">
-                    <a16:rowId xmlns:a16="http://schemas.microsoft.com/office/drawing/2014/main" xmlns="" val="10002"/>
+                    <a16:rowId xmlns:a16="http://schemas.microsoft.com/office/drawing/2014/main" val="10002"/>
                   </a:ext>
                 </a:extLst>
               </a:tr>
@@ -7768,7 +7628,7 @@
                 </a:tc>
                 <a:extLst>
                   <a:ext uri="{0D108BD9-81ED-4DB2-BD59-A6C34878D82A}">
-                    <a16:rowId xmlns:a16="http://schemas.microsoft.com/office/drawing/2014/main" xmlns="" val="10003"/>
+                    <a16:rowId xmlns:a16="http://schemas.microsoft.com/office/drawing/2014/main" val="10003"/>
                   </a:ext>
                 </a:extLst>
               </a:tr>
@@ -7915,7 +7775,7 @@
                 </a:tc>
                 <a:extLst>
                   <a:ext uri="{0D108BD9-81ED-4DB2-BD59-A6C34878D82A}">
-                    <a16:rowId xmlns:a16="http://schemas.microsoft.com/office/drawing/2014/main" xmlns="" val="10004"/>
+                    <a16:rowId xmlns:a16="http://schemas.microsoft.com/office/drawing/2014/main" val="10004"/>
                   </a:ext>
                 </a:extLst>
               </a:tr>
@@ -8004,7 +7864,7 @@
                 </a:tc>
                 <a:extLst>
                   <a:ext uri="{0D108BD9-81ED-4DB2-BD59-A6C34878D82A}">
-                    <a16:rowId xmlns:a16="http://schemas.microsoft.com/office/drawing/2014/main" xmlns="" val="10005"/>
+                    <a16:rowId xmlns:a16="http://schemas.microsoft.com/office/drawing/2014/main" val="10005"/>
                   </a:ext>
                 </a:extLst>
               </a:tr>
@@ -8243,10 +8103,6 @@
             </a:lvl9pPr>
           </a:lstStyle>
           <a:p>
-            <a:r>
-              <a:rPr lang="en-US" dirty="0"/>
-              <a:t/>
-            </a:r>
             <a:br>
               <a:rPr lang="en-US" dirty="0"/>
             </a:br>
@@ -8604,10 +8460,6 @@
             </a:lvl9pPr>
           </a:lstStyle>
           <a:p>
-            <a:r>
-              <a:rPr lang="en-US" dirty="0"/>
-              <a:t/>
-            </a:r>
             <a:br>
               <a:rPr lang="en-US" dirty="0"/>
             </a:br>
@@ -8718,10 +8570,6 @@
             </a:r>
           </a:p>
           <a:p>
-            <a:r>
-              <a:rPr lang="en-US" dirty="0"/>
-              <a:t/>
-            </a:r>
             <a:br>
               <a:rPr lang="en-US" dirty="0"/>
             </a:br>
@@ -9235,18 +9083,11 @@
               <a:buNone/>
             </a:pPr>
             <a:r>
-              <a:rPr lang="en-US" dirty="0" smtClean="0">
-                <a:latin typeface="Times New Roman" panose="02020603050405020304" pitchFamily="18" charset="0"/>
-                <a:cs typeface="Times New Roman" panose="02020603050405020304" pitchFamily="18" charset="0"/>
-              </a:rPr>
-              <a:t>https</a:t>
-            </a:r>
-            <a:r>
               <a:rPr lang="en-US" dirty="0">
                 <a:latin typeface="Times New Roman" panose="02020603050405020304" pitchFamily="18" charset="0"/>
                 <a:cs typeface="Times New Roman" panose="02020603050405020304" pitchFamily="18" charset="0"/>
               </a:rPr>
-              <a:t>://github.com/gsanthar/Automatic-Braking-System</a:t>
+              <a:t>https://github.com/gsanthar/Automatic-Braking-System</a:t>
             </a:r>
           </a:p>
         </p:txBody>

--- a/Project-Proposal/Automatic Braking System.pptx
+++ b/Project-Proposal/Automatic Braking System.pptx
@@ -5915,25 +5915,32 @@
           <a:lstStyle/>
           <a:p>
             <a:r>
-              <a:rPr lang="en-US" b="1" dirty="0" err="1">
+              <a:rPr lang="en-US" b="1" dirty="0">
                 <a:solidFill>
                   <a:schemeClr val="tx1"/>
                 </a:solidFill>
                 <a:latin typeface="Times New Roman" panose="02020603050405020304" pitchFamily="18" charset="0"/>
                 <a:cs typeface="Times New Roman" panose="02020603050405020304" pitchFamily="18" charset="0"/>
               </a:rPr>
-              <a:t>Kamalpreet</a:t>
-            </a:r>
-            <a:r>
-              <a:rPr lang="en-US" b="1" dirty="0">
+              <a:t>Kamalpreet </a:t>
+            </a:r>
+            <a:r>
+              <a:rPr lang="en-US" b="1" dirty="0" smtClean="0">
                 <a:solidFill>
                   <a:schemeClr val="tx1"/>
                 </a:solidFill>
                 <a:latin typeface="Times New Roman" panose="02020603050405020304" pitchFamily="18" charset="0"/>
                 <a:cs typeface="Times New Roman" panose="02020603050405020304" pitchFamily="18" charset="0"/>
               </a:rPr>
-              <a:t> Grewal</a:t>
-            </a:r>
+              <a:t>Grewal - 40010401</a:t>
+            </a:r>
+            <a:endParaRPr lang="en-US" b="1" dirty="0">
+              <a:solidFill>
+                <a:schemeClr val="tx1"/>
+              </a:solidFill>
+              <a:latin typeface="Times New Roman" panose="02020603050405020304" pitchFamily="18" charset="0"/>
+              <a:cs typeface="Times New Roman" panose="02020603050405020304" pitchFamily="18" charset="0"/>
+            </a:endParaRPr>
           </a:p>
           <a:p>
             <a:r>
@@ -5954,20 +5961,64 @@
                 <a:latin typeface="Times New Roman" panose="02020603050405020304" pitchFamily="18" charset="0"/>
                 <a:cs typeface="Times New Roman" panose="02020603050405020304" pitchFamily="18" charset="0"/>
               </a:rPr>
-              <a:t> Singh Bajaj</a:t>
-            </a:r>
-          </a:p>
-          <a:p>
-            <a:r>
-              <a:rPr lang="en-US" b="1" dirty="0">
+              <a:t> Singh </a:t>
+            </a:r>
+            <a:r>
+              <a:rPr lang="en-US" b="1" dirty="0" smtClean="0">
                 <a:solidFill>
                   <a:schemeClr val="tx1"/>
                 </a:solidFill>
                 <a:latin typeface="Times New Roman" panose="02020603050405020304" pitchFamily="18" charset="0"/>
                 <a:cs typeface="Times New Roman" panose="02020603050405020304" pitchFamily="18" charset="0"/>
               </a:rPr>
-              <a:t>Ganesh Santhar </a:t>
-            </a:r>
+              <a:t>Bajaj - 40030329 </a:t>
+            </a:r>
+            <a:endParaRPr lang="en-US" b="1" dirty="0">
+              <a:solidFill>
+                <a:schemeClr val="tx1"/>
+              </a:solidFill>
+              <a:latin typeface="Times New Roman" panose="02020603050405020304" pitchFamily="18" charset="0"/>
+              <a:cs typeface="Times New Roman" panose="02020603050405020304" pitchFamily="18" charset="0"/>
+            </a:endParaRPr>
+          </a:p>
+          <a:p>
+            <a:r>
+              <a:rPr lang="en-US" b="1" dirty="0">
+                <a:solidFill>
+                  <a:schemeClr val="tx1"/>
+                </a:solidFill>
+                <a:latin typeface="Times New Roman" panose="02020603050405020304" pitchFamily="18" charset="0"/>
+                <a:cs typeface="Times New Roman" panose="02020603050405020304" pitchFamily="18" charset="0"/>
+              </a:rPr>
+              <a:t>Ganesh </a:t>
+            </a:r>
+            <a:r>
+              <a:rPr lang="en-US" b="1" dirty="0" err="1" smtClean="0">
+                <a:solidFill>
+                  <a:schemeClr val="tx1"/>
+                </a:solidFill>
+                <a:latin typeface="Times New Roman" panose="02020603050405020304" pitchFamily="18" charset="0"/>
+                <a:cs typeface="Times New Roman" panose="02020603050405020304" pitchFamily="18" charset="0"/>
+              </a:rPr>
+              <a:t>Santhar</a:t>
+            </a:r>
+            <a:r>
+              <a:rPr lang="en-US" b="1" dirty="0" smtClean="0">
+                <a:solidFill>
+                  <a:schemeClr val="tx1"/>
+                </a:solidFill>
+                <a:latin typeface="Times New Roman" panose="02020603050405020304" pitchFamily="18" charset="0"/>
+                <a:cs typeface="Times New Roman" panose="02020603050405020304" pitchFamily="18" charset="0"/>
+              </a:rPr>
+              <a:t>  - 40010625 </a:t>
+            </a:r>
+            <a:endParaRPr lang="en-US" b="1" dirty="0">
+              <a:solidFill>
+                <a:schemeClr val="tx1"/>
+              </a:solidFill>
+              <a:latin typeface="Times New Roman" panose="02020603050405020304" pitchFamily="18" charset="0"/>
+              <a:cs typeface="Times New Roman" panose="02020603050405020304" pitchFamily="18" charset="0"/>
+            </a:endParaRPr>
           </a:p>
           <a:p>
             <a:endParaRPr lang="en-US" dirty="0"/>
@@ -5984,6 +6035,13 @@
   <p:clrMapOvr>
     <a:masterClrMapping/>
   </p:clrMapOvr>
+  <p:timing>
+    <p:tnLst>
+      <p:par>
+        <p:cTn id="1" dur="indefinite" restart="never" nodeType="tmRoot"/>
+      </p:par>
+    </p:tnLst>
+  </p:timing>
 </p:sld>
 </file>
 
@@ -6027,12 +6085,16 @@
           <a:lstStyle/>
           <a:p>
             <a:r>
-              <a:rPr lang="en-US" dirty="0">
+              <a:rPr lang="en-US" smtClean="0">
                 <a:latin typeface="Times New Roman" panose="02020603050405020304" pitchFamily="18" charset="0"/>
                 <a:cs typeface="Times New Roman" panose="02020603050405020304" pitchFamily="18" charset="0"/>
               </a:rPr>
-              <a:t>Objective</a:t>
-            </a:r>
+              <a:t>Overview</a:t>
+            </a:r>
+            <a:endParaRPr lang="en-US" dirty="0">
+              <a:latin typeface="Times New Roman" panose="02020603050405020304" pitchFamily="18" charset="0"/>
+              <a:cs typeface="Times New Roman" panose="02020603050405020304" pitchFamily="18" charset="0"/>
+            </a:endParaRPr>
           </a:p>
         </p:txBody>
       </p:sp>
@@ -6069,8 +6131,25 @@
                 <a:latin typeface="Times New Roman" panose="02020603050405020304" pitchFamily="18" charset="0"/>
                 <a:cs typeface="Times New Roman" panose="02020603050405020304" pitchFamily="18" charset="0"/>
               </a:rPr>
-              <a:t>Present a Project proposal in automotive domain based on ARM Cortex M0.</a:t>
-            </a:r>
+              <a:t>Present a Project proposal in automotive domain based on ARM Cortex </a:t>
+            </a:r>
+            <a:r>
+              <a:rPr lang="en-US" sz="2000" dirty="0" smtClean="0">
+                <a:solidFill>
+                  <a:schemeClr val="tx1"/>
+                </a:solidFill>
+                <a:latin typeface="Times New Roman" panose="02020603050405020304" pitchFamily="18" charset="0"/>
+                <a:cs typeface="Times New Roman" panose="02020603050405020304" pitchFamily="18" charset="0"/>
+              </a:rPr>
+              <a:t>M0+</a:t>
+            </a:r>
+            <a:endParaRPr lang="en-US" sz="2000" dirty="0">
+              <a:solidFill>
+                <a:schemeClr val="tx1"/>
+              </a:solidFill>
+              <a:latin typeface="Times New Roman" panose="02020603050405020304" pitchFamily="18" charset="0"/>
+              <a:cs typeface="Times New Roman" panose="02020603050405020304" pitchFamily="18" charset="0"/>
+            </a:endParaRPr>
           </a:p>
           <a:p>
             <a:pPr marL="0" indent="0">
@@ -6171,6 +6250,13 @@
   <p:clrMapOvr>
     <a:masterClrMapping/>
   </p:clrMapOvr>
+  <p:timing>
+    <p:tnLst>
+      <p:par>
+        <p:cTn id="1" dur="indefinite" restart="never" nodeType="tmRoot"/>
+      </p:par>
+    </p:tnLst>
+  </p:timing>
 </p:sld>
 </file>
 
@@ -6350,6 +6436,13 @@
   <p:clrMapOvr>
     <a:masterClrMapping/>
   </p:clrMapOvr>
+  <p:timing>
+    <p:tnLst>
+      <p:par>
+        <p:cTn id="1" dur="indefinite" restart="never" nodeType="tmRoot"/>
+      </p:par>
+    </p:tnLst>
+  </p:timing>
 </p:sld>
 </file>
 
@@ -6516,6 +6609,13 @@
   <p:clrMapOvr>
     <a:masterClrMapping/>
   </p:clrMapOvr>
+  <p:timing>
+    <p:tnLst>
+      <p:par>
+        <p:cTn id="1" dur="indefinite" restart="never" nodeType="tmRoot"/>
+      </p:par>
+    </p:tnLst>
+  </p:timing>
 </p:sld>
 </file>
 
@@ -6646,7 +6746,7 @@
           <a:graphicData uri="http://schemas.openxmlformats.org/presentationml/2006/ole">
             <mc:AlternateContent xmlns:mc="http://schemas.openxmlformats.org/markup-compatibility/2006">
               <mc:Choice xmlns:v="urn:schemas-microsoft-com:vml" Requires="v">
-                <p:oleObj spid="_x0000_s1130" name="Visio" r:id="rId3" imgW="7121580" imgH="3491321" progId="Visio.Drawing.15">
+                <p:oleObj spid="_x0000_s1132" name="Visio" r:id="rId3" imgW="7121580" imgH="3491321" progId="Visio.Drawing.15">
                   <p:embed/>
                 </p:oleObj>
               </mc:Choice>
@@ -6704,6 +6804,13 @@
   <p:clrMapOvr>
     <a:masterClrMapping/>
   </p:clrMapOvr>
+  <p:timing>
+    <p:tnLst>
+      <p:par>
+        <p:cTn id="1" dur="indefinite" restart="never" nodeType="tmRoot"/>
+      </p:par>
+    </p:tnLst>
+  </p:timing>
 </p:sld>
 </file>
 
@@ -6834,6 +6941,13 @@
   <p:clrMapOvr>
     <a:masterClrMapping/>
   </p:clrMapOvr>
+  <p:timing>
+    <p:tnLst>
+      <p:par>
+        <p:cTn id="1" dur="indefinite" restart="never" nodeType="tmRoot"/>
+      </p:par>
+    </p:tnLst>
+  </p:timing>
 </p:sld>
 </file>
 
@@ -6922,6 +7036,13 @@
   <p:clrMapOvr>
     <a:masterClrMapping/>
   </p:clrMapOvr>
+  <p:timing>
+    <p:tnLst>
+      <p:par>
+        <p:cTn id="1" dur="indefinite" restart="never" nodeType="tmRoot"/>
+      </p:par>
+    </p:tnLst>
+  </p:timing>
 </p:sld>
 </file>
 
@@ -6996,35 +7117,35 @@
                 <a:gridCol w="933129">
                   <a:extLst>
                     <a:ext uri="{9D8B030D-6E8A-4147-A177-3AD203B41FA5}">
-                      <a16:colId xmlns:a16="http://schemas.microsoft.com/office/drawing/2014/main" val="20000"/>
+                      <a16:colId xmlns:a16="http://schemas.microsoft.com/office/drawing/2014/main" xmlns="" val="20000"/>
                     </a:ext>
                   </a:extLst>
                 </a:gridCol>
                 <a:gridCol w="2670982">
                   <a:extLst>
                     <a:ext uri="{9D8B030D-6E8A-4147-A177-3AD203B41FA5}">
-                      <a16:colId xmlns:a16="http://schemas.microsoft.com/office/drawing/2014/main" val="20001"/>
+                      <a16:colId xmlns:a16="http://schemas.microsoft.com/office/drawing/2014/main" xmlns="" val="20001"/>
                     </a:ext>
                   </a:extLst>
                 </a:gridCol>
                 <a:gridCol w="1383217">
                   <a:extLst>
                     <a:ext uri="{9D8B030D-6E8A-4147-A177-3AD203B41FA5}">
-                      <a16:colId xmlns:a16="http://schemas.microsoft.com/office/drawing/2014/main" val="20002"/>
+                      <a16:colId xmlns:a16="http://schemas.microsoft.com/office/drawing/2014/main" xmlns="" val="20002"/>
                     </a:ext>
                   </a:extLst>
                 </a:gridCol>
                 <a:gridCol w="1594391">
                   <a:extLst>
                     <a:ext uri="{9D8B030D-6E8A-4147-A177-3AD203B41FA5}">
-                      <a16:colId xmlns:a16="http://schemas.microsoft.com/office/drawing/2014/main" val="20003"/>
+                      <a16:colId xmlns:a16="http://schemas.microsoft.com/office/drawing/2014/main" xmlns="" val="20003"/>
                     </a:ext>
                   </a:extLst>
                 </a:gridCol>
                 <a:gridCol w="1594391">
                   <a:extLst>
                     <a:ext uri="{9D8B030D-6E8A-4147-A177-3AD203B41FA5}">
-                      <a16:colId xmlns:a16="http://schemas.microsoft.com/office/drawing/2014/main" val="20004"/>
+                      <a16:colId xmlns:a16="http://schemas.microsoft.com/office/drawing/2014/main" xmlns="" val="20004"/>
                     </a:ext>
                   </a:extLst>
                 </a:gridCol>
@@ -7117,7 +7238,7 @@
                 </a:tc>
                 <a:extLst>
                   <a:ext uri="{0D108BD9-81ED-4DB2-BD59-A6C34878D82A}">
-                    <a16:rowId xmlns:a16="http://schemas.microsoft.com/office/drawing/2014/main" val="10000"/>
+                    <a16:rowId xmlns:a16="http://schemas.microsoft.com/office/drawing/2014/main" xmlns="" val="10000"/>
                   </a:ext>
                 </a:extLst>
               </a:tr>
@@ -7302,7 +7423,7 @@
                 </a:tc>
                 <a:extLst>
                   <a:ext uri="{0D108BD9-81ED-4DB2-BD59-A6C34878D82A}">
-                    <a16:rowId xmlns:a16="http://schemas.microsoft.com/office/drawing/2014/main" val="10001"/>
+                    <a16:rowId xmlns:a16="http://schemas.microsoft.com/office/drawing/2014/main" xmlns="" val="10001"/>
                   </a:ext>
                 </a:extLst>
               </a:tr>
@@ -7480,7 +7601,7 @@
                 </a:tc>
                 <a:extLst>
                   <a:ext uri="{0D108BD9-81ED-4DB2-BD59-A6C34878D82A}">
-                    <a16:rowId xmlns:a16="http://schemas.microsoft.com/office/drawing/2014/main" val="10002"/>
+                    <a16:rowId xmlns:a16="http://schemas.microsoft.com/office/drawing/2014/main" xmlns="" val="10002"/>
                   </a:ext>
                 </a:extLst>
               </a:tr>
@@ -7628,7 +7749,7 @@
                 </a:tc>
                 <a:extLst>
                   <a:ext uri="{0D108BD9-81ED-4DB2-BD59-A6C34878D82A}">
-                    <a16:rowId xmlns:a16="http://schemas.microsoft.com/office/drawing/2014/main" val="10003"/>
+                    <a16:rowId xmlns:a16="http://schemas.microsoft.com/office/drawing/2014/main" xmlns="" val="10003"/>
                   </a:ext>
                 </a:extLst>
               </a:tr>
@@ -7775,7 +7896,7 @@
                 </a:tc>
                 <a:extLst>
                   <a:ext uri="{0D108BD9-81ED-4DB2-BD59-A6C34878D82A}">
-                    <a16:rowId xmlns:a16="http://schemas.microsoft.com/office/drawing/2014/main" val="10004"/>
+                    <a16:rowId xmlns:a16="http://schemas.microsoft.com/office/drawing/2014/main" xmlns="" val="10004"/>
                   </a:ext>
                 </a:extLst>
               </a:tr>
@@ -7864,7 +7985,7 @@
                 </a:tc>
                 <a:extLst>
                   <a:ext uri="{0D108BD9-81ED-4DB2-BD59-A6C34878D82A}">
-                    <a16:rowId xmlns:a16="http://schemas.microsoft.com/office/drawing/2014/main" val="10005"/>
+                    <a16:rowId xmlns:a16="http://schemas.microsoft.com/office/drawing/2014/main" xmlns="" val="10005"/>
                   </a:ext>
                 </a:extLst>
               </a:tr>
@@ -7882,6 +8003,13 @@
   <p:clrMapOvr>
     <a:masterClrMapping/>
   </p:clrMapOvr>
+  <p:timing>
+    <p:tnLst>
+      <p:par>
+        <p:cTn id="1" dur="indefinite" restart="never" nodeType="tmRoot"/>
+      </p:par>
+    </p:tnLst>
+  </p:timing>
 </p:sld>
 </file>
 
@@ -8103,6 +8231,10 @@
             </a:lvl9pPr>
           </a:lstStyle>
           <a:p>
+            <a:r>
+              <a:rPr lang="en-US" dirty="0"/>
+              <a:t/>
+            </a:r>
             <a:br>
               <a:rPr lang="en-US" dirty="0"/>
             </a:br>
@@ -8460,6 +8592,10 @@
             </a:lvl9pPr>
           </a:lstStyle>
           <a:p>
+            <a:r>
+              <a:rPr lang="en-US" dirty="0"/>
+              <a:t/>
+            </a:r>
             <a:br>
               <a:rPr lang="en-US" dirty="0"/>
             </a:br>
@@ -8570,6 +8706,10 @@
             </a:r>
           </a:p>
           <a:p>
+            <a:r>
+              <a:rPr lang="en-US" dirty="0"/>
+              <a:t/>
+            </a:r>
             <a:br>
               <a:rPr lang="en-US" dirty="0"/>
             </a:br>
@@ -9102,6 +9242,13 @@
   <p:clrMapOvr>
     <a:masterClrMapping/>
   </p:clrMapOvr>
+  <p:timing>
+    <p:tnLst>
+      <p:par>
+        <p:cTn id="1" dur="indefinite" restart="never" nodeType="tmRoot"/>
+      </p:par>
+    </p:tnLst>
+  </p:timing>
 </p:sld>
 </file>
 
